--- a/presentation/prototype 1.pptx
+++ b/presentation/prototype 1.pptx
@@ -6,19 +6,21 @@
   </p:sldMasterIdLst>
   <p:sldIdLst>
     <p:sldId id="298" r:id="rId5"/>
-    <p:sldId id="308" r:id="rId6"/>
+    <p:sldId id="316" r:id="rId6"/>
     <p:sldId id="309" r:id="rId7"/>
-    <p:sldId id="310" r:id="rId8"/>
-    <p:sldId id="311" r:id="rId9"/>
-    <p:sldId id="312" r:id="rId10"/>
-    <p:sldId id="313" r:id="rId11"/>
-    <p:sldId id="306" r:id="rId12"/>
-    <p:sldId id="302" r:id="rId13"/>
-    <p:sldId id="307" r:id="rId14"/>
-    <p:sldId id="301" r:id="rId15"/>
-    <p:sldId id="303" r:id="rId16"/>
-    <p:sldId id="304" r:id="rId17"/>
-    <p:sldId id="305" r:id="rId18"/>
+    <p:sldId id="308" r:id="rId8"/>
+    <p:sldId id="315" r:id="rId9"/>
+    <p:sldId id="310" r:id="rId10"/>
+    <p:sldId id="311" r:id="rId11"/>
+    <p:sldId id="312" r:id="rId12"/>
+    <p:sldId id="313" r:id="rId13"/>
+    <p:sldId id="306" r:id="rId14"/>
+    <p:sldId id="302" r:id="rId15"/>
+    <p:sldId id="307" r:id="rId16"/>
+    <p:sldId id="301" r:id="rId17"/>
+    <p:sldId id="303" r:id="rId18"/>
+    <p:sldId id="304" r:id="rId19"/>
+    <p:sldId id="305" r:id="rId20"/>
   </p:sldIdLst>
   <p:sldSz cx="12192000" cy="6858000"/>
   <p:notesSz cx="6858000" cy="9144000"/>
@@ -3802,3741 +3804,6 @@
       </p:grpSpPr>
       <p:sp>
         <p:nvSpPr>
-          <p:cNvPr id="33" name="Rectangle 23">
-            <a:extLst>
-              <a:ext uri="{FF2B5EF4-FFF2-40B4-BE49-F238E27FC236}">
-                <a16:creationId xmlns:a16="http://schemas.microsoft.com/office/drawing/2014/main" id="{39E3965E-AC41-4711-9D10-E25ABB132D86}"/>
-              </a:ext>
-              <a:ext uri="{C183D7F6-B498-43B3-948B-1728B52AA6E4}">
-                <adec:decorative xmlns:adec="http://schemas.microsoft.com/office/drawing/2017/decorative" val="1"/>
-              </a:ext>
-            </a:extLst>
-          </p:cNvPr>
-          <p:cNvSpPr>
-            <a:spLocks noGrp="1" noRot="1" noChangeAspect="1" noMove="1" noResize="1" noEditPoints="1" noAdjustHandles="1" noChangeArrowheads="1" noChangeShapeType="1" noTextEdit="1"/>
-          </p:cNvSpPr>
-          <p:nvPr>
-            <p:extLst>
-              <p:ext uri="{386F3935-93C4-4BCD-93E2-E3B085C9AB24}">
-                <p16:designElem xmlns:p16="http://schemas.microsoft.com/office/powerpoint/2015/main" val="1"/>
-              </p:ext>
-            </p:extLst>
-          </p:nvPr>
-        </p:nvSpPr>
-        <p:spPr>
-          <a:xfrm>
-            <a:off x="3175" y="6400800"/>
-            <a:ext cx="12188825" cy="457200"/>
-          </a:xfrm>
-          <a:prstGeom prst="rect">
-            <a:avLst/>
-          </a:prstGeom>
-          <a:solidFill>
-            <a:srgbClr val="262626"/>
-          </a:solidFill>
-          <a:ln>
-            <a:noFill/>
-          </a:ln>
-        </p:spPr>
-        <p:style>
-          <a:lnRef idx="2">
-            <a:schemeClr val="accent1">
-              <a:shade val="50000"/>
-            </a:schemeClr>
-          </a:lnRef>
-          <a:fillRef idx="1">
-            <a:schemeClr val="accent1"/>
-          </a:fillRef>
-          <a:effectRef idx="0">
-            <a:schemeClr val="accent1"/>
-          </a:effectRef>
-          <a:fontRef idx="minor">
-            <a:schemeClr val="lt1"/>
-          </a:fontRef>
-        </p:style>
-      </p:sp>
-      <p:cxnSp>
-        <p:nvCxnSpPr>
-          <p:cNvPr id="35" name="Straight Connector 25">
-            <a:extLst>
-              <a:ext uri="{FF2B5EF4-FFF2-40B4-BE49-F238E27FC236}">
-                <a16:creationId xmlns:a16="http://schemas.microsoft.com/office/drawing/2014/main" id="{1F5DC8C3-BA5F-4EED-BB9A-A14272BD82A1}"/>
-              </a:ext>
-              <a:ext uri="{C183D7F6-B498-43B3-948B-1728B52AA6E4}">
-                <adec:decorative xmlns:adec="http://schemas.microsoft.com/office/drawing/2017/decorative" val="1"/>
-              </a:ext>
-            </a:extLst>
-          </p:cNvPr>
-          <p:cNvCxnSpPr>
-            <a:cxnSpLocks noGrp="1" noRot="1" noChangeAspect="1" noMove="1" noResize="1" noEditPoints="1" noAdjustHandles="1" noChangeArrowheads="1" noChangeShapeType="1"/>
-          </p:cNvCxnSpPr>
-          <p:nvPr>
-            <p:extLst>
-              <p:ext uri="{386F3935-93C4-4BCD-93E2-E3B085C9AB24}">
-                <p16:designElem xmlns:p16="http://schemas.microsoft.com/office/powerpoint/2015/main" val="1"/>
-              </p:ext>
-            </p:extLst>
-          </p:nvPr>
-        </p:nvCxnSpPr>
-        <p:spPr>
-          <a:xfrm>
-            <a:off x="1207658" y="4474741"/>
-            <a:ext cx="9875520" cy="0"/>
-          </a:xfrm>
-          <a:prstGeom prst="line">
-            <a:avLst/>
-          </a:prstGeom>
-          <a:ln w="12700">
-            <a:solidFill>
-              <a:schemeClr val="tx1">
-                <a:lumMod val="75000"/>
-                <a:lumOff val="25000"/>
-              </a:schemeClr>
-            </a:solidFill>
-          </a:ln>
-        </p:spPr>
-        <p:style>
-          <a:lnRef idx="1">
-            <a:schemeClr val="accent1"/>
-          </a:lnRef>
-          <a:fillRef idx="0">
-            <a:schemeClr val="accent1"/>
-          </a:fillRef>
-          <a:effectRef idx="0">
-            <a:schemeClr val="accent1"/>
-          </a:effectRef>
-          <a:fontRef idx="minor">
-            <a:schemeClr val="tx1"/>
-          </a:fontRef>
-        </p:style>
-      </p:cxnSp>
-      <p:sp useBgFill="1">
-        <p:nvSpPr>
-          <p:cNvPr id="36" name="Rectangle 27">
-            <a:extLst>
-              <a:ext uri="{FF2B5EF4-FFF2-40B4-BE49-F238E27FC236}">
-                <a16:creationId xmlns:a16="http://schemas.microsoft.com/office/drawing/2014/main" id="{F1314C34-F582-4EEF-86CE-F88761E52434}"/>
-              </a:ext>
-              <a:ext uri="{C183D7F6-B498-43B3-948B-1728B52AA6E4}">
-                <adec:decorative xmlns:adec="http://schemas.microsoft.com/office/drawing/2017/decorative" val="1"/>
-              </a:ext>
-            </a:extLst>
-          </p:cNvPr>
-          <p:cNvSpPr>
-            <a:spLocks noGrp="1" noRot="1" noChangeAspect="1" noMove="1" noResize="1" noEditPoints="1" noAdjustHandles="1" noChangeArrowheads="1" noChangeShapeType="1" noTextEdit="1"/>
-          </p:cNvSpPr>
-          <p:nvPr>
-            <p:extLst>
-              <p:ext uri="{386F3935-93C4-4BCD-93E2-E3B085C9AB24}">
-                <p16:designElem xmlns:p16="http://schemas.microsoft.com/office/powerpoint/2015/main" val="1"/>
-              </p:ext>
-            </p:extLst>
-          </p:nvPr>
-        </p:nvSpPr>
-        <p:spPr>
-          <a:xfrm>
-            <a:off x="0" y="0"/>
-            <a:ext cx="12192000" cy="6858000"/>
-          </a:xfrm>
-          <a:prstGeom prst="rect">
-            <a:avLst/>
-          </a:prstGeom>
-          <a:ln w="15875" cap="flat" cmpd="sng" algn="ctr">
-            <a:noFill/>
-            <a:prstDash val="solid"/>
-          </a:ln>
-          <a:effectLst/>
-          <a:extLst>
-            <a:ext uri="{91240B29-F687-4F45-9708-019B960494DF}">
-              <a14:hiddenLine xmlns:a14="http://schemas.microsoft.com/office/drawing/2010/main" w="15875" cap="flat" cmpd="sng" algn="ctr">
-                <a:solidFill>
-                  <a:schemeClr val="accent1">
-                    <a:shade val="50000"/>
-                  </a:schemeClr>
-                </a:solidFill>
-                <a:prstDash val="solid"/>
-              </a14:hiddenLine>
-            </a:ext>
-          </a:extLst>
-        </p:spPr>
-        <p:style>
-          <a:lnRef idx="2">
-            <a:schemeClr val="accent1">
-              <a:shade val="50000"/>
-            </a:schemeClr>
-          </a:lnRef>
-          <a:fillRef idx="1">
-            <a:schemeClr val="accent1"/>
-          </a:fillRef>
-          <a:effectRef idx="0">
-            <a:schemeClr val="accent1"/>
-          </a:effectRef>
-          <a:fontRef idx="minor">
-            <a:schemeClr val="lt1"/>
-          </a:fontRef>
-        </p:style>
-        <p:txBody>
-          <a:bodyPr rtlCol="0" anchor="ctr"/>
-          <a:lstStyle/>
-          <a:p>
-            <a:pPr algn="ctr"/>
-            <a:endParaRPr lang="en-US"/>
-          </a:p>
-        </p:txBody>
-      </p:sp>
-      <p:pic>
-        <p:nvPicPr>
-          <p:cNvPr id="5" name="Picture 4" descr="Graph on document with pen">
-            <a:extLst>
-              <a:ext uri="{FF2B5EF4-FFF2-40B4-BE49-F238E27FC236}">
-                <a16:creationId xmlns:a16="http://schemas.microsoft.com/office/drawing/2014/main" id="{50686A78-7C77-40EA-A7EF-5E386D5E1765}"/>
-              </a:ext>
-            </a:extLst>
-          </p:cNvPr>
-          <p:cNvPicPr>
-            <a:picLocks noChangeAspect="1"/>
-          </p:cNvPicPr>
-          <p:nvPr/>
-        </p:nvPicPr>
-        <p:blipFill rotWithShape="1">
-          <a:blip r:embed="rId2"/>
-          <a:srcRect t="1415" b="14315"/>
-          <a:stretch/>
-        </p:blipFill>
-        <p:spPr>
-          <a:xfrm>
-            <a:off x="-1" y="10"/>
-            <a:ext cx="12191999" cy="6857990"/>
-          </a:xfrm>
-          <a:prstGeom prst="rect">
-            <a:avLst/>
-          </a:prstGeom>
-        </p:spPr>
-      </p:pic>
-      <p:sp>
-        <p:nvSpPr>
-          <p:cNvPr id="37" name="Rectangle 29">
-            <a:extLst>
-              <a:ext uri="{FF2B5EF4-FFF2-40B4-BE49-F238E27FC236}">
-                <a16:creationId xmlns:a16="http://schemas.microsoft.com/office/drawing/2014/main" id="{7319A1DD-F557-4EC6-8A8C-F7617B4CD678}"/>
-              </a:ext>
-              <a:ext uri="{C183D7F6-B498-43B3-948B-1728B52AA6E4}">
-                <adec:decorative xmlns:adec="http://schemas.microsoft.com/office/drawing/2017/decorative" val="1"/>
-              </a:ext>
-            </a:extLst>
-          </p:cNvPr>
-          <p:cNvSpPr>
-            <a:spLocks noGrp="1" noRot="1" noChangeAspect="1" noMove="1" noResize="1" noEditPoints="1" noAdjustHandles="1" noChangeArrowheads="1" noChangeShapeType="1" noTextEdit="1"/>
-          </p:cNvSpPr>
-          <p:nvPr>
-            <p:extLst>
-              <p:ext uri="{386F3935-93C4-4BCD-93E2-E3B085C9AB24}">
-                <p16:designElem xmlns:p16="http://schemas.microsoft.com/office/powerpoint/2015/main" val="1"/>
-              </p:ext>
-            </p:extLst>
-          </p:nvPr>
-        </p:nvSpPr>
-        <p:spPr>
-          <a:xfrm>
-            <a:off x="-1" y="3118982"/>
-            <a:ext cx="7537704" cy="2462668"/>
-          </a:xfrm>
-          <a:prstGeom prst="rect">
-            <a:avLst/>
-          </a:prstGeom>
-          <a:solidFill>
-            <a:schemeClr val="bg1">
-              <a:alpha val="85000"/>
-            </a:schemeClr>
-          </a:solidFill>
-          <a:ln>
-            <a:noFill/>
-          </a:ln>
-        </p:spPr>
-        <p:style>
-          <a:lnRef idx="2">
-            <a:schemeClr val="accent1">
-              <a:shade val="50000"/>
-            </a:schemeClr>
-          </a:lnRef>
-          <a:fillRef idx="1">
-            <a:schemeClr val="accent1"/>
-          </a:fillRef>
-          <a:effectRef idx="0">
-            <a:schemeClr val="accent1"/>
-          </a:effectRef>
-          <a:fontRef idx="minor">
-            <a:schemeClr val="lt1"/>
-          </a:fontRef>
-        </p:style>
-        <p:txBody>
-          <a:bodyPr rtlCol="0" anchor="ctr"/>
-          <a:lstStyle/>
-          <a:p>
-            <a:pPr algn="ctr"/>
-            <a:endParaRPr lang="en-US"/>
-          </a:p>
-        </p:txBody>
-      </p:sp>
-      <p:sp>
-        <p:nvSpPr>
-          <p:cNvPr id="2" name="Title 1">
-            <a:extLst>
-              <a:ext uri="{FF2B5EF4-FFF2-40B4-BE49-F238E27FC236}">
-                <a16:creationId xmlns:a16="http://schemas.microsoft.com/office/drawing/2014/main" id="{FA4BD612-9192-4FC7-A751-FA2DA4BA1907}"/>
-              </a:ext>
-            </a:extLst>
-          </p:cNvPr>
-          <p:cNvSpPr>
-            <a:spLocks noGrp="1"/>
-          </p:cNvSpPr>
-          <p:nvPr>
-            <p:ph type="title"/>
-          </p:nvPr>
-        </p:nvSpPr>
-        <p:spPr>
-          <a:xfrm>
-            <a:off x="735791" y="3331444"/>
-            <a:ext cx="6470692" cy="1229306"/>
-          </a:xfrm>
-        </p:spPr>
-        <p:txBody>
-          <a:bodyPr vert="horz" lIns="91440" tIns="45720" rIns="91440" bIns="45720" rtlCol="0" anchor="b">
-            <a:normAutofit/>
-          </a:bodyPr>
-          <a:lstStyle/>
-          <a:p>
-            <a:r>
-              <a:rPr lang="en-US" sz="4000" dirty="0">
-                <a:solidFill>
-                  <a:schemeClr val="tx1">
-                    <a:lumMod val="85000"/>
-                    <a:lumOff val="15000"/>
-                  </a:schemeClr>
-                </a:solidFill>
-                <a:latin typeface="Bahnschrift Condensed" panose="020B0502040204020203" pitchFamily="34" charset="0"/>
-              </a:rPr>
-              <a:t>Summary of current advances in text-based emotion detection</a:t>
-            </a:r>
-          </a:p>
-        </p:txBody>
-      </p:sp>
-      <p:cxnSp>
-        <p:nvCxnSpPr>
-          <p:cNvPr id="32" name="Straight Connector 31">
-            <a:extLst>
-              <a:ext uri="{FF2B5EF4-FFF2-40B4-BE49-F238E27FC236}">
-                <a16:creationId xmlns:a16="http://schemas.microsoft.com/office/drawing/2014/main" id="{D28A9C89-B313-458F-9C85-515930A51A93}"/>
-              </a:ext>
-              <a:ext uri="{C183D7F6-B498-43B3-948B-1728B52AA6E4}">
-                <adec:decorative xmlns:adec="http://schemas.microsoft.com/office/drawing/2017/decorative" val="1"/>
-              </a:ext>
-            </a:extLst>
-          </p:cNvPr>
-          <p:cNvCxnSpPr>
-            <a:cxnSpLocks noGrp="1" noRot="1" noChangeAspect="1" noMove="1" noResize="1" noEditPoints="1" noAdjustHandles="1" noChangeArrowheads="1" noChangeShapeType="1"/>
-          </p:cNvCxnSpPr>
-          <p:nvPr>
-            <p:extLst>
-              <p:ext uri="{386F3935-93C4-4BCD-93E2-E3B085C9AB24}">
-                <p16:designElem xmlns:p16="http://schemas.microsoft.com/office/powerpoint/2015/main" val="1"/>
-              </p:ext>
-            </p:extLst>
-          </p:nvPr>
-        </p:nvCxnSpPr>
-        <p:spPr>
-          <a:xfrm>
-            <a:off x="772429" y="4641183"/>
-            <a:ext cx="6309360" cy="0"/>
-          </a:xfrm>
-          <a:prstGeom prst="line">
-            <a:avLst/>
-          </a:prstGeom>
-          <a:ln w="19050">
-            <a:solidFill>
-              <a:schemeClr val="accent1">
-                <a:alpha val="90000"/>
-              </a:schemeClr>
-            </a:solidFill>
-          </a:ln>
-        </p:spPr>
-        <p:style>
-          <a:lnRef idx="1">
-            <a:schemeClr val="accent1"/>
-          </a:lnRef>
-          <a:fillRef idx="0">
-            <a:schemeClr val="accent1"/>
-          </a:fillRef>
-          <a:effectRef idx="0">
-            <a:schemeClr val="accent1"/>
-          </a:effectRef>
-          <a:fontRef idx="minor">
-            <a:schemeClr val="tx1"/>
-          </a:fontRef>
-        </p:style>
-      </p:cxnSp>
-      <p:sp>
-        <p:nvSpPr>
-          <p:cNvPr id="34" name="!!footer rectangle">
-            <a:extLst>
-              <a:ext uri="{FF2B5EF4-FFF2-40B4-BE49-F238E27FC236}">
-                <a16:creationId xmlns:a16="http://schemas.microsoft.com/office/drawing/2014/main" id="{C390A367-0330-4E03-9D5F-40308A7975C8}"/>
-              </a:ext>
-              <a:ext uri="{C183D7F6-B498-43B3-948B-1728B52AA6E4}">
-                <adec:decorative xmlns:adec="http://schemas.microsoft.com/office/drawing/2017/decorative" val="1"/>
-              </a:ext>
-            </a:extLst>
-          </p:cNvPr>
-          <p:cNvSpPr>
-            <a:spLocks noGrp="1" noRot="1" noChangeAspect="1" noMove="1" noResize="1" noEditPoints="1" noAdjustHandles="1" noChangeArrowheads="1" noChangeShapeType="1" noTextEdit="1"/>
-          </p:cNvSpPr>
-          <p:nvPr>
-            <p:extLst>
-              <p:ext uri="{386F3935-93C4-4BCD-93E2-E3B085C9AB24}">
-                <p16:designElem xmlns:p16="http://schemas.microsoft.com/office/powerpoint/2015/main" val="1"/>
-              </p:ext>
-            </p:extLst>
-          </p:nvPr>
-        </p:nvSpPr>
-        <p:spPr>
-          <a:xfrm>
-            <a:off x="1" y="6400800"/>
-            <a:ext cx="12192000" cy="457200"/>
-          </a:xfrm>
-          <a:prstGeom prst="rect">
-            <a:avLst/>
-          </a:prstGeom>
-          <a:solidFill>
-            <a:srgbClr val="262626">
-              <a:alpha val="95000"/>
-            </a:srgbClr>
-          </a:solidFill>
-          <a:ln>
-            <a:noFill/>
-          </a:ln>
-        </p:spPr>
-        <p:style>
-          <a:lnRef idx="2">
-            <a:schemeClr val="accent1">
-              <a:shade val="50000"/>
-            </a:schemeClr>
-          </a:lnRef>
-          <a:fillRef idx="1">
-            <a:schemeClr val="accent1"/>
-          </a:fillRef>
-          <a:effectRef idx="0">
-            <a:schemeClr val="accent1"/>
-          </a:effectRef>
-          <a:fontRef idx="minor">
-            <a:schemeClr val="lt1"/>
-          </a:fontRef>
-        </p:style>
-      </p:sp>
-    </p:spTree>
-    <p:extLst>
-      <p:ext uri="{BB962C8B-B14F-4D97-AF65-F5344CB8AC3E}">
-        <p14:creationId xmlns:p14="http://schemas.microsoft.com/office/powerpoint/2010/main" val="1983536281"/>
-      </p:ext>
-    </p:extLst>
-  </p:cSld>
-  <p:clrMapOvr>
-    <a:overrideClrMapping bg1="dk1" tx1="lt1" bg2="dk2" tx2="lt2" accent1="accent1" accent2="accent2" accent3="accent3" accent4="accent4" accent5="accent5" accent6="accent6" hlink="hlink" folHlink="folHlink"/>
-  </p:clrMapOvr>
-</p:sld>
-</file>
-
-<file path=ppt/slides/slide11.xml><?xml version="1.0" encoding="utf-8"?>
-<p:sld xmlns:a="http://schemas.openxmlformats.org/drawingml/2006/main" xmlns:r="http://schemas.openxmlformats.org/officeDocument/2006/relationships" xmlns:p="http://schemas.openxmlformats.org/presentationml/2006/main">
-  <p:cSld>
-    <p:bg>
-      <p:bgPr>
-        <a:solidFill>
-          <a:schemeClr val="bg1"/>
-        </a:solidFill>
-        <a:effectLst/>
-      </p:bgPr>
-    </p:bg>
-    <p:spTree>
-      <p:nvGrpSpPr>
-        <p:cNvPr id="1" name=""/>
-        <p:cNvGrpSpPr/>
-        <p:nvPr/>
-      </p:nvGrpSpPr>
-      <p:grpSpPr>
-        <a:xfrm>
-          <a:off x="0" y="0"/>
-          <a:ext cx="0" cy="0"/>
-          <a:chOff x="0" y="0"/>
-          <a:chExt cx="0" cy="0"/>
-        </a:xfrm>
-      </p:grpSpPr>
-      <p:sp>
-        <p:nvSpPr>
-          <p:cNvPr id="10" name="Rectangle 9">
-            <a:extLst>
-              <a:ext uri="{FF2B5EF4-FFF2-40B4-BE49-F238E27FC236}">
-                <a16:creationId xmlns:a16="http://schemas.microsoft.com/office/drawing/2014/main" id="{A8E9C91B-7EAD-4562-AB0E-DFB9663AECE3}"/>
-              </a:ext>
-              <a:ext uri="{C183D7F6-B498-43B3-948B-1728B52AA6E4}">
-                <adec:decorative xmlns:adec="http://schemas.microsoft.com/office/drawing/2017/decorative" val="1"/>
-              </a:ext>
-            </a:extLst>
-          </p:cNvPr>
-          <p:cNvSpPr>
-            <a:spLocks noGrp="1" noRot="1" noChangeAspect="1" noMove="1" noResize="1" noEditPoints="1" noAdjustHandles="1" noChangeArrowheads="1" noChangeShapeType="1" noTextEdit="1"/>
-          </p:cNvSpPr>
-          <p:nvPr>
-            <p:extLst>
-              <p:ext uri="{386F3935-93C4-4BCD-93E2-E3B085C9AB24}">
-                <p16:designElem xmlns:p16="http://schemas.microsoft.com/office/powerpoint/2015/main" val="1"/>
-              </p:ext>
-            </p:extLst>
-          </p:nvPr>
-        </p:nvSpPr>
-        <p:spPr>
-          <a:xfrm>
-            <a:off x="3175" y="6400800"/>
-            <a:ext cx="12188825" cy="457200"/>
-          </a:xfrm>
-          <a:prstGeom prst="rect">
-            <a:avLst/>
-          </a:prstGeom>
-          <a:solidFill>
-            <a:srgbClr val="262626"/>
-          </a:solidFill>
-          <a:ln>
-            <a:noFill/>
-          </a:ln>
-        </p:spPr>
-        <p:style>
-          <a:lnRef idx="2">
-            <a:schemeClr val="accent1">
-              <a:shade val="50000"/>
-            </a:schemeClr>
-          </a:lnRef>
-          <a:fillRef idx="1">
-            <a:schemeClr val="accent1"/>
-          </a:fillRef>
-          <a:effectRef idx="0">
-            <a:schemeClr val="accent1"/>
-          </a:effectRef>
-          <a:fontRef idx="minor">
-            <a:schemeClr val="lt1"/>
-          </a:fontRef>
-        </p:style>
-      </p:sp>
-      <p:sp>
-        <p:nvSpPr>
-          <p:cNvPr id="12" name="Rectangle 11">
-            <a:extLst>
-              <a:ext uri="{FF2B5EF4-FFF2-40B4-BE49-F238E27FC236}">
-                <a16:creationId xmlns:a16="http://schemas.microsoft.com/office/drawing/2014/main" id="{41497DE5-0939-4D1D-9350-0C5E1B209C68}"/>
-              </a:ext>
-              <a:ext uri="{C183D7F6-B498-43B3-948B-1728B52AA6E4}">
-                <adec:decorative xmlns:adec="http://schemas.microsoft.com/office/drawing/2017/decorative" val="1"/>
-              </a:ext>
-            </a:extLst>
-          </p:cNvPr>
-          <p:cNvSpPr>
-            <a:spLocks noGrp="1" noRot="1" noChangeAspect="1" noMove="1" noResize="1" noEditPoints="1" noAdjustHandles="1" noChangeArrowheads="1" noChangeShapeType="1" noTextEdit="1"/>
-          </p:cNvSpPr>
-          <p:nvPr>
-            <p:extLst>
-              <p:ext uri="{386F3935-93C4-4BCD-93E2-E3B085C9AB24}">
-                <p16:designElem xmlns:p16="http://schemas.microsoft.com/office/powerpoint/2015/main" val="1"/>
-              </p:ext>
-            </p:extLst>
-          </p:nvPr>
-        </p:nvSpPr>
-        <p:spPr>
-          <a:xfrm>
-            <a:off x="0" y="0"/>
-            <a:ext cx="12192000" cy="6858000"/>
-          </a:xfrm>
-          <a:prstGeom prst="rect">
-            <a:avLst/>
-          </a:prstGeom>
-          <a:solidFill>
-            <a:srgbClr val="262626"/>
-          </a:solidFill>
-          <a:ln>
-            <a:noFill/>
-          </a:ln>
-        </p:spPr>
-        <p:style>
-          <a:lnRef idx="2">
-            <a:schemeClr val="accent1">
-              <a:shade val="50000"/>
-            </a:schemeClr>
-          </a:lnRef>
-          <a:fillRef idx="1">
-            <a:schemeClr val="accent1"/>
-          </a:fillRef>
-          <a:effectRef idx="0">
-            <a:schemeClr val="accent1"/>
-          </a:effectRef>
-          <a:fontRef idx="minor">
-            <a:schemeClr val="lt1"/>
-          </a:fontRef>
-        </p:style>
-        <p:txBody>
-          <a:bodyPr rtlCol="0" anchor="ctr"/>
-          <a:lstStyle/>
-          <a:p>
-            <a:pPr algn="ctr"/>
-            <a:endParaRPr lang="en-US"/>
-          </a:p>
-        </p:txBody>
-      </p:sp>
-      <p:sp>
-        <p:nvSpPr>
-          <p:cNvPr id="14" name="Rectangle 13">
-            <a:extLst>
-              <a:ext uri="{FF2B5EF4-FFF2-40B4-BE49-F238E27FC236}">
-                <a16:creationId xmlns:a16="http://schemas.microsoft.com/office/drawing/2014/main" id="{5CCC70ED-6C63-4537-B7EB-51990D6C0A6F}"/>
-              </a:ext>
-              <a:ext uri="{C183D7F6-B498-43B3-948B-1728B52AA6E4}">
-                <adec:decorative xmlns:adec="http://schemas.microsoft.com/office/drawing/2017/decorative" val="1"/>
-              </a:ext>
-            </a:extLst>
-          </p:cNvPr>
-          <p:cNvSpPr>
-            <a:spLocks noGrp="1" noRot="1" noChangeAspect="1" noMove="1" noResize="1" noEditPoints="1" noAdjustHandles="1" noChangeArrowheads="1" noChangeShapeType="1" noTextEdit="1"/>
-          </p:cNvSpPr>
-          <p:nvPr>
-            <p:extLst>
-              <p:ext uri="{386F3935-93C4-4BCD-93E2-E3B085C9AB24}">
-                <p16:designElem xmlns:p16="http://schemas.microsoft.com/office/powerpoint/2015/main" val="1"/>
-              </p:ext>
-            </p:extLst>
-          </p:nvPr>
-        </p:nvSpPr>
-        <p:spPr>
-          <a:xfrm>
-            <a:off x="458724" y="457200"/>
-            <a:ext cx="11274552" cy="5943600"/>
-          </a:xfrm>
-          <a:prstGeom prst="rect">
-            <a:avLst/>
-          </a:prstGeom>
-          <a:ln>
-            <a:noFill/>
-          </a:ln>
-        </p:spPr>
-        <p:style>
-          <a:lnRef idx="2">
-            <a:schemeClr val="accent1">
-              <a:shade val="50000"/>
-            </a:schemeClr>
-          </a:lnRef>
-          <a:fillRef idx="1">
-            <a:schemeClr val="accent1"/>
-          </a:fillRef>
-          <a:effectRef idx="0">
-            <a:schemeClr val="accent1"/>
-          </a:effectRef>
-          <a:fontRef idx="minor">
-            <a:schemeClr val="lt1"/>
-          </a:fontRef>
-        </p:style>
-        <p:txBody>
-          <a:bodyPr rtlCol="0" anchor="ctr"/>
-          <a:lstStyle/>
-          <a:p>
-            <a:pPr algn="ctr"/>
-            <a:endParaRPr lang="en-US"/>
-          </a:p>
-        </p:txBody>
-      </p:sp>
-      <p:sp>
-        <p:nvSpPr>
-          <p:cNvPr id="16" name="Rectangle 15">
-            <a:extLst>
-              <a:ext uri="{FF2B5EF4-FFF2-40B4-BE49-F238E27FC236}">
-                <a16:creationId xmlns:a16="http://schemas.microsoft.com/office/drawing/2014/main" id="{B76E24C1-2968-40DC-A36E-F6B85F0F0752}"/>
-              </a:ext>
-              <a:ext uri="{C183D7F6-B498-43B3-948B-1728B52AA6E4}">
-                <adec:decorative xmlns:adec="http://schemas.microsoft.com/office/drawing/2017/decorative" val="1"/>
-              </a:ext>
-            </a:extLst>
-          </p:cNvPr>
-          <p:cNvSpPr>
-            <a:spLocks noGrp="1" noRot="1" noChangeAspect="1" noMove="1" noResize="1" noEditPoints="1" noAdjustHandles="1" noChangeArrowheads="1" noChangeShapeType="1" noTextEdit="1"/>
-          </p:cNvSpPr>
-          <p:nvPr>
-            <p:extLst>
-              <p:ext uri="{386F3935-93C4-4BCD-93E2-E3B085C9AB24}">
-                <p16:designElem xmlns:p16="http://schemas.microsoft.com/office/powerpoint/2015/main" val="1"/>
-              </p:ext>
-            </p:extLst>
-          </p:nvPr>
-        </p:nvSpPr>
-        <p:spPr>
-          <a:xfrm>
-            <a:off x="522732" y="521208"/>
-            <a:ext cx="11146536" cy="5815584"/>
-          </a:xfrm>
-          <a:prstGeom prst="rect">
-            <a:avLst/>
-          </a:prstGeom>
-          <a:solidFill>
-            <a:srgbClr val="FFFFFF"/>
-          </a:solidFill>
-          <a:ln>
-            <a:noFill/>
-          </a:ln>
-        </p:spPr>
-        <p:style>
-          <a:lnRef idx="2">
-            <a:schemeClr val="accent1">
-              <a:shade val="50000"/>
-            </a:schemeClr>
-          </a:lnRef>
-          <a:fillRef idx="1">
-            <a:schemeClr val="accent1"/>
-          </a:fillRef>
-          <a:effectRef idx="0">
-            <a:schemeClr val="accent1"/>
-          </a:effectRef>
-          <a:fontRef idx="minor">
-            <a:schemeClr val="lt1"/>
-          </a:fontRef>
-        </p:style>
-        <p:txBody>
-          <a:bodyPr rtlCol="0" anchor="ctr"/>
-          <a:lstStyle/>
-          <a:p>
-            <a:pPr algn="ctr"/>
-            <a:endParaRPr lang="en-US"/>
-          </a:p>
-        </p:txBody>
-      </p:sp>
-      <p:pic>
-        <p:nvPicPr>
-          <p:cNvPr id="5" name="Content Placeholder 4" descr="Graphical user interface, text, application, email&#10;&#10;Description automatically generated">
-            <a:extLst>
-              <a:ext uri="{FF2B5EF4-FFF2-40B4-BE49-F238E27FC236}">
-                <a16:creationId xmlns:a16="http://schemas.microsoft.com/office/drawing/2014/main" id="{046ADBAF-FB43-4872-A1F0-EAAA1B503896}"/>
-              </a:ext>
-            </a:extLst>
-          </p:cNvPr>
-          <p:cNvPicPr>
-            <a:picLocks noGrp="1" noChangeAspect="1"/>
-          </p:cNvPicPr>
-          <p:nvPr>
-            <p:ph idx="1"/>
-          </p:nvPr>
-        </p:nvPicPr>
-        <p:blipFill>
-          <a:blip r:embed="rId2"/>
-          <a:stretch>
-            <a:fillRect/>
-          </a:stretch>
-        </p:blipFill>
-        <p:spPr>
-          <a:xfrm>
-            <a:off x="1947604" y="603598"/>
-            <a:ext cx="8161130" cy="5733194"/>
-          </a:xfrm>
-          <a:prstGeom prst="rect">
-            <a:avLst/>
-          </a:prstGeom>
-        </p:spPr>
-      </p:pic>
-    </p:spTree>
-    <p:extLst>
-      <p:ext uri="{BB962C8B-B14F-4D97-AF65-F5344CB8AC3E}">
-        <p14:creationId xmlns:p14="http://schemas.microsoft.com/office/powerpoint/2010/main" val="929889640"/>
-      </p:ext>
-    </p:extLst>
-  </p:cSld>
-  <p:clrMapOvr>
-    <a:masterClrMapping/>
-  </p:clrMapOvr>
-</p:sld>
-</file>
-
-<file path=ppt/slides/slide12.xml><?xml version="1.0" encoding="utf-8"?>
-<p:sld xmlns:a="http://schemas.openxmlformats.org/drawingml/2006/main" xmlns:r="http://schemas.openxmlformats.org/officeDocument/2006/relationships" xmlns:p="http://schemas.openxmlformats.org/presentationml/2006/main">
-  <p:cSld>
-    <p:bg>
-      <p:bgPr>
-        <a:solidFill>
-          <a:schemeClr val="bg1"/>
-        </a:solidFill>
-        <a:effectLst/>
-      </p:bgPr>
-    </p:bg>
-    <p:spTree>
-      <p:nvGrpSpPr>
-        <p:cNvPr id="1" name=""/>
-        <p:cNvGrpSpPr/>
-        <p:nvPr/>
-      </p:nvGrpSpPr>
-      <p:grpSpPr>
-        <a:xfrm>
-          <a:off x="0" y="0"/>
-          <a:ext cx="0" cy="0"/>
-          <a:chOff x="0" y="0"/>
-          <a:chExt cx="0" cy="0"/>
-        </a:xfrm>
-      </p:grpSpPr>
-      <p:sp>
-        <p:nvSpPr>
-          <p:cNvPr id="10" name="Rectangle 9">
-            <a:extLst>
-              <a:ext uri="{FF2B5EF4-FFF2-40B4-BE49-F238E27FC236}">
-                <a16:creationId xmlns:a16="http://schemas.microsoft.com/office/drawing/2014/main" id="{A8E9C91B-7EAD-4562-AB0E-DFB9663AECE3}"/>
-              </a:ext>
-              <a:ext uri="{C183D7F6-B498-43B3-948B-1728B52AA6E4}">
-                <adec:decorative xmlns:adec="http://schemas.microsoft.com/office/drawing/2017/decorative" val="1"/>
-              </a:ext>
-            </a:extLst>
-          </p:cNvPr>
-          <p:cNvSpPr>
-            <a:spLocks noGrp="1" noRot="1" noChangeAspect="1" noMove="1" noResize="1" noEditPoints="1" noAdjustHandles="1" noChangeArrowheads="1" noChangeShapeType="1" noTextEdit="1"/>
-          </p:cNvSpPr>
-          <p:nvPr>
-            <p:extLst>
-              <p:ext uri="{386F3935-93C4-4BCD-93E2-E3B085C9AB24}">
-                <p16:designElem xmlns:p16="http://schemas.microsoft.com/office/powerpoint/2015/main" val="1"/>
-              </p:ext>
-            </p:extLst>
-          </p:nvPr>
-        </p:nvSpPr>
-        <p:spPr>
-          <a:xfrm>
-            <a:off x="3175" y="6400800"/>
-            <a:ext cx="12188825" cy="457200"/>
-          </a:xfrm>
-          <a:prstGeom prst="rect">
-            <a:avLst/>
-          </a:prstGeom>
-          <a:solidFill>
-            <a:srgbClr val="262626"/>
-          </a:solidFill>
-          <a:ln>
-            <a:noFill/>
-          </a:ln>
-        </p:spPr>
-        <p:style>
-          <a:lnRef idx="2">
-            <a:schemeClr val="accent1">
-              <a:shade val="50000"/>
-            </a:schemeClr>
-          </a:lnRef>
-          <a:fillRef idx="1">
-            <a:schemeClr val="accent1"/>
-          </a:fillRef>
-          <a:effectRef idx="0">
-            <a:schemeClr val="accent1"/>
-          </a:effectRef>
-          <a:fontRef idx="minor">
-            <a:schemeClr val="lt1"/>
-          </a:fontRef>
-        </p:style>
-      </p:sp>
-      <p:sp>
-        <p:nvSpPr>
-          <p:cNvPr id="12" name="Rectangle 11">
-            <a:extLst>
-              <a:ext uri="{FF2B5EF4-FFF2-40B4-BE49-F238E27FC236}">
-                <a16:creationId xmlns:a16="http://schemas.microsoft.com/office/drawing/2014/main" id="{41497DE5-0939-4D1D-9350-0C5E1B209C68}"/>
-              </a:ext>
-              <a:ext uri="{C183D7F6-B498-43B3-948B-1728B52AA6E4}">
-                <adec:decorative xmlns:adec="http://schemas.microsoft.com/office/drawing/2017/decorative" val="1"/>
-              </a:ext>
-            </a:extLst>
-          </p:cNvPr>
-          <p:cNvSpPr>
-            <a:spLocks noGrp="1" noRot="1" noChangeAspect="1" noMove="1" noResize="1" noEditPoints="1" noAdjustHandles="1" noChangeArrowheads="1" noChangeShapeType="1" noTextEdit="1"/>
-          </p:cNvSpPr>
-          <p:nvPr>
-            <p:extLst>
-              <p:ext uri="{386F3935-93C4-4BCD-93E2-E3B085C9AB24}">
-                <p16:designElem xmlns:p16="http://schemas.microsoft.com/office/powerpoint/2015/main" val="1"/>
-              </p:ext>
-            </p:extLst>
-          </p:nvPr>
-        </p:nvSpPr>
-        <p:spPr>
-          <a:xfrm>
-            <a:off x="0" y="0"/>
-            <a:ext cx="12192000" cy="6858000"/>
-          </a:xfrm>
-          <a:prstGeom prst="rect">
-            <a:avLst/>
-          </a:prstGeom>
-          <a:solidFill>
-            <a:srgbClr val="262626"/>
-          </a:solidFill>
-          <a:ln>
-            <a:noFill/>
-          </a:ln>
-        </p:spPr>
-        <p:style>
-          <a:lnRef idx="2">
-            <a:schemeClr val="accent1">
-              <a:shade val="50000"/>
-            </a:schemeClr>
-          </a:lnRef>
-          <a:fillRef idx="1">
-            <a:schemeClr val="accent1"/>
-          </a:fillRef>
-          <a:effectRef idx="0">
-            <a:schemeClr val="accent1"/>
-          </a:effectRef>
-          <a:fontRef idx="minor">
-            <a:schemeClr val="lt1"/>
-          </a:fontRef>
-        </p:style>
-        <p:txBody>
-          <a:bodyPr rtlCol="0" anchor="ctr"/>
-          <a:lstStyle/>
-          <a:p>
-            <a:pPr algn="ctr"/>
-            <a:endParaRPr lang="en-US"/>
-          </a:p>
-        </p:txBody>
-      </p:sp>
-      <p:sp>
-        <p:nvSpPr>
-          <p:cNvPr id="14" name="Rectangle 13">
-            <a:extLst>
-              <a:ext uri="{FF2B5EF4-FFF2-40B4-BE49-F238E27FC236}">
-                <a16:creationId xmlns:a16="http://schemas.microsoft.com/office/drawing/2014/main" id="{5CCC70ED-6C63-4537-B7EB-51990D6C0A6F}"/>
-              </a:ext>
-              <a:ext uri="{C183D7F6-B498-43B3-948B-1728B52AA6E4}">
-                <adec:decorative xmlns:adec="http://schemas.microsoft.com/office/drawing/2017/decorative" val="1"/>
-              </a:ext>
-            </a:extLst>
-          </p:cNvPr>
-          <p:cNvSpPr>
-            <a:spLocks noGrp="1" noRot="1" noChangeAspect="1" noMove="1" noResize="1" noEditPoints="1" noAdjustHandles="1" noChangeArrowheads="1" noChangeShapeType="1" noTextEdit="1"/>
-          </p:cNvSpPr>
-          <p:nvPr>
-            <p:extLst>
-              <p:ext uri="{386F3935-93C4-4BCD-93E2-E3B085C9AB24}">
-                <p16:designElem xmlns:p16="http://schemas.microsoft.com/office/powerpoint/2015/main" val="1"/>
-              </p:ext>
-            </p:extLst>
-          </p:nvPr>
-        </p:nvSpPr>
-        <p:spPr>
-          <a:xfrm>
-            <a:off x="458724" y="457200"/>
-            <a:ext cx="11274552" cy="5943600"/>
-          </a:xfrm>
-          <a:prstGeom prst="rect">
-            <a:avLst/>
-          </a:prstGeom>
-          <a:ln>
-            <a:noFill/>
-          </a:ln>
-        </p:spPr>
-        <p:style>
-          <a:lnRef idx="2">
-            <a:schemeClr val="accent1">
-              <a:shade val="50000"/>
-            </a:schemeClr>
-          </a:lnRef>
-          <a:fillRef idx="1">
-            <a:schemeClr val="accent1"/>
-          </a:fillRef>
-          <a:effectRef idx="0">
-            <a:schemeClr val="accent1"/>
-          </a:effectRef>
-          <a:fontRef idx="minor">
-            <a:schemeClr val="lt1"/>
-          </a:fontRef>
-        </p:style>
-        <p:txBody>
-          <a:bodyPr rtlCol="0" anchor="ctr"/>
-          <a:lstStyle/>
-          <a:p>
-            <a:pPr algn="ctr"/>
-            <a:endParaRPr lang="en-US"/>
-          </a:p>
-        </p:txBody>
-      </p:sp>
-      <p:sp>
-        <p:nvSpPr>
-          <p:cNvPr id="16" name="Rectangle 15">
-            <a:extLst>
-              <a:ext uri="{FF2B5EF4-FFF2-40B4-BE49-F238E27FC236}">
-                <a16:creationId xmlns:a16="http://schemas.microsoft.com/office/drawing/2014/main" id="{B76E24C1-2968-40DC-A36E-F6B85F0F0752}"/>
-              </a:ext>
-              <a:ext uri="{C183D7F6-B498-43B3-948B-1728B52AA6E4}">
-                <adec:decorative xmlns:adec="http://schemas.microsoft.com/office/drawing/2017/decorative" val="1"/>
-              </a:ext>
-            </a:extLst>
-          </p:cNvPr>
-          <p:cNvSpPr>
-            <a:spLocks noGrp="1" noRot="1" noChangeAspect="1" noMove="1" noResize="1" noEditPoints="1" noAdjustHandles="1" noChangeArrowheads="1" noChangeShapeType="1" noTextEdit="1"/>
-          </p:cNvSpPr>
-          <p:nvPr>
-            <p:extLst>
-              <p:ext uri="{386F3935-93C4-4BCD-93E2-E3B085C9AB24}">
-                <p16:designElem xmlns:p16="http://schemas.microsoft.com/office/powerpoint/2015/main" val="1"/>
-              </p:ext>
-            </p:extLst>
-          </p:nvPr>
-        </p:nvSpPr>
-        <p:spPr>
-          <a:xfrm>
-            <a:off x="522732" y="521208"/>
-            <a:ext cx="11146536" cy="5815584"/>
-          </a:xfrm>
-          <a:prstGeom prst="rect">
-            <a:avLst/>
-          </a:prstGeom>
-          <a:solidFill>
-            <a:srgbClr val="FFFFFF"/>
-          </a:solidFill>
-          <a:ln>
-            <a:noFill/>
-          </a:ln>
-        </p:spPr>
-        <p:style>
-          <a:lnRef idx="2">
-            <a:schemeClr val="accent1">
-              <a:shade val="50000"/>
-            </a:schemeClr>
-          </a:lnRef>
-          <a:fillRef idx="1">
-            <a:schemeClr val="accent1"/>
-          </a:fillRef>
-          <a:effectRef idx="0">
-            <a:schemeClr val="accent1"/>
-          </a:effectRef>
-          <a:fontRef idx="minor">
-            <a:schemeClr val="lt1"/>
-          </a:fontRef>
-        </p:style>
-        <p:txBody>
-          <a:bodyPr rtlCol="0" anchor="ctr"/>
-          <a:lstStyle/>
-          <a:p>
-            <a:pPr algn="ctr"/>
-            <a:endParaRPr lang="en-US"/>
-          </a:p>
-        </p:txBody>
-      </p:sp>
-      <p:pic>
-        <p:nvPicPr>
-          <p:cNvPr id="5" name="Content Placeholder 4">
-            <a:extLst>
-              <a:ext uri="{FF2B5EF4-FFF2-40B4-BE49-F238E27FC236}">
-                <a16:creationId xmlns:a16="http://schemas.microsoft.com/office/drawing/2014/main" id="{69594F72-E4E0-4124-B3E4-81AF37BCD2A3}"/>
-              </a:ext>
-            </a:extLst>
-          </p:cNvPr>
-          <p:cNvPicPr>
-            <a:picLocks noGrp="1" noChangeAspect="1"/>
-          </p:cNvPicPr>
-          <p:nvPr>
-            <p:ph idx="1"/>
-          </p:nvPr>
-        </p:nvPicPr>
-        <p:blipFill>
-          <a:blip r:embed="rId2"/>
-          <a:stretch>
-            <a:fillRect/>
-          </a:stretch>
-        </p:blipFill>
-        <p:spPr>
-          <a:xfrm>
-            <a:off x="2132039" y="624497"/>
-            <a:ext cx="7927922" cy="5609005"/>
-          </a:xfrm>
-          <a:prstGeom prst="rect">
-            <a:avLst/>
-          </a:prstGeom>
-        </p:spPr>
-      </p:pic>
-    </p:spTree>
-    <p:extLst>
-      <p:ext uri="{BB962C8B-B14F-4D97-AF65-F5344CB8AC3E}">
-        <p14:creationId xmlns:p14="http://schemas.microsoft.com/office/powerpoint/2010/main" val="3690889067"/>
-      </p:ext>
-    </p:extLst>
-  </p:cSld>
-  <p:clrMapOvr>
-    <a:masterClrMapping/>
-  </p:clrMapOvr>
-</p:sld>
-</file>
-
-<file path=ppt/slides/slide13.xml><?xml version="1.0" encoding="utf-8"?>
-<p:sld xmlns:a="http://schemas.openxmlformats.org/drawingml/2006/main" xmlns:r="http://schemas.openxmlformats.org/officeDocument/2006/relationships" xmlns:p="http://schemas.openxmlformats.org/presentationml/2006/main">
-  <p:cSld>
-    <p:bg>
-      <p:bgPr>
-        <a:solidFill>
-          <a:schemeClr val="bg1"/>
-        </a:solidFill>
-        <a:effectLst/>
-      </p:bgPr>
-    </p:bg>
-    <p:spTree>
-      <p:nvGrpSpPr>
-        <p:cNvPr id="1" name=""/>
-        <p:cNvGrpSpPr/>
-        <p:nvPr/>
-      </p:nvGrpSpPr>
-      <p:grpSpPr>
-        <a:xfrm>
-          <a:off x="0" y="0"/>
-          <a:ext cx="0" cy="0"/>
-          <a:chOff x="0" y="0"/>
-          <a:chExt cx="0" cy="0"/>
-        </a:xfrm>
-      </p:grpSpPr>
-      <p:sp>
-        <p:nvSpPr>
-          <p:cNvPr id="10" name="Rectangle 9">
-            <a:extLst>
-              <a:ext uri="{FF2B5EF4-FFF2-40B4-BE49-F238E27FC236}">
-                <a16:creationId xmlns:a16="http://schemas.microsoft.com/office/drawing/2014/main" id="{A8E9C91B-7EAD-4562-AB0E-DFB9663AECE3}"/>
-              </a:ext>
-              <a:ext uri="{C183D7F6-B498-43B3-948B-1728B52AA6E4}">
-                <adec:decorative xmlns:adec="http://schemas.microsoft.com/office/drawing/2017/decorative" val="1"/>
-              </a:ext>
-            </a:extLst>
-          </p:cNvPr>
-          <p:cNvSpPr>
-            <a:spLocks noGrp="1" noRot="1" noChangeAspect="1" noMove="1" noResize="1" noEditPoints="1" noAdjustHandles="1" noChangeArrowheads="1" noChangeShapeType="1" noTextEdit="1"/>
-          </p:cNvSpPr>
-          <p:nvPr>
-            <p:extLst>
-              <p:ext uri="{386F3935-93C4-4BCD-93E2-E3B085C9AB24}">
-                <p16:designElem xmlns:p16="http://schemas.microsoft.com/office/powerpoint/2015/main" val="1"/>
-              </p:ext>
-            </p:extLst>
-          </p:nvPr>
-        </p:nvSpPr>
-        <p:spPr>
-          <a:xfrm>
-            <a:off x="3175" y="6400800"/>
-            <a:ext cx="12188825" cy="457200"/>
-          </a:xfrm>
-          <a:prstGeom prst="rect">
-            <a:avLst/>
-          </a:prstGeom>
-          <a:solidFill>
-            <a:srgbClr val="262626"/>
-          </a:solidFill>
-          <a:ln>
-            <a:noFill/>
-          </a:ln>
-        </p:spPr>
-        <p:style>
-          <a:lnRef idx="2">
-            <a:schemeClr val="accent1">
-              <a:shade val="50000"/>
-            </a:schemeClr>
-          </a:lnRef>
-          <a:fillRef idx="1">
-            <a:schemeClr val="accent1"/>
-          </a:fillRef>
-          <a:effectRef idx="0">
-            <a:schemeClr val="accent1"/>
-          </a:effectRef>
-          <a:fontRef idx="minor">
-            <a:schemeClr val="lt1"/>
-          </a:fontRef>
-        </p:style>
-      </p:sp>
-      <p:sp>
-        <p:nvSpPr>
-          <p:cNvPr id="12" name="Rectangle 11">
-            <a:extLst>
-              <a:ext uri="{FF2B5EF4-FFF2-40B4-BE49-F238E27FC236}">
-                <a16:creationId xmlns:a16="http://schemas.microsoft.com/office/drawing/2014/main" id="{41497DE5-0939-4D1D-9350-0C5E1B209C68}"/>
-              </a:ext>
-              <a:ext uri="{C183D7F6-B498-43B3-948B-1728B52AA6E4}">
-                <adec:decorative xmlns:adec="http://schemas.microsoft.com/office/drawing/2017/decorative" val="1"/>
-              </a:ext>
-            </a:extLst>
-          </p:cNvPr>
-          <p:cNvSpPr>
-            <a:spLocks noGrp="1" noRot="1" noChangeAspect="1" noMove="1" noResize="1" noEditPoints="1" noAdjustHandles="1" noChangeArrowheads="1" noChangeShapeType="1" noTextEdit="1"/>
-          </p:cNvSpPr>
-          <p:nvPr>
-            <p:extLst>
-              <p:ext uri="{386F3935-93C4-4BCD-93E2-E3B085C9AB24}">
-                <p16:designElem xmlns:p16="http://schemas.microsoft.com/office/powerpoint/2015/main" val="1"/>
-              </p:ext>
-            </p:extLst>
-          </p:nvPr>
-        </p:nvSpPr>
-        <p:spPr>
-          <a:xfrm>
-            <a:off x="0" y="0"/>
-            <a:ext cx="12192000" cy="6858000"/>
-          </a:xfrm>
-          <a:prstGeom prst="rect">
-            <a:avLst/>
-          </a:prstGeom>
-          <a:solidFill>
-            <a:srgbClr val="262626"/>
-          </a:solidFill>
-          <a:ln>
-            <a:noFill/>
-          </a:ln>
-        </p:spPr>
-        <p:style>
-          <a:lnRef idx="2">
-            <a:schemeClr val="accent1">
-              <a:shade val="50000"/>
-            </a:schemeClr>
-          </a:lnRef>
-          <a:fillRef idx="1">
-            <a:schemeClr val="accent1"/>
-          </a:fillRef>
-          <a:effectRef idx="0">
-            <a:schemeClr val="accent1"/>
-          </a:effectRef>
-          <a:fontRef idx="minor">
-            <a:schemeClr val="lt1"/>
-          </a:fontRef>
-        </p:style>
-        <p:txBody>
-          <a:bodyPr rtlCol="0" anchor="ctr"/>
-          <a:lstStyle/>
-          <a:p>
-            <a:pPr algn="ctr"/>
-            <a:endParaRPr lang="en-US"/>
-          </a:p>
-        </p:txBody>
-      </p:sp>
-      <p:sp>
-        <p:nvSpPr>
-          <p:cNvPr id="14" name="Rectangle 13">
-            <a:extLst>
-              <a:ext uri="{FF2B5EF4-FFF2-40B4-BE49-F238E27FC236}">
-                <a16:creationId xmlns:a16="http://schemas.microsoft.com/office/drawing/2014/main" id="{5CCC70ED-6C63-4537-B7EB-51990D6C0A6F}"/>
-              </a:ext>
-              <a:ext uri="{C183D7F6-B498-43B3-948B-1728B52AA6E4}">
-                <adec:decorative xmlns:adec="http://schemas.microsoft.com/office/drawing/2017/decorative" val="1"/>
-              </a:ext>
-            </a:extLst>
-          </p:cNvPr>
-          <p:cNvSpPr>
-            <a:spLocks noGrp="1" noRot="1" noChangeAspect="1" noMove="1" noResize="1" noEditPoints="1" noAdjustHandles="1" noChangeArrowheads="1" noChangeShapeType="1" noTextEdit="1"/>
-          </p:cNvSpPr>
-          <p:nvPr>
-            <p:extLst>
-              <p:ext uri="{386F3935-93C4-4BCD-93E2-E3B085C9AB24}">
-                <p16:designElem xmlns:p16="http://schemas.microsoft.com/office/powerpoint/2015/main" val="1"/>
-              </p:ext>
-            </p:extLst>
-          </p:nvPr>
-        </p:nvSpPr>
-        <p:spPr>
-          <a:xfrm>
-            <a:off x="458724" y="457200"/>
-            <a:ext cx="11274552" cy="5943600"/>
-          </a:xfrm>
-          <a:prstGeom prst="rect">
-            <a:avLst/>
-          </a:prstGeom>
-          <a:ln>
-            <a:noFill/>
-          </a:ln>
-        </p:spPr>
-        <p:style>
-          <a:lnRef idx="2">
-            <a:schemeClr val="accent1">
-              <a:shade val="50000"/>
-            </a:schemeClr>
-          </a:lnRef>
-          <a:fillRef idx="1">
-            <a:schemeClr val="accent1"/>
-          </a:fillRef>
-          <a:effectRef idx="0">
-            <a:schemeClr val="accent1"/>
-          </a:effectRef>
-          <a:fontRef idx="minor">
-            <a:schemeClr val="lt1"/>
-          </a:fontRef>
-        </p:style>
-        <p:txBody>
-          <a:bodyPr rtlCol="0" anchor="ctr"/>
-          <a:lstStyle/>
-          <a:p>
-            <a:pPr algn="ctr"/>
-            <a:endParaRPr lang="en-US"/>
-          </a:p>
-        </p:txBody>
-      </p:sp>
-      <p:sp>
-        <p:nvSpPr>
-          <p:cNvPr id="16" name="Rectangle 15">
-            <a:extLst>
-              <a:ext uri="{FF2B5EF4-FFF2-40B4-BE49-F238E27FC236}">
-                <a16:creationId xmlns:a16="http://schemas.microsoft.com/office/drawing/2014/main" id="{B76E24C1-2968-40DC-A36E-F6B85F0F0752}"/>
-              </a:ext>
-              <a:ext uri="{C183D7F6-B498-43B3-948B-1728B52AA6E4}">
-                <adec:decorative xmlns:adec="http://schemas.microsoft.com/office/drawing/2017/decorative" val="1"/>
-              </a:ext>
-            </a:extLst>
-          </p:cNvPr>
-          <p:cNvSpPr>
-            <a:spLocks noGrp="1" noRot="1" noChangeAspect="1" noMove="1" noResize="1" noEditPoints="1" noAdjustHandles="1" noChangeArrowheads="1" noChangeShapeType="1" noTextEdit="1"/>
-          </p:cNvSpPr>
-          <p:nvPr>
-            <p:extLst>
-              <p:ext uri="{386F3935-93C4-4BCD-93E2-E3B085C9AB24}">
-                <p16:designElem xmlns:p16="http://schemas.microsoft.com/office/powerpoint/2015/main" val="1"/>
-              </p:ext>
-            </p:extLst>
-          </p:nvPr>
-        </p:nvSpPr>
-        <p:spPr>
-          <a:xfrm>
-            <a:off x="522732" y="521208"/>
-            <a:ext cx="11146536" cy="5815584"/>
-          </a:xfrm>
-          <a:prstGeom prst="rect">
-            <a:avLst/>
-          </a:prstGeom>
-          <a:solidFill>
-            <a:srgbClr val="FFFFFF"/>
-          </a:solidFill>
-          <a:ln>
-            <a:noFill/>
-          </a:ln>
-        </p:spPr>
-        <p:style>
-          <a:lnRef idx="2">
-            <a:schemeClr val="accent1">
-              <a:shade val="50000"/>
-            </a:schemeClr>
-          </a:lnRef>
-          <a:fillRef idx="1">
-            <a:schemeClr val="accent1"/>
-          </a:fillRef>
-          <a:effectRef idx="0">
-            <a:schemeClr val="accent1"/>
-          </a:effectRef>
-          <a:fontRef idx="minor">
-            <a:schemeClr val="lt1"/>
-          </a:fontRef>
-        </p:style>
-        <p:txBody>
-          <a:bodyPr rtlCol="0" anchor="ctr"/>
-          <a:lstStyle/>
-          <a:p>
-            <a:pPr algn="ctr"/>
-            <a:endParaRPr lang="en-US"/>
-          </a:p>
-        </p:txBody>
-      </p:sp>
-      <p:pic>
-        <p:nvPicPr>
-          <p:cNvPr id="5" name="Content Placeholder 4">
-            <a:extLst>
-              <a:ext uri="{FF2B5EF4-FFF2-40B4-BE49-F238E27FC236}">
-                <a16:creationId xmlns:a16="http://schemas.microsoft.com/office/drawing/2014/main" id="{CC01EA5D-4BCF-4E6C-ACA0-6A4F29AA89C2}"/>
-              </a:ext>
-            </a:extLst>
-          </p:cNvPr>
-          <p:cNvPicPr>
-            <a:picLocks noGrp="1" noChangeAspect="1"/>
-          </p:cNvPicPr>
-          <p:nvPr>
-            <p:ph idx="1"/>
-          </p:nvPr>
-        </p:nvPicPr>
-        <p:blipFill>
-          <a:blip r:embed="rId2"/>
-          <a:stretch>
-            <a:fillRect/>
-          </a:stretch>
-        </p:blipFill>
-        <p:spPr>
-          <a:xfrm>
-            <a:off x="1762096" y="557788"/>
-            <a:ext cx="8667808" cy="5742423"/>
-          </a:xfrm>
-          <a:prstGeom prst="rect">
-            <a:avLst/>
-          </a:prstGeom>
-        </p:spPr>
-      </p:pic>
-    </p:spTree>
-    <p:extLst>
-      <p:ext uri="{BB962C8B-B14F-4D97-AF65-F5344CB8AC3E}">
-        <p14:creationId xmlns:p14="http://schemas.microsoft.com/office/powerpoint/2010/main" val="2918958748"/>
-      </p:ext>
-    </p:extLst>
-  </p:cSld>
-  <p:clrMapOvr>
-    <a:masterClrMapping/>
-  </p:clrMapOvr>
-</p:sld>
-</file>
-
-<file path=ppt/slides/slide14.xml><?xml version="1.0" encoding="utf-8"?>
-<p:sld xmlns:a="http://schemas.openxmlformats.org/drawingml/2006/main" xmlns:r="http://schemas.openxmlformats.org/officeDocument/2006/relationships" xmlns:p="http://schemas.openxmlformats.org/presentationml/2006/main">
-  <p:cSld>
-    <p:bg>
-      <p:bgPr>
-        <a:solidFill>
-          <a:schemeClr val="bg1"/>
-        </a:solidFill>
-        <a:effectLst/>
-      </p:bgPr>
-    </p:bg>
-    <p:spTree>
-      <p:nvGrpSpPr>
-        <p:cNvPr id="1" name=""/>
-        <p:cNvGrpSpPr/>
-        <p:nvPr/>
-      </p:nvGrpSpPr>
-      <p:grpSpPr>
-        <a:xfrm>
-          <a:off x="0" y="0"/>
-          <a:ext cx="0" cy="0"/>
-          <a:chOff x="0" y="0"/>
-          <a:chExt cx="0" cy="0"/>
-        </a:xfrm>
-      </p:grpSpPr>
-      <p:sp>
-        <p:nvSpPr>
-          <p:cNvPr id="10" name="Rectangle 9">
-            <a:extLst>
-              <a:ext uri="{FF2B5EF4-FFF2-40B4-BE49-F238E27FC236}">
-                <a16:creationId xmlns:a16="http://schemas.microsoft.com/office/drawing/2014/main" id="{A8E9C91B-7EAD-4562-AB0E-DFB9663AECE3}"/>
-              </a:ext>
-              <a:ext uri="{C183D7F6-B498-43B3-948B-1728B52AA6E4}">
-                <adec:decorative xmlns:adec="http://schemas.microsoft.com/office/drawing/2017/decorative" val="1"/>
-              </a:ext>
-            </a:extLst>
-          </p:cNvPr>
-          <p:cNvSpPr>
-            <a:spLocks noGrp="1" noRot="1" noChangeAspect="1" noMove="1" noResize="1" noEditPoints="1" noAdjustHandles="1" noChangeArrowheads="1" noChangeShapeType="1" noTextEdit="1"/>
-          </p:cNvSpPr>
-          <p:nvPr>
-            <p:extLst>
-              <p:ext uri="{386F3935-93C4-4BCD-93E2-E3B085C9AB24}">
-                <p16:designElem xmlns:p16="http://schemas.microsoft.com/office/powerpoint/2015/main" val="1"/>
-              </p:ext>
-            </p:extLst>
-          </p:nvPr>
-        </p:nvSpPr>
-        <p:spPr>
-          <a:xfrm>
-            <a:off x="3175" y="6400800"/>
-            <a:ext cx="12188825" cy="457200"/>
-          </a:xfrm>
-          <a:prstGeom prst="rect">
-            <a:avLst/>
-          </a:prstGeom>
-          <a:solidFill>
-            <a:srgbClr val="262626"/>
-          </a:solidFill>
-          <a:ln>
-            <a:noFill/>
-          </a:ln>
-        </p:spPr>
-        <p:style>
-          <a:lnRef idx="2">
-            <a:schemeClr val="accent1">
-              <a:shade val="50000"/>
-            </a:schemeClr>
-          </a:lnRef>
-          <a:fillRef idx="1">
-            <a:schemeClr val="accent1"/>
-          </a:fillRef>
-          <a:effectRef idx="0">
-            <a:schemeClr val="accent1"/>
-          </a:effectRef>
-          <a:fontRef idx="minor">
-            <a:schemeClr val="lt1"/>
-          </a:fontRef>
-        </p:style>
-      </p:sp>
-      <p:sp>
-        <p:nvSpPr>
-          <p:cNvPr id="12" name="Rectangle 11">
-            <a:extLst>
-              <a:ext uri="{FF2B5EF4-FFF2-40B4-BE49-F238E27FC236}">
-                <a16:creationId xmlns:a16="http://schemas.microsoft.com/office/drawing/2014/main" id="{41497DE5-0939-4D1D-9350-0C5E1B209C68}"/>
-              </a:ext>
-              <a:ext uri="{C183D7F6-B498-43B3-948B-1728B52AA6E4}">
-                <adec:decorative xmlns:adec="http://schemas.microsoft.com/office/drawing/2017/decorative" val="1"/>
-              </a:ext>
-            </a:extLst>
-          </p:cNvPr>
-          <p:cNvSpPr>
-            <a:spLocks noGrp="1" noRot="1" noChangeAspect="1" noMove="1" noResize="1" noEditPoints="1" noAdjustHandles="1" noChangeArrowheads="1" noChangeShapeType="1" noTextEdit="1"/>
-          </p:cNvSpPr>
-          <p:nvPr>
-            <p:extLst>
-              <p:ext uri="{386F3935-93C4-4BCD-93E2-E3B085C9AB24}">
-                <p16:designElem xmlns:p16="http://schemas.microsoft.com/office/powerpoint/2015/main" val="1"/>
-              </p:ext>
-            </p:extLst>
-          </p:nvPr>
-        </p:nvSpPr>
-        <p:spPr>
-          <a:xfrm>
-            <a:off x="0" y="0"/>
-            <a:ext cx="12192000" cy="6858000"/>
-          </a:xfrm>
-          <a:prstGeom prst="rect">
-            <a:avLst/>
-          </a:prstGeom>
-          <a:solidFill>
-            <a:srgbClr val="262626"/>
-          </a:solidFill>
-          <a:ln>
-            <a:noFill/>
-          </a:ln>
-        </p:spPr>
-        <p:style>
-          <a:lnRef idx="2">
-            <a:schemeClr val="accent1">
-              <a:shade val="50000"/>
-            </a:schemeClr>
-          </a:lnRef>
-          <a:fillRef idx="1">
-            <a:schemeClr val="accent1"/>
-          </a:fillRef>
-          <a:effectRef idx="0">
-            <a:schemeClr val="accent1"/>
-          </a:effectRef>
-          <a:fontRef idx="minor">
-            <a:schemeClr val="lt1"/>
-          </a:fontRef>
-        </p:style>
-        <p:txBody>
-          <a:bodyPr rtlCol="0" anchor="ctr"/>
-          <a:lstStyle/>
-          <a:p>
-            <a:pPr algn="ctr"/>
-            <a:endParaRPr lang="en-US"/>
-          </a:p>
-        </p:txBody>
-      </p:sp>
-      <p:sp>
-        <p:nvSpPr>
-          <p:cNvPr id="14" name="Rectangle 13">
-            <a:extLst>
-              <a:ext uri="{FF2B5EF4-FFF2-40B4-BE49-F238E27FC236}">
-                <a16:creationId xmlns:a16="http://schemas.microsoft.com/office/drawing/2014/main" id="{5CCC70ED-6C63-4537-B7EB-51990D6C0A6F}"/>
-              </a:ext>
-              <a:ext uri="{C183D7F6-B498-43B3-948B-1728B52AA6E4}">
-                <adec:decorative xmlns:adec="http://schemas.microsoft.com/office/drawing/2017/decorative" val="1"/>
-              </a:ext>
-            </a:extLst>
-          </p:cNvPr>
-          <p:cNvSpPr>
-            <a:spLocks noGrp="1" noRot="1" noChangeAspect="1" noMove="1" noResize="1" noEditPoints="1" noAdjustHandles="1" noChangeArrowheads="1" noChangeShapeType="1" noTextEdit="1"/>
-          </p:cNvSpPr>
-          <p:nvPr>
-            <p:extLst>
-              <p:ext uri="{386F3935-93C4-4BCD-93E2-E3B085C9AB24}">
-                <p16:designElem xmlns:p16="http://schemas.microsoft.com/office/powerpoint/2015/main" val="1"/>
-              </p:ext>
-            </p:extLst>
-          </p:nvPr>
-        </p:nvSpPr>
-        <p:spPr>
-          <a:xfrm>
-            <a:off x="458724" y="457200"/>
-            <a:ext cx="11274552" cy="5943600"/>
-          </a:xfrm>
-          <a:prstGeom prst="rect">
-            <a:avLst/>
-          </a:prstGeom>
-          <a:ln>
-            <a:noFill/>
-          </a:ln>
-        </p:spPr>
-        <p:style>
-          <a:lnRef idx="2">
-            <a:schemeClr val="accent1">
-              <a:shade val="50000"/>
-            </a:schemeClr>
-          </a:lnRef>
-          <a:fillRef idx="1">
-            <a:schemeClr val="accent1"/>
-          </a:fillRef>
-          <a:effectRef idx="0">
-            <a:schemeClr val="accent1"/>
-          </a:effectRef>
-          <a:fontRef idx="minor">
-            <a:schemeClr val="lt1"/>
-          </a:fontRef>
-        </p:style>
-        <p:txBody>
-          <a:bodyPr rtlCol="0" anchor="ctr"/>
-          <a:lstStyle/>
-          <a:p>
-            <a:pPr algn="ctr"/>
-            <a:endParaRPr lang="en-US"/>
-          </a:p>
-        </p:txBody>
-      </p:sp>
-      <p:sp>
-        <p:nvSpPr>
-          <p:cNvPr id="16" name="Rectangle 15">
-            <a:extLst>
-              <a:ext uri="{FF2B5EF4-FFF2-40B4-BE49-F238E27FC236}">
-                <a16:creationId xmlns:a16="http://schemas.microsoft.com/office/drawing/2014/main" id="{B76E24C1-2968-40DC-A36E-F6B85F0F0752}"/>
-              </a:ext>
-              <a:ext uri="{C183D7F6-B498-43B3-948B-1728B52AA6E4}">
-                <adec:decorative xmlns:adec="http://schemas.microsoft.com/office/drawing/2017/decorative" val="1"/>
-              </a:ext>
-            </a:extLst>
-          </p:cNvPr>
-          <p:cNvSpPr>
-            <a:spLocks noGrp="1" noRot="1" noChangeAspect="1" noMove="1" noResize="1" noEditPoints="1" noAdjustHandles="1" noChangeArrowheads="1" noChangeShapeType="1" noTextEdit="1"/>
-          </p:cNvSpPr>
-          <p:nvPr>
-            <p:extLst>
-              <p:ext uri="{386F3935-93C4-4BCD-93E2-E3B085C9AB24}">
-                <p16:designElem xmlns:p16="http://schemas.microsoft.com/office/powerpoint/2015/main" val="1"/>
-              </p:ext>
-            </p:extLst>
-          </p:nvPr>
-        </p:nvSpPr>
-        <p:spPr>
-          <a:xfrm>
-            <a:off x="522732" y="521208"/>
-            <a:ext cx="11146536" cy="5815584"/>
-          </a:xfrm>
-          <a:prstGeom prst="rect">
-            <a:avLst/>
-          </a:prstGeom>
-          <a:solidFill>
-            <a:srgbClr val="FFFFFF"/>
-          </a:solidFill>
-          <a:ln>
-            <a:noFill/>
-          </a:ln>
-        </p:spPr>
-        <p:style>
-          <a:lnRef idx="2">
-            <a:schemeClr val="accent1">
-              <a:shade val="50000"/>
-            </a:schemeClr>
-          </a:lnRef>
-          <a:fillRef idx="1">
-            <a:schemeClr val="accent1"/>
-          </a:fillRef>
-          <a:effectRef idx="0">
-            <a:schemeClr val="accent1"/>
-          </a:effectRef>
-          <a:fontRef idx="minor">
-            <a:schemeClr val="lt1"/>
-          </a:fontRef>
-        </p:style>
-        <p:txBody>
-          <a:bodyPr rtlCol="0" anchor="ctr"/>
-          <a:lstStyle/>
-          <a:p>
-            <a:pPr algn="ctr"/>
-            <a:endParaRPr lang="en-US"/>
-          </a:p>
-        </p:txBody>
-      </p:sp>
-      <p:pic>
-        <p:nvPicPr>
-          <p:cNvPr id="5" name="Content Placeholder 4">
-            <a:extLst>
-              <a:ext uri="{FF2B5EF4-FFF2-40B4-BE49-F238E27FC236}">
-                <a16:creationId xmlns:a16="http://schemas.microsoft.com/office/drawing/2014/main" id="{635AC499-46BE-47A4-A076-E71B05ACDF38}"/>
-              </a:ext>
-            </a:extLst>
-          </p:cNvPr>
-          <p:cNvPicPr>
-            <a:picLocks noGrp="1" noChangeAspect="1"/>
-          </p:cNvPicPr>
-          <p:nvPr>
-            <p:ph idx="1"/>
-          </p:nvPr>
-        </p:nvPicPr>
-        <p:blipFill>
-          <a:blip r:embed="rId2"/>
-          <a:stretch>
-            <a:fillRect/>
-          </a:stretch>
-        </p:blipFill>
-        <p:spPr>
-          <a:xfrm>
-            <a:off x="693980" y="1173657"/>
-            <a:ext cx="10804039" cy="4510686"/>
-          </a:xfrm>
-          <a:prstGeom prst="rect">
-            <a:avLst/>
-          </a:prstGeom>
-        </p:spPr>
-      </p:pic>
-    </p:spTree>
-    <p:extLst>
-      <p:ext uri="{BB962C8B-B14F-4D97-AF65-F5344CB8AC3E}">
-        <p14:creationId xmlns:p14="http://schemas.microsoft.com/office/powerpoint/2010/main" val="1050221290"/>
-      </p:ext>
-    </p:extLst>
-  </p:cSld>
-  <p:clrMapOvr>
-    <a:masterClrMapping/>
-  </p:clrMapOvr>
-</p:sld>
-</file>
-
-<file path=ppt/slides/slide2.xml><?xml version="1.0" encoding="utf-8"?>
-<p:sld xmlns:a="http://schemas.openxmlformats.org/drawingml/2006/main" xmlns:r="http://schemas.openxmlformats.org/officeDocument/2006/relationships" xmlns:p="http://schemas.openxmlformats.org/presentationml/2006/main">
-  <p:cSld>
-    <p:bg>
-      <p:bgPr>
-        <a:solidFill>
-          <a:schemeClr val="bg1"/>
-        </a:solidFill>
-        <a:effectLst/>
-      </p:bgPr>
-    </p:bg>
-    <p:spTree>
-      <p:nvGrpSpPr>
-        <p:cNvPr id="1" name=""/>
-        <p:cNvGrpSpPr/>
-        <p:nvPr/>
-      </p:nvGrpSpPr>
-      <p:grpSpPr>
-        <a:xfrm>
-          <a:off x="0" y="0"/>
-          <a:ext cx="0" cy="0"/>
-          <a:chOff x="0" y="0"/>
-          <a:chExt cx="0" cy="0"/>
-        </a:xfrm>
-      </p:grpSpPr>
-      <p:sp>
-        <p:nvSpPr>
-          <p:cNvPr id="9" name="Rectangle 8">
-            <a:extLst>
-              <a:ext uri="{FF2B5EF4-FFF2-40B4-BE49-F238E27FC236}">
-                <a16:creationId xmlns:a16="http://schemas.microsoft.com/office/drawing/2014/main" id="{39E3965E-AC41-4711-9D10-E25ABB132D86}"/>
-              </a:ext>
-              <a:ext uri="{C183D7F6-B498-43B3-948B-1728B52AA6E4}">
-                <adec:decorative xmlns:adec="http://schemas.microsoft.com/office/drawing/2017/decorative" val="1"/>
-              </a:ext>
-            </a:extLst>
-          </p:cNvPr>
-          <p:cNvSpPr>
-            <a:spLocks noGrp="1" noRot="1" noChangeAspect="1" noMove="1" noResize="1" noEditPoints="1" noAdjustHandles="1" noChangeArrowheads="1" noChangeShapeType="1" noTextEdit="1"/>
-          </p:cNvSpPr>
-          <p:nvPr>
-            <p:extLst>
-              <p:ext uri="{386F3935-93C4-4BCD-93E2-E3B085C9AB24}">
-                <p16:designElem xmlns:p16="http://schemas.microsoft.com/office/powerpoint/2015/main" val="1"/>
-              </p:ext>
-            </p:extLst>
-          </p:nvPr>
-        </p:nvSpPr>
-        <p:spPr>
-          <a:xfrm>
-            <a:off x="3175" y="6400800"/>
-            <a:ext cx="12188825" cy="457200"/>
-          </a:xfrm>
-          <a:prstGeom prst="rect">
-            <a:avLst/>
-          </a:prstGeom>
-          <a:solidFill>
-            <a:srgbClr val="262626"/>
-          </a:solidFill>
-          <a:ln>
-            <a:noFill/>
-          </a:ln>
-        </p:spPr>
-        <p:style>
-          <a:lnRef idx="2">
-            <a:schemeClr val="accent1">
-              <a:shade val="50000"/>
-            </a:schemeClr>
-          </a:lnRef>
-          <a:fillRef idx="1">
-            <a:schemeClr val="accent1"/>
-          </a:fillRef>
-          <a:effectRef idx="0">
-            <a:schemeClr val="accent1"/>
-          </a:effectRef>
-          <a:fontRef idx="minor">
-            <a:schemeClr val="lt1"/>
-          </a:fontRef>
-        </p:style>
-      </p:sp>
-      <p:cxnSp>
-        <p:nvCxnSpPr>
-          <p:cNvPr id="11" name="Straight Connector 10">
-            <a:extLst>
-              <a:ext uri="{FF2B5EF4-FFF2-40B4-BE49-F238E27FC236}">
-                <a16:creationId xmlns:a16="http://schemas.microsoft.com/office/drawing/2014/main" id="{1F5DC8C3-BA5F-4EED-BB9A-A14272BD82A1}"/>
-              </a:ext>
-              <a:ext uri="{C183D7F6-B498-43B3-948B-1728B52AA6E4}">
-                <adec:decorative xmlns:adec="http://schemas.microsoft.com/office/drawing/2017/decorative" val="1"/>
-              </a:ext>
-            </a:extLst>
-          </p:cNvPr>
-          <p:cNvCxnSpPr>
-            <a:cxnSpLocks noGrp="1" noRot="1" noChangeAspect="1" noMove="1" noResize="1" noEditPoints="1" noAdjustHandles="1" noChangeArrowheads="1" noChangeShapeType="1"/>
-          </p:cNvCxnSpPr>
-          <p:nvPr>
-            <p:extLst>
-              <p:ext uri="{386F3935-93C4-4BCD-93E2-E3B085C9AB24}">
-                <p16:designElem xmlns:p16="http://schemas.microsoft.com/office/powerpoint/2015/main" val="1"/>
-              </p:ext>
-            </p:extLst>
-          </p:nvPr>
-        </p:nvCxnSpPr>
-        <p:spPr>
-          <a:xfrm>
-            <a:off x="1207658" y="4474741"/>
-            <a:ext cx="9875520" cy="0"/>
-          </a:xfrm>
-          <a:prstGeom prst="line">
-            <a:avLst/>
-          </a:prstGeom>
-          <a:ln w="12700">
-            <a:solidFill>
-              <a:schemeClr val="tx1">
-                <a:lumMod val="75000"/>
-                <a:lumOff val="25000"/>
-              </a:schemeClr>
-            </a:solidFill>
-          </a:ln>
-        </p:spPr>
-        <p:style>
-          <a:lnRef idx="1">
-            <a:schemeClr val="accent1"/>
-          </a:lnRef>
-          <a:fillRef idx="0">
-            <a:schemeClr val="accent1"/>
-          </a:fillRef>
-          <a:effectRef idx="0">
-            <a:schemeClr val="accent1"/>
-          </a:effectRef>
-          <a:fontRef idx="minor">
-            <a:schemeClr val="tx1"/>
-          </a:fontRef>
-        </p:style>
-      </p:cxnSp>
-      <p:sp useBgFill="1">
-        <p:nvSpPr>
-          <p:cNvPr id="13" name="Rectangle 12">
-            <a:extLst>
-              <a:ext uri="{FF2B5EF4-FFF2-40B4-BE49-F238E27FC236}">
-                <a16:creationId xmlns:a16="http://schemas.microsoft.com/office/drawing/2014/main" id="{F1314C34-F582-4EEF-86CE-F88761E52434}"/>
-              </a:ext>
-              <a:ext uri="{C183D7F6-B498-43B3-948B-1728B52AA6E4}">
-                <adec:decorative xmlns:adec="http://schemas.microsoft.com/office/drawing/2017/decorative" val="1"/>
-              </a:ext>
-            </a:extLst>
-          </p:cNvPr>
-          <p:cNvSpPr>
-            <a:spLocks noGrp="1" noRot="1" noChangeAspect="1" noMove="1" noResize="1" noEditPoints="1" noAdjustHandles="1" noChangeArrowheads="1" noChangeShapeType="1" noTextEdit="1"/>
-          </p:cNvSpPr>
-          <p:nvPr>
-            <p:extLst>
-              <p:ext uri="{386F3935-93C4-4BCD-93E2-E3B085C9AB24}">
-                <p16:designElem xmlns:p16="http://schemas.microsoft.com/office/powerpoint/2015/main" val="1"/>
-              </p:ext>
-            </p:extLst>
-          </p:nvPr>
-        </p:nvSpPr>
-        <p:spPr>
-          <a:xfrm>
-            <a:off x="0" y="0"/>
-            <a:ext cx="12192000" cy="6858000"/>
-          </a:xfrm>
-          <a:prstGeom prst="rect">
-            <a:avLst/>
-          </a:prstGeom>
-          <a:ln w="15875" cap="flat" cmpd="sng" algn="ctr">
-            <a:noFill/>
-            <a:prstDash val="solid"/>
-          </a:ln>
-          <a:effectLst/>
-          <a:extLst>
-            <a:ext uri="{91240B29-F687-4F45-9708-019B960494DF}">
-              <a14:hiddenLine xmlns:a14="http://schemas.microsoft.com/office/drawing/2010/main" w="15875" cap="flat" cmpd="sng" algn="ctr">
-                <a:solidFill>
-                  <a:schemeClr val="accent1">
-                    <a:shade val="50000"/>
-                  </a:schemeClr>
-                </a:solidFill>
-                <a:prstDash val="solid"/>
-              </a14:hiddenLine>
-            </a:ext>
-          </a:extLst>
-        </p:spPr>
-        <p:style>
-          <a:lnRef idx="2">
-            <a:schemeClr val="accent1">
-              <a:shade val="50000"/>
-            </a:schemeClr>
-          </a:lnRef>
-          <a:fillRef idx="1">
-            <a:schemeClr val="accent1"/>
-          </a:fillRef>
-          <a:effectRef idx="0">
-            <a:schemeClr val="accent1"/>
-          </a:effectRef>
-          <a:fontRef idx="minor">
-            <a:schemeClr val="lt1"/>
-          </a:fontRef>
-        </p:style>
-        <p:txBody>
-          <a:bodyPr rtlCol="0" anchor="ctr"/>
-          <a:lstStyle/>
-          <a:p>
-            <a:pPr algn="ctr"/>
-            <a:endParaRPr lang="en-US"/>
-          </a:p>
-        </p:txBody>
-      </p:sp>
-      <p:pic>
-        <p:nvPicPr>
-          <p:cNvPr id="5" name="Picture 4" descr="Toy cars lined up in a row on floor">
-            <a:extLst>
-              <a:ext uri="{FF2B5EF4-FFF2-40B4-BE49-F238E27FC236}">
-                <a16:creationId xmlns:a16="http://schemas.microsoft.com/office/drawing/2014/main" id="{F4902723-A775-4061-90FA-E8F7EC8A2F11}"/>
-              </a:ext>
-            </a:extLst>
-          </p:cNvPr>
-          <p:cNvPicPr>
-            <a:picLocks noChangeAspect="1"/>
-          </p:cNvPicPr>
-          <p:nvPr/>
-        </p:nvPicPr>
-        <p:blipFill rotWithShape="1">
-          <a:blip r:embed="rId2"/>
-          <a:srcRect t="15414"/>
-          <a:stretch/>
-        </p:blipFill>
-        <p:spPr>
-          <a:xfrm>
-            <a:off x="-1" y="10"/>
-            <a:ext cx="12191999" cy="6857990"/>
-          </a:xfrm>
-          <a:prstGeom prst="rect">
-            <a:avLst/>
-          </a:prstGeom>
-        </p:spPr>
-      </p:pic>
-      <p:sp>
-        <p:nvSpPr>
-          <p:cNvPr id="15" name="Rectangle 14">
-            <a:extLst>
-              <a:ext uri="{FF2B5EF4-FFF2-40B4-BE49-F238E27FC236}">
-                <a16:creationId xmlns:a16="http://schemas.microsoft.com/office/drawing/2014/main" id="{7319A1DD-F557-4EC6-8A8C-F7617B4CD678}"/>
-              </a:ext>
-              <a:ext uri="{C183D7F6-B498-43B3-948B-1728B52AA6E4}">
-                <adec:decorative xmlns:adec="http://schemas.microsoft.com/office/drawing/2017/decorative" val="1"/>
-              </a:ext>
-            </a:extLst>
-          </p:cNvPr>
-          <p:cNvSpPr>
-            <a:spLocks noGrp="1" noRot="1" noChangeAspect="1" noMove="1" noResize="1" noEditPoints="1" noAdjustHandles="1" noChangeArrowheads="1" noChangeShapeType="1" noTextEdit="1"/>
-          </p:cNvSpPr>
-          <p:nvPr>
-            <p:extLst>
-              <p:ext uri="{386F3935-93C4-4BCD-93E2-E3B085C9AB24}">
-                <p16:designElem xmlns:p16="http://schemas.microsoft.com/office/powerpoint/2015/main" val="1"/>
-              </p:ext>
-            </p:extLst>
-          </p:nvPr>
-        </p:nvSpPr>
-        <p:spPr>
-          <a:xfrm>
-            <a:off x="-1" y="3118982"/>
-            <a:ext cx="7537704" cy="2462668"/>
-          </a:xfrm>
-          <a:prstGeom prst="rect">
-            <a:avLst/>
-          </a:prstGeom>
-          <a:solidFill>
-            <a:schemeClr val="bg1">
-              <a:alpha val="85000"/>
-            </a:schemeClr>
-          </a:solidFill>
-          <a:ln>
-            <a:noFill/>
-          </a:ln>
-        </p:spPr>
-        <p:style>
-          <a:lnRef idx="2">
-            <a:schemeClr val="accent1">
-              <a:shade val="50000"/>
-            </a:schemeClr>
-          </a:lnRef>
-          <a:fillRef idx="1">
-            <a:schemeClr val="accent1"/>
-          </a:fillRef>
-          <a:effectRef idx="0">
-            <a:schemeClr val="accent1"/>
-          </a:effectRef>
-          <a:fontRef idx="minor">
-            <a:schemeClr val="lt1"/>
-          </a:fontRef>
-        </p:style>
-        <p:txBody>
-          <a:bodyPr rtlCol="0" anchor="ctr"/>
-          <a:lstStyle/>
-          <a:p>
-            <a:pPr algn="ctr"/>
-            <a:endParaRPr lang="en-US"/>
-          </a:p>
-        </p:txBody>
-      </p:sp>
-      <p:sp>
-        <p:nvSpPr>
-          <p:cNvPr id="2" name="Title 1">
-            <a:extLst>
-              <a:ext uri="{FF2B5EF4-FFF2-40B4-BE49-F238E27FC236}">
-                <a16:creationId xmlns:a16="http://schemas.microsoft.com/office/drawing/2014/main" id="{134D24FE-31EB-4DAC-9758-D29D0AC585E8}"/>
-              </a:ext>
-            </a:extLst>
-          </p:cNvPr>
-          <p:cNvSpPr>
-            <a:spLocks noGrp="1"/>
-          </p:cNvSpPr>
-          <p:nvPr>
-            <p:ph type="title"/>
-          </p:nvPr>
-        </p:nvSpPr>
-        <p:spPr>
-          <a:xfrm>
-            <a:off x="735791" y="3331444"/>
-            <a:ext cx="6470692" cy="1229306"/>
-          </a:xfrm>
-        </p:spPr>
-        <p:txBody>
-          <a:bodyPr vert="horz" lIns="91440" tIns="45720" rIns="91440" bIns="45720" rtlCol="0" anchor="b">
-            <a:normAutofit/>
-          </a:bodyPr>
-          <a:lstStyle/>
-          <a:p>
-            <a:r>
-              <a:rPr lang="en-US" sz="5600" dirty="0">
-                <a:solidFill>
-                  <a:schemeClr val="tx1">
-                    <a:lumMod val="85000"/>
-                    <a:lumOff val="15000"/>
-                  </a:schemeClr>
-                </a:solidFill>
-                <a:latin typeface="Bahnschrift Condensed" panose="020B0502040204020203" pitchFamily="34" charset="0"/>
-              </a:rPr>
-              <a:t>Main Models</a:t>
-            </a:r>
-          </a:p>
-        </p:txBody>
-      </p:sp>
-      <p:cxnSp>
-        <p:nvCxnSpPr>
-          <p:cNvPr id="17" name="Straight Connector 16">
-            <a:extLst>
-              <a:ext uri="{FF2B5EF4-FFF2-40B4-BE49-F238E27FC236}">
-                <a16:creationId xmlns:a16="http://schemas.microsoft.com/office/drawing/2014/main" id="{D28A9C89-B313-458F-9C85-515930A51A93}"/>
-              </a:ext>
-              <a:ext uri="{C183D7F6-B498-43B3-948B-1728B52AA6E4}">
-                <adec:decorative xmlns:adec="http://schemas.microsoft.com/office/drawing/2017/decorative" val="1"/>
-              </a:ext>
-            </a:extLst>
-          </p:cNvPr>
-          <p:cNvCxnSpPr>
-            <a:cxnSpLocks noGrp="1" noRot="1" noChangeAspect="1" noMove="1" noResize="1" noEditPoints="1" noAdjustHandles="1" noChangeArrowheads="1" noChangeShapeType="1"/>
-          </p:cNvCxnSpPr>
-          <p:nvPr>
-            <p:extLst>
-              <p:ext uri="{386F3935-93C4-4BCD-93E2-E3B085C9AB24}">
-                <p16:designElem xmlns:p16="http://schemas.microsoft.com/office/powerpoint/2015/main" val="1"/>
-              </p:ext>
-            </p:extLst>
-          </p:nvPr>
-        </p:nvCxnSpPr>
-        <p:spPr>
-          <a:xfrm>
-            <a:off x="772429" y="4641183"/>
-            <a:ext cx="6309360" cy="0"/>
-          </a:xfrm>
-          <a:prstGeom prst="line">
-            <a:avLst/>
-          </a:prstGeom>
-          <a:ln w="19050">
-            <a:solidFill>
-              <a:schemeClr val="accent1">
-                <a:alpha val="90000"/>
-              </a:schemeClr>
-            </a:solidFill>
-          </a:ln>
-        </p:spPr>
-        <p:style>
-          <a:lnRef idx="1">
-            <a:schemeClr val="accent1"/>
-          </a:lnRef>
-          <a:fillRef idx="0">
-            <a:schemeClr val="accent1"/>
-          </a:fillRef>
-          <a:effectRef idx="0">
-            <a:schemeClr val="accent1"/>
-          </a:effectRef>
-          <a:fontRef idx="minor">
-            <a:schemeClr val="tx1"/>
-          </a:fontRef>
-        </p:style>
-      </p:cxnSp>
-      <p:sp>
-        <p:nvSpPr>
-          <p:cNvPr id="19" name="!!footer rectangle">
-            <a:extLst>
-              <a:ext uri="{FF2B5EF4-FFF2-40B4-BE49-F238E27FC236}">
-                <a16:creationId xmlns:a16="http://schemas.microsoft.com/office/drawing/2014/main" id="{C390A367-0330-4E03-9D5F-40308A7975C8}"/>
-              </a:ext>
-              <a:ext uri="{C183D7F6-B498-43B3-948B-1728B52AA6E4}">
-                <adec:decorative xmlns:adec="http://schemas.microsoft.com/office/drawing/2017/decorative" val="1"/>
-              </a:ext>
-            </a:extLst>
-          </p:cNvPr>
-          <p:cNvSpPr>
-            <a:spLocks noGrp="1" noRot="1" noChangeAspect="1" noMove="1" noResize="1" noEditPoints="1" noAdjustHandles="1" noChangeArrowheads="1" noChangeShapeType="1" noTextEdit="1"/>
-          </p:cNvSpPr>
-          <p:nvPr>
-            <p:extLst>
-              <p:ext uri="{386F3935-93C4-4BCD-93E2-E3B085C9AB24}">
-                <p16:designElem xmlns:p16="http://schemas.microsoft.com/office/powerpoint/2015/main" val="1"/>
-              </p:ext>
-            </p:extLst>
-          </p:nvPr>
-        </p:nvSpPr>
-        <p:spPr>
-          <a:xfrm>
-            <a:off x="1" y="6400800"/>
-            <a:ext cx="12192000" cy="457200"/>
-          </a:xfrm>
-          <a:prstGeom prst="rect">
-            <a:avLst/>
-          </a:prstGeom>
-          <a:solidFill>
-            <a:srgbClr val="262626">
-              <a:alpha val="95000"/>
-            </a:srgbClr>
-          </a:solidFill>
-          <a:ln>
-            <a:noFill/>
-          </a:ln>
-        </p:spPr>
-        <p:style>
-          <a:lnRef idx="2">
-            <a:schemeClr val="accent1">
-              <a:shade val="50000"/>
-            </a:schemeClr>
-          </a:lnRef>
-          <a:fillRef idx="1">
-            <a:schemeClr val="accent1"/>
-          </a:fillRef>
-          <a:effectRef idx="0">
-            <a:schemeClr val="accent1"/>
-          </a:effectRef>
-          <a:fontRef idx="minor">
-            <a:schemeClr val="lt1"/>
-          </a:fontRef>
-        </p:style>
-      </p:sp>
-    </p:spTree>
-    <p:extLst>
-      <p:ext uri="{BB962C8B-B14F-4D97-AF65-F5344CB8AC3E}">
-        <p14:creationId xmlns:p14="http://schemas.microsoft.com/office/powerpoint/2010/main" val="656551565"/>
-      </p:ext>
-    </p:extLst>
-  </p:cSld>
-  <p:clrMapOvr>
-    <a:overrideClrMapping bg1="dk1" tx1="lt1" bg2="dk2" tx2="lt2" accent1="accent1" accent2="accent2" accent3="accent3" accent4="accent4" accent5="accent5" accent6="accent6" hlink="hlink" folHlink="folHlink"/>
-  </p:clrMapOvr>
-</p:sld>
-</file>
-
-<file path=ppt/slides/slide3.xml><?xml version="1.0" encoding="utf-8"?>
-<p:sld xmlns:a="http://schemas.openxmlformats.org/drawingml/2006/main" xmlns:r="http://schemas.openxmlformats.org/officeDocument/2006/relationships" xmlns:p="http://schemas.openxmlformats.org/presentationml/2006/main">
-  <p:cSld>
-    <p:bg>
-      <p:bgPr>
-        <a:solidFill>
-          <a:schemeClr val="bg1"/>
-        </a:solidFill>
-        <a:effectLst/>
-      </p:bgPr>
-    </p:bg>
-    <p:spTree>
-      <p:nvGrpSpPr>
-        <p:cNvPr id="1" name=""/>
-        <p:cNvGrpSpPr/>
-        <p:nvPr/>
-      </p:nvGrpSpPr>
-      <p:grpSpPr>
-        <a:xfrm>
-          <a:off x="0" y="0"/>
-          <a:ext cx="0" cy="0"/>
-          <a:chOff x="0" y="0"/>
-          <a:chExt cx="0" cy="0"/>
-        </a:xfrm>
-      </p:grpSpPr>
-      <p:sp useBgFill="1">
-        <p:nvSpPr>
-          <p:cNvPr id="17" name="Rectangle 16">
-            <a:extLst>
-              <a:ext uri="{FF2B5EF4-FFF2-40B4-BE49-F238E27FC236}">
-                <a16:creationId xmlns:a16="http://schemas.microsoft.com/office/drawing/2014/main" id="{3558DB37-9FEE-48A2-8578-ED0401573943}"/>
-              </a:ext>
-              <a:ext uri="{C183D7F6-B498-43B3-948B-1728B52AA6E4}">
-                <adec:decorative xmlns:adec="http://schemas.microsoft.com/office/drawing/2017/decorative" val="1"/>
-              </a:ext>
-            </a:extLst>
-          </p:cNvPr>
-          <p:cNvSpPr>
-            <a:spLocks noGrp="1" noRot="1" noChangeAspect="1" noMove="1" noResize="1" noEditPoints="1" noAdjustHandles="1" noChangeArrowheads="1" noChangeShapeType="1" noTextEdit="1"/>
-          </p:cNvSpPr>
-          <p:nvPr>
-            <p:extLst>
-              <p:ext uri="{386F3935-93C4-4BCD-93E2-E3B085C9AB24}">
-                <p16:designElem xmlns:p16="http://schemas.microsoft.com/office/powerpoint/2015/main" val="1"/>
-              </p:ext>
-            </p:extLst>
-          </p:nvPr>
-        </p:nvSpPr>
-        <p:spPr>
-          <a:xfrm>
-            <a:off x="1507" y="0"/>
-            <a:ext cx="12192000" cy="6858000"/>
-          </a:xfrm>
-          <a:prstGeom prst="rect">
-            <a:avLst/>
-          </a:prstGeom>
-          <a:ln>
-            <a:noFill/>
-          </a:ln>
-        </p:spPr>
-        <p:style>
-          <a:lnRef idx="2">
-            <a:schemeClr val="accent1">
-              <a:shade val="50000"/>
-            </a:schemeClr>
-          </a:lnRef>
-          <a:fillRef idx="1">
-            <a:schemeClr val="accent1"/>
-          </a:fillRef>
-          <a:effectRef idx="0">
-            <a:schemeClr val="accent1"/>
-          </a:effectRef>
-          <a:fontRef idx="minor">
-            <a:schemeClr val="lt1"/>
-          </a:fontRef>
-        </p:style>
-        <p:txBody>
-          <a:bodyPr rtlCol="0" anchor="ctr"/>
-          <a:lstStyle/>
-          <a:p>
-            <a:pPr algn="ctr"/>
-            <a:endParaRPr lang="en-US"/>
-          </a:p>
-        </p:txBody>
-      </p:sp>
-      <p:sp>
-        <p:nvSpPr>
-          <p:cNvPr id="19" name="Rectangle 18">
-            <a:extLst>
-              <a:ext uri="{FF2B5EF4-FFF2-40B4-BE49-F238E27FC236}">
-                <a16:creationId xmlns:a16="http://schemas.microsoft.com/office/drawing/2014/main" id="{5F7FCCA6-00E2-4F74-A105-0D769872F243}"/>
-              </a:ext>
-              <a:ext uri="{C183D7F6-B498-43B3-948B-1728B52AA6E4}">
-                <adec:decorative xmlns:adec="http://schemas.microsoft.com/office/drawing/2017/decorative" val="1"/>
-              </a:ext>
-            </a:extLst>
-          </p:cNvPr>
-          <p:cNvSpPr>
-            <a:spLocks noGrp="1" noRot="1" noChangeAspect="1" noMove="1" noResize="1" noEditPoints="1" noAdjustHandles="1" noChangeArrowheads="1" noChangeShapeType="1" noTextEdit="1"/>
-          </p:cNvSpPr>
-          <p:nvPr>
-            <p:extLst>
-              <p:ext uri="{386F3935-93C4-4BCD-93E2-E3B085C9AB24}">
-                <p16:designElem xmlns:p16="http://schemas.microsoft.com/office/powerpoint/2015/main" val="1"/>
-              </p:ext>
-            </p:extLst>
-          </p:nvPr>
-        </p:nvSpPr>
-        <p:spPr bwMode="white">
-          <a:xfrm>
-            <a:off x="1507" y="0"/>
-            <a:ext cx="12188952" cy="1905000"/>
-          </a:xfrm>
-          <a:prstGeom prst="rect">
-            <a:avLst/>
-          </a:prstGeom>
-          <a:solidFill>
-            <a:schemeClr val="accent1"/>
-          </a:solidFill>
-          <a:ln>
-            <a:noFill/>
-          </a:ln>
-        </p:spPr>
-        <p:style>
-          <a:lnRef idx="2">
-            <a:schemeClr val="accent1">
-              <a:shade val="50000"/>
-            </a:schemeClr>
-          </a:lnRef>
-          <a:fillRef idx="1">
-            <a:schemeClr val="accent1"/>
-          </a:fillRef>
-          <a:effectRef idx="0">
-            <a:schemeClr val="accent1"/>
-          </a:effectRef>
-          <a:fontRef idx="minor">
-            <a:schemeClr val="lt1"/>
-          </a:fontRef>
-        </p:style>
-      </p:sp>
-      <p:sp>
-        <p:nvSpPr>
-          <p:cNvPr id="2" name="Title 1">
-            <a:extLst>
-              <a:ext uri="{FF2B5EF4-FFF2-40B4-BE49-F238E27FC236}">
-                <a16:creationId xmlns:a16="http://schemas.microsoft.com/office/drawing/2014/main" id="{6F2E038C-C8BD-4343-ABB0-0978F2070654}"/>
-              </a:ext>
-            </a:extLst>
-          </p:cNvPr>
-          <p:cNvSpPr>
-            <a:spLocks noGrp="1"/>
-          </p:cNvSpPr>
-          <p:nvPr>
-            <p:ph type="title"/>
-          </p:nvPr>
-        </p:nvSpPr>
-        <p:spPr>
-          <a:xfrm>
-            <a:off x="1097280" y="286603"/>
-            <a:ext cx="10058400" cy="1450757"/>
-          </a:xfrm>
-        </p:spPr>
-        <p:txBody>
-          <a:bodyPr anchor="ctr">
-            <a:normAutofit/>
-          </a:bodyPr>
-          <a:lstStyle/>
-          <a:p>
-            <a:r>
-              <a:rPr lang="en-US" dirty="0">
-                <a:solidFill>
-                  <a:srgbClr val="FFFFFF"/>
-                </a:solidFill>
-                <a:latin typeface="Bahnschrift Condensed" panose="020B0502040204020203" pitchFamily="34" charset="0"/>
-              </a:rPr>
-              <a:t>Types of ED models</a:t>
-            </a:r>
-          </a:p>
-        </p:txBody>
-      </p:sp>
-      <p:sp>
-        <p:nvSpPr>
-          <p:cNvPr id="3" name="Content Placeholder 2">
-            <a:extLst>
-              <a:ext uri="{FF2B5EF4-FFF2-40B4-BE49-F238E27FC236}">
-                <a16:creationId xmlns:a16="http://schemas.microsoft.com/office/drawing/2014/main" id="{7231B485-5088-4A07-9F4E-F9DE06F4A154}"/>
-              </a:ext>
-            </a:extLst>
-          </p:cNvPr>
-          <p:cNvSpPr>
-            <a:spLocks noGrp="1"/>
-          </p:cNvSpPr>
-          <p:nvPr>
-            <p:ph idx="1"/>
-          </p:nvPr>
-        </p:nvSpPr>
-        <p:spPr>
-          <a:xfrm>
-            <a:off x="1096963" y="2675694"/>
-            <a:ext cx="10058400" cy="3193294"/>
-          </a:xfrm>
-        </p:spPr>
-        <p:txBody>
-          <a:bodyPr>
-            <a:normAutofit/>
-          </a:bodyPr>
-          <a:lstStyle/>
-          <a:p>
-            <a:r>
-              <a:rPr lang="en-US" dirty="0">
-                <a:latin typeface="Bahnschrift SemiLight" panose="020B0502040204020203" pitchFamily="34" charset="0"/>
-              </a:rPr>
-              <a:t>1-Discrete Emotion Models (DEMs)</a:t>
-            </a:r>
-          </a:p>
-          <a:p>
-            <a:endParaRPr lang="en-US" dirty="0">
-              <a:latin typeface="Bahnschrift SemiLight" panose="020B0502040204020203" pitchFamily="34" charset="0"/>
-            </a:endParaRPr>
-          </a:p>
-          <a:p>
-            <a:r>
-              <a:rPr lang="en-US" dirty="0">
-                <a:latin typeface="Bahnschrift SemiLight" panose="020B0502040204020203" pitchFamily="34" charset="0"/>
-              </a:rPr>
-              <a:t>2-Dimensional Emotion Models (DIEMs)</a:t>
-            </a:r>
-          </a:p>
-        </p:txBody>
-      </p:sp>
-      <p:sp>
-        <p:nvSpPr>
-          <p:cNvPr id="21" name="Rectangle 20">
-            <a:extLst>
-              <a:ext uri="{FF2B5EF4-FFF2-40B4-BE49-F238E27FC236}">
-                <a16:creationId xmlns:a16="http://schemas.microsoft.com/office/drawing/2014/main" id="{9B834327-03F1-4931-8261-971373A5A694}"/>
-              </a:ext>
-              <a:ext uri="{C183D7F6-B498-43B3-948B-1728B52AA6E4}">
-                <adec:decorative xmlns:adec="http://schemas.microsoft.com/office/drawing/2017/decorative" val="1"/>
-              </a:ext>
-            </a:extLst>
-          </p:cNvPr>
-          <p:cNvSpPr>
-            <a:spLocks noGrp="1" noRot="1" noChangeAspect="1" noMove="1" noResize="1" noEditPoints="1" noAdjustHandles="1" noChangeArrowheads="1" noChangeShapeType="1" noTextEdit="1"/>
-          </p:cNvSpPr>
-          <p:nvPr>
-            <p:extLst>
-              <p:ext uri="{386F3935-93C4-4BCD-93E2-E3B085C9AB24}">
-                <p16:designElem xmlns:p16="http://schemas.microsoft.com/office/powerpoint/2015/main" val="1"/>
-              </p:ext>
-            </p:extLst>
-          </p:nvPr>
-        </p:nvSpPr>
-        <p:spPr>
-          <a:xfrm>
-            <a:off x="0" y="6400800"/>
-            <a:ext cx="12192000" cy="457200"/>
-          </a:xfrm>
-          <a:prstGeom prst="rect">
-            <a:avLst/>
-          </a:prstGeom>
-          <a:solidFill>
-            <a:srgbClr val="262626"/>
-          </a:solidFill>
-          <a:ln>
-            <a:noFill/>
-          </a:ln>
-        </p:spPr>
-        <p:style>
-          <a:lnRef idx="2">
-            <a:schemeClr val="accent1">
-              <a:shade val="50000"/>
-            </a:schemeClr>
-          </a:lnRef>
-          <a:fillRef idx="1">
-            <a:schemeClr val="accent1"/>
-          </a:fillRef>
-          <a:effectRef idx="0">
-            <a:schemeClr val="accent1"/>
-          </a:effectRef>
-          <a:fontRef idx="minor">
-            <a:schemeClr val="lt1"/>
-          </a:fontRef>
-        </p:style>
-      </p:sp>
-    </p:spTree>
-    <p:extLst>
-      <p:ext uri="{BB962C8B-B14F-4D97-AF65-F5344CB8AC3E}">
-        <p14:creationId xmlns:p14="http://schemas.microsoft.com/office/powerpoint/2010/main" val="140970588"/>
-      </p:ext>
-    </p:extLst>
-  </p:cSld>
-  <p:clrMapOvr>
-    <a:masterClrMapping/>
-  </p:clrMapOvr>
-</p:sld>
-</file>
-
-<file path=ppt/slides/slide4.xml><?xml version="1.0" encoding="utf-8"?>
-<p:sld xmlns:a="http://schemas.openxmlformats.org/drawingml/2006/main" xmlns:r="http://schemas.openxmlformats.org/officeDocument/2006/relationships" xmlns:p="http://schemas.openxmlformats.org/presentationml/2006/main">
-  <p:cSld>
-    <p:bg>
-      <p:bgPr>
-        <a:solidFill>
-          <a:schemeClr val="bg1"/>
-        </a:solidFill>
-        <a:effectLst/>
-      </p:bgPr>
-    </p:bg>
-    <p:spTree>
-      <p:nvGrpSpPr>
-        <p:cNvPr id="1" name=""/>
-        <p:cNvGrpSpPr/>
-        <p:nvPr/>
-      </p:nvGrpSpPr>
-      <p:grpSpPr>
-        <a:xfrm>
-          <a:off x="0" y="0"/>
-          <a:ext cx="0" cy="0"/>
-          <a:chOff x="0" y="0"/>
-          <a:chExt cx="0" cy="0"/>
-        </a:xfrm>
-      </p:grpSpPr>
-      <p:sp useBgFill="1">
-        <p:nvSpPr>
-          <p:cNvPr id="8" name="Rectangle 7">
-            <a:extLst>
-              <a:ext uri="{FF2B5EF4-FFF2-40B4-BE49-F238E27FC236}">
-                <a16:creationId xmlns:a16="http://schemas.microsoft.com/office/drawing/2014/main" id="{3558DB37-9FEE-48A2-8578-ED0401573943}"/>
-              </a:ext>
-              <a:ext uri="{C183D7F6-B498-43B3-948B-1728B52AA6E4}">
-                <adec:decorative xmlns:adec="http://schemas.microsoft.com/office/drawing/2017/decorative" val="1"/>
-              </a:ext>
-            </a:extLst>
-          </p:cNvPr>
-          <p:cNvSpPr>
-            <a:spLocks noGrp="1" noRot="1" noChangeAspect="1" noMove="1" noResize="1" noEditPoints="1" noAdjustHandles="1" noChangeArrowheads="1" noChangeShapeType="1" noTextEdit="1"/>
-          </p:cNvSpPr>
-          <p:nvPr>
-            <p:extLst>
-              <p:ext uri="{386F3935-93C4-4BCD-93E2-E3B085C9AB24}">
-                <p16:designElem xmlns:p16="http://schemas.microsoft.com/office/powerpoint/2015/main" val="1"/>
-              </p:ext>
-            </p:extLst>
-          </p:nvPr>
-        </p:nvSpPr>
-        <p:spPr>
-          <a:xfrm>
-            <a:off x="1507" y="0"/>
-            <a:ext cx="12192000" cy="6858000"/>
-          </a:xfrm>
-          <a:prstGeom prst="rect">
-            <a:avLst/>
-          </a:prstGeom>
-          <a:ln>
-            <a:noFill/>
-          </a:ln>
-        </p:spPr>
-        <p:style>
-          <a:lnRef idx="2">
-            <a:schemeClr val="accent1">
-              <a:shade val="50000"/>
-            </a:schemeClr>
-          </a:lnRef>
-          <a:fillRef idx="1">
-            <a:schemeClr val="accent1"/>
-          </a:fillRef>
-          <a:effectRef idx="0">
-            <a:schemeClr val="accent1"/>
-          </a:effectRef>
-          <a:fontRef idx="minor">
-            <a:schemeClr val="lt1"/>
-          </a:fontRef>
-        </p:style>
-        <p:txBody>
-          <a:bodyPr rtlCol="0" anchor="ctr"/>
-          <a:lstStyle/>
-          <a:p>
-            <a:pPr algn="ctr"/>
-            <a:endParaRPr lang="en-US"/>
-          </a:p>
-        </p:txBody>
-      </p:sp>
-      <p:sp>
-        <p:nvSpPr>
-          <p:cNvPr id="10" name="Rectangle 9">
-            <a:extLst>
-              <a:ext uri="{FF2B5EF4-FFF2-40B4-BE49-F238E27FC236}">
-                <a16:creationId xmlns:a16="http://schemas.microsoft.com/office/drawing/2014/main" id="{5F7FCCA6-00E2-4F74-A105-0D769872F243}"/>
-              </a:ext>
-              <a:ext uri="{C183D7F6-B498-43B3-948B-1728B52AA6E4}">
-                <adec:decorative xmlns:adec="http://schemas.microsoft.com/office/drawing/2017/decorative" val="1"/>
-              </a:ext>
-            </a:extLst>
-          </p:cNvPr>
-          <p:cNvSpPr>
-            <a:spLocks noGrp="1" noRot="1" noChangeAspect="1" noMove="1" noResize="1" noEditPoints="1" noAdjustHandles="1" noChangeArrowheads="1" noChangeShapeType="1" noTextEdit="1"/>
-          </p:cNvSpPr>
-          <p:nvPr>
-            <p:extLst>
-              <p:ext uri="{386F3935-93C4-4BCD-93E2-E3B085C9AB24}">
-                <p16:designElem xmlns:p16="http://schemas.microsoft.com/office/powerpoint/2015/main" val="1"/>
-              </p:ext>
-            </p:extLst>
-          </p:nvPr>
-        </p:nvSpPr>
-        <p:spPr bwMode="white">
-          <a:xfrm>
-            <a:off x="1507" y="0"/>
-            <a:ext cx="12188952" cy="1905000"/>
-          </a:xfrm>
-          <a:prstGeom prst="rect">
-            <a:avLst/>
-          </a:prstGeom>
-          <a:solidFill>
-            <a:schemeClr val="accent1"/>
-          </a:solidFill>
-          <a:ln>
-            <a:noFill/>
-          </a:ln>
-        </p:spPr>
-        <p:style>
-          <a:lnRef idx="2">
-            <a:schemeClr val="accent1">
-              <a:shade val="50000"/>
-            </a:schemeClr>
-          </a:lnRef>
-          <a:fillRef idx="1">
-            <a:schemeClr val="accent1"/>
-          </a:fillRef>
-          <a:effectRef idx="0">
-            <a:schemeClr val="accent1"/>
-          </a:effectRef>
-          <a:fontRef idx="minor">
-            <a:schemeClr val="lt1"/>
-          </a:fontRef>
-        </p:style>
-      </p:sp>
-      <p:sp>
-        <p:nvSpPr>
-          <p:cNvPr id="2" name="Title 1">
-            <a:extLst>
-              <a:ext uri="{FF2B5EF4-FFF2-40B4-BE49-F238E27FC236}">
-                <a16:creationId xmlns:a16="http://schemas.microsoft.com/office/drawing/2014/main" id="{35CD58FB-D790-495F-A2EF-43D8DAE085DD}"/>
-              </a:ext>
-            </a:extLst>
-          </p:cNvPr>
-          <p:cNvSpPr>
-            <a:spLocks noGrp="1"/>
-          </p:cNvSpPr>
-          <p:nvPr>
-            <p:ph type="title"/>
-          </p:nvPr>
-        </p:nvSpPr>
-        <p:spPr>
-          <a:xfrm>
-            <a:off x="1097280" y="286603"/>
-            <a:ext cx="10058400" cy="1450757"/>
-          </a:xfrm>
-        </p:spPr>
-        <p:txBody>
-          <a:bodyPr anchor="ctr">
-            <a:normAutofit/>
-          </a:bodyPr>
-          <a:lstStyle/>
-          <a:p>
-            <a:r>
-              <a:rPr lang="en-US">
-                <a:solidFill>
-                  <a:srgbClr val="FFFFFF"/>
-                </a:solidFill>
-                <a:latin typeface="Bahnschrift Condensed" panose="020B0502040204020203" pitchFamily="34" charset="0"/>
-              </a:rPr>
-              <a:t>Discrete Emotion Models</a:t>
-            </a:r>
-          </a:p>
-        </p:txBody>
-      </p:sp>
-      <p:sp>
-        <p:nvSpPr>
-          <p:cNvPr id="3" name="Content Placeholder 2">
-            <a:extLst>
-              <a:ext uri="{FF2B5EF4-FFF2-40B4-BE49-F238E27FC236}">
-                <a16:creationId xmlns:a16="http://schemas.microsoft.com/office/drawing/2014/main" id="{CA077991-CF5B-40B2-AFA8-3C331A61D3A0}"/>
-              </a:ext>
-            </a:extLst>
-          </p:cNvPr>
-          <p:cNvSpPr>
-            <a:spLocks noGrp="1"/>
-          </p:cNvSpPr>
-          <p:nvPr>
-            <p:ph idx="1"/>
-          </p:nvPr>
-        </p:nvSpPr>
-        <p:spPr>
-          <a:xfrm>
-            <a:off x="1096963" y="2675694"/>
-            <a:ext cx="10058400" cy="3193294"/>
-          </a:xfrm>
-        </p:spPr>
-        <p:txBody>
-          <a:bodyPr>
-            <a:normAutofit/>
-          </a:bodyPr>
-          <a:lstStyle/>
-          <a:p>
-            <a:r>
-              <a:rPr lang="en-US" dirty="0">
-                <a:latin typeface="Bahnschrift Light" panose="020B0502040204020203" pitchFamily="34" charset="0"/>
-              </a:rPr>
-              <a:t>The discrete model of emotions involves placing emotions into distinct independent classes</a:t>
-            </a:r>
-          </a:p>
-          <a:p>
-            <a:r>
-              <a:rPr lang="en-US" dirty="0">
-                <a:latin typeface="Bahnschrift Light" panose="020B0502040204020203" pitchFamily="34" charset="0"/>
-              </a:rPr>
-              <a:t>Discrete Emotion Models:</a:t>
-            </a:r>
-          </a:p>
-          <a:p>
-            <a:pPr lvl="1"/>
-            <a:r>
-              <a:rPr lang="en-US" dirty="0">
-                <a:latin typeface="Bahnschrift Light" panose="020B0502040204020203" pitchFamily="34" charset="0"/>
-              </a:rPr>
-              <a:t>The Paul Ekman Model</a:t>
-            </a:r>
-          </a:p>
-          <a:p>
-            <a:pPr lvl="2"/>
-            <a:r>
-              <a:rPr lang="en-US" dirty="0">
-                <a:latin typeface="Bahnschrift Light" panose="020B0502040204020203" pitchFamily="34" charset="0"/>
-              </a:rPr>
-              <a:t>6 basic emotions: happiness, sadness, anger, disgust, fear and surprise</a:t>
-            </a:r>
-          </a:p>
-          <a:p>
-            <a:pPr lvl="1"/>
-            <a:r>
-              <a:rPr lang="en-US" dirty="0">
-                <a:latin typeface="Bahnschrift Light" panose="020B0502040204020203" pitchFamily="34" charset="0"/>
-              </a:rPr>
-              <a:t>The Robert Plutchik Model</a:t>
-            </a:r>
-          </a:p>
-          <a:p>
-            <a:pPr lvl="2"/>
-            <a:r>
-              <a:rPr lang="en-US" dirty="0">
-                <a:latin typeface="Bahnschrift Light" panose="020B0502040204020203" pitchFamily="34" charset="0"/>
-              </a:rPr>
-              <a:t>Added 2 emotions (acceptance and trust) on the 6 proposed by Ekman and created new emotions using combinations of these emotions</a:t>
-            </a:r>
-          </a:p>
-          <a:p>
-            <a:pPr lvl="1"/>
-            <a:r>
-              <a:rPr lang="en-US" dirty="0">
-                <a:latin typeface="Bahnschrift Light" panose="020B0502040204020203" pitchFamily="34" charset="0"/>
-              </a:rPr>
-              <a:t>OCC Model</a:t>
-            </a:r>
-          </a:p>
-          <a:p>
-            <a:pPr lvl="2"/>
-            <a:r>
-              <a:rPr lang="en-US" dirty="0">
-                <a:latin typeface="Bahnschrift Light" panose="020B0502040204020203" pitchFamily="34" charset="0"/>
-              </a:rPr>
-              <a:t>Added 16 more emotions to the emotions proposed by Plutchik and Ekman and each emotion has a degree of intensity</a:t>
-            </a:r>
-          </a:p>
-        </p:txBody>
-      </p:sp>
-      <p:sp>
-        <p:nvSpPr>
-          <p:cNvPr id="12" name="Rectangle 11">
-            <a:extLst>
-              <a:ext uri="{FF2B5EF4-FFF2-40B4-BE49-F238E27FC236}">
-                <a16:creationId xmlns:a16="http://schemas.microsoft.com/office/drawing/2014/main" id="{9B834327-03F1-4931-8261-971373A5A694}"/>
-              </a:ext>
-              <a:ext uri="{C183D7F6-B498-43B3-948B-1728B52AA6E4}">
-                <adec:decorative xmlns:adec="http://schemas.microsoft.com/office/drawing/2017/decorative" val="1"/>
-              </a:ext>
-            </a:extLst>
-          </p:cNvPr>
-          <p:cNvSpPr>
-            <a:spLocks noGrp="1" noRot="1" noChangeAspect="1" noMove="1" noResize="1" noEditPoints="1" noAdjustHandles="1" noChangeArrowheads="1" noChangeShapeType="1" noTextEdit="1"/>
-          </p:cNvSpPr>
-          <p:nvPr>
-            <p:extLst>
-              <p:ext uri="{386F3935-93C4-4BCD-93E2-E3B085C9AB24}">
-                <p16:designElem xmlns:p16="http://schemas.microsoft.com/office/powerpoint/2015/main" val="1"/>
-              </p:ext>
-            </p:extLst>
-          </p:nvPr>
-        </p:nvSpPr>
-        <p:spPr>
-          <a:xfrm>
-            <a:off x="0" y="6400800"/>
-            <a:ext cx="12192000" cy="457200"/>
-          </a:xfrm>
-          <a:prstGeom prst="rect">
-            <a:avLst/>
-          </a:prstGeom>
-          <a:solidFill>
-            <a:srgbClr val="262626"/>
-          </a:solidFill>
-          <a:ln>
-            <a:noFill/>
-          </a:ln>
-        </p:spPr>
-        <p:style>
-          <a:lnRef idx="2">
-            <a:schemeClr val="accent1">
-              <a:shade val="50000"/>
-            </a:schemeClr>
-          </a:lnRef>
-          <a:fillRef idx="1">
-            <a:schemeClr val="accent1"/>
-          </a:fillRef>
-          <a:effectRef idx="0">
-            <a:schemeClr val="accent1"/>
-          </a:effectRef>
-          <a:fontRef idx="minor">
-            <a:schemeClr val="lt1"/>
-          </a:fontRef>
-        </p:style>
-      </p:sp>
-    </p:spTree>
-    <p:extLst>
-      <p:ext uri="{BB962C8B-B14F-4D97-AF65-F5344CB8AC3E}">
-        <p14:creationId xmlns:p14="http://schemas.microsoft.com/office/powerpoint/2010/main" val="4170054724"/>
-      </p:ext>
-    </p:extLst>
-  </p:cSld>
-  <p:clrMapOvr>
-    <a:masterClrMapping/>
-  </p:clrMapOvr>
-</p:sld>
-</file>
-
-<file path=ppt/slides/slide5.xml><?xml version="1.0" encoding="utf-8"?>
-<p:sld xmlns:a="http://schemas.openxmlformats.org/drawingml/2006/main" xmlns:r="http://schemas.openxmlformats.org/officeDocument/2006/relationships" xmlns:p="http://schemas.openxmlformats.org/presentationml/2006/main">
-  <p:cSld>
-    <p:bg>
-      <p:bgPr>
-        <a:solidFill>
-          <a:schemeClr val="bg1"/>
-        </a:solidFill>
-        <a:effectLst/>
-      </p:bgPr>
-    </p:bg>
-    <p:spTree>
-      <p:nvGrpSpPr>
-        <p:cNvPr id="1" name=""/>
-        <p:cNvGrpSpPr/>
-        <p:nvPr/>
-      </p:nvGrpSpPr>
-      <p:grpSpPr>
-        <a:xfrm>
-          <a:off x="0" y="0"/>
-          <a:ext cx="0" cy="0"/>
-          <a:chOff x="0" y="0"/>
-          <a:chExt cx="0" cy="0"/>
-        </a:xfrm>
-      </p:grpSpPr>
-      <p:sp useBgFill="1">
-        <p:nvSpPr>
-          <p:cNvPr id="8" name="Rectangle 7">
-            <a:extLst>
-              <a:ext uri="{FF2B5EF4-FFF2-40B4-BE49-F238E27FC236}">
-                <a16:creationId xmlns:a16="http://schemas.microsoft.com/office/drawing/2014/main" id="{3558DB37-9FEE-48A2-8578-ED0401573943}"/>
-              </a:ext>
-              <a:ext uri="{C183D7F6-B498-43B3-948B-1728B52AA6E4}">
-                <adec:decorative xmlns:adec="http://schemas.microsoft.com/office/drawing/2017/decorative" val="1"/>
-              </a:ext>
-            </a:extLst>
-          </p:cNvPr>
-          <p:cNvSpPr>
-            <a:spLocks noGrp="1" noRot="1" noChangeAspect="1" noMove="1" noResize="1" noEditPoints="1" noAdjustHandles="1" noChangeArrowheads="1" noChangeShapeType="1" noTextEdit="1"/>
-          </p:cNvSpPr>
-          <p:nvPr>
-            <p:extLst>
-              <p:ext uri="{386F3935-93C4-4BCD-93E2-E3B085C9AB24}">
-                <p16:designElem xmlns:p16="http://schemas.microsoft.com/office/powerpoint/2015/main" val="1"/>
-              </p:ext>
-            </p:extLst>
-          </p:nvPr>
-        </p:nvSpPr>
-        <p:spPr>
-          <a:xfrm>
-            <a:off x="1507" y="0"/>
-            <a:ext cx="12192000" cy="6858000"/>
-          </a:xfrm>
-          <a:prstGeom prst="rect">
-            <a:avLst/>
-          </a:prstGeom>
-          <a:ln>
-            <a:noFill/>
-          </a:ln>
-        </p:spPr>
-        <p:style>
-          <a:lnRef idx="2">
-            <a:schemeClr val="accent1">
-              <a:shade val="50000"/>
-            </a:schemeClr>
-          </a:lnRef>
-          <a:fillRef idx="1">
-            <a:schemeClr val="accent1"/>
-          </a:fillRef>
-          <a:effectRef idx="0">
-            <a:schemeClr val="accent1"/>
-          </a:effectRef>
-          <a:fontRef idx="minor">
-            <a:schemeClr val="lt1"/>
-          </a:fontRef>
-        </p:style>
-        <p:txBody>
-          <a:bodyPr rtlCol="0" anchor="ctr"/>
-          <a:lstStyle/>
-          <a:p>
-            <a:pPr algn="ctr"/>
-            <a:endParaRPr lang="en-US"/>
-          </a:p>
-        </p:txBody>
-      </p:sp>
-      <p:sp>
-        <p:nvSpPr>
-          <p:cNvPr id="10" name="Rectangle 9">
-            <a:extLst>
-              <a:ext uri="{FF2B5EF4-FFF2-40B4-BE49-F238E27FC236}">
-                <a16:creationId xmlns:a16="http://schemas.microsoft.com/office/drawing/2014/main" id="{5F7FCCA6-00E2-4F74-A105-0D769872F243}"/>
-              </a:ext>
-              <a:ext uri="{C183D7F6-B498-43B3-948B-1728B52AA6E4}">
-                <adec:decorative xmlns:adec="http://schemas.microsoft.com/office/drawing/2017/decorative" val="1"/>
-              </a:ext>
-            </a:extLst>
-          </p:cNvPr>
-          <p:cNvSpPr>
-            <a:spLocks noGrp="1" noRot="1" noChangeAspect="1" noMove="1" noResize="1" noEditPoints="1" noAdjustHandles="1" noChangeArrowheads="1" noChangeShapeType="1" noTextEdit="1"/>
-          </p:cNvSpPr>
-          <p:nvPr>
-            <p:extLst>
-              <p:ext uri="{386F3935-93C4-4BCD-93E2-E3B085C9AB24}">
-                <p16:designElem xmlns:p16="http://schemas.microsoft.com/office/powerpoint/2015/main" val="1"/>
-              </p:ext>
-            </p:extLst>
-          </p:nvPr>
-        </p:nvSpPr>
-        <p:spPr bwMode="white">
-          <a:xfrm>
-            <a:off x="1507" y="0"/>
-            <a:ext cx="12188952" cy="1905000"/>
-          </a:xfrm>
-          <a:prstGeom prst="rect">
-            <a:avLst/>
-          </a:prstGeom>
-          <a:solidFill>
-            <a:schemeClr val="accent1"/>
-          </a:solidFill>
-          <a:ln>
-            <a:noFill/>
-          </a:ln>
-        </p:spPr>
-        <p:style>
-          <a:lnRef idx="2">
-            <a:schemeClr val="accent1">
-              <a:shade val="50000"/>
-            </a:schemeClr>
-          </a:lnRef>
-          <a:fillRef idx="1">
-            <a:schemeClr val="accent1"/>
-          </a:fillRef>
-          <a:effectRef idx="0">
-            <a:schemeClr val="accent1"/>
-          </a:effectRef>
-          <a:fontRef idx="minor">
-            <a:schemeClr val="lt1"/>
-          </a:fontRef>
-        </p:style>
-      </p:sp>
-      <p:sp>
-        <p:nvSpPr>
-          <p:cNvPr id="2" name="Title 1">
-            <a:extLst>
-              <a:ext uri="{FF2B5EF4-FFF2-40B4-BE49-F238E27FC236}">
-                <a16:creationId xmlns:a16="http://schemas.microsoft.com/office/drawing/2014/main" id="{35CD58FB-D790-495F-A2EF-43D8DAE085DD}"/>
-              </a:ext>
-            </a:extLst>
-          </p:cNvPr>
-          <p:cNvSpPr>
-            <a:spLocks noGrp="1"/>
-          </p:cNvSpPr>
-          <p:nvPr>
-            <p:ph type="title"/>
-          </p:nvPr>
-        </p:nvSpPr>
-        <p:spPr>
-          <a:xfrm>
-            <a:off x="1097280" y="286603"/>
-            <a:ext cx="10058400" cy="1450757"/>
-          </a:xfrm>
-        </p:spPr>
-        <p:txBody>
-          <a:bodyPr anchor="ctr">
-            <a:normAutofit/>
-          </a:bodyPr>
-          <a:lstStyle/>
-          <a:p>
-            <a:r>
-              <a:rPr lang="en-US" dirty="0">
-                <a:solidFill>
-                  <a:srgbClr val="FFFFFF"/>
-                </a:solidFill>
-                <a:latin typeface="Bahnschrift Condensed" panose="020B0502040204020203" pitchFamily="34" charset="0"/>
-              </a:rPr>
-              <a:t>Dimensional Emotions Models</a:t>
-            </a:r>
-          </a:p>
-        </p:txBody>
-      </p:sp>
-      <p:sp>
-        <p:nvSpPr>
-          <p:cNvPr id="3" name="Content Placeholder 2">
-            <a:extLst>
-              <a:ext uri="{FF2B5EF4-FFF2-40B4-BE49-F238E27FC236}">
-                <a16:creationId xmlns:a16="http://schemas.microsoft.com/office/drawing/2014/main" id="{CA077991-CF5B-40B2-AFA8-3C331A61D3A0}"/>
-              </a:ext>
-            </a:extLst>
-          </p:cNvPr>
-          <p:cNvSpPr>
-            <a:spLocks noGrp="1"/>
-          </p:cNvSpPr>
-          <p:nvPr>
-            <p:ph idx="1"/>
-          </p:nvPr>
-        </p:nvSpPr>
-        <p:spPr>
-          <a:xfrm>
-            <a:off x="1096963" y="2675694"/>
-            <a:ext cx="10058400" cy="3193294"/>
-          </a:xfrm>
-        </p:spPr>
-        <p:txBody>
-          <a:bodyPr>
-            <a:normAutofit/>
-          </a:bodyPr>
-          <a:lstStyle/>
-          <a:p>
-            <a:r>
-              <a:rPr lang="en-US" dirty="0">
-                <a:latin typeface="Bahnschrift Light" panose="020B0502040204020203" pitchFamily="34" charset="0"/>
-              </a:rPr>
-              <a:t>The dimensional model presupposes that emotions are not independent and that there exists a relation between them hence the need to place them in a spatial space</a:t>
-            </a:r>
-          </a:p>
-          <a:p>
-            <a:r>
-              <a:rPr lang="en-US" dirty="0">
-                <a:latin typeface="Bahnschrift Light" panose="020B0502040204020203" pitchFamily="34" charset="0"/>
-              </a:rPr>
-              <a:t>Dimensional Emotions Models:</a:t>
-            </a:r>
-          </a:p>
-          <a:p>
-            <a:pPr lvl="1"/>
-            <a:r>
-              <a:rPr lang="en-US" dirty="0">
-                <a:latin typeface="Bahnschrift Light" panose="020B0502040204020203" pitchFamily="34" charset="0"/>
-              </a:rPr>
-              <a:t>Russel and Mehrabian Model:</a:t>
-            </a:r>
-          </a:p>
-          <a:p>
-            <a:pPr lvl="2"/>
-            <a:r>
-              <a:rPr lang="en-US" dirty="0">
-                <a:latin typeface="Bahnschrift Light" panose="020B0502040204020203" pitchFamily="34" charset="0"/>
-              </a:rPr>
-              <a:t>Three-dimensional model where third dimension represents the degree of control individuals had over their emotions</a:t>
-            </a:r>
-          </a:p>
-          <a:p>
-            <a:pPr lvl="1"/>
-            <a:r>
-              <a:rPr lang="en-US" dirty="0">
-                <a:latin typeface="Bahnschrift Light" panose="020B0502040204020203" pitchFamily="34" charset="0"/>
-              </a:rPr>
-              <a:t>Russel Model:</a:t>
-            </a:r>
-          </a:p>
-          <a:p>
-            <a:pPr lvl="2"/>
-            <a:r>
-              <a:rPr lang="en-US" dirty="0">
-                <a:latin typeface="Bahnschrift Light" panose="020B0502040204020203" pitchFamily="34" charset="0"/>
-              </a:rPr>
-              <a:t>Two-dimensional circle called circumplex of affect</a:t>
-            </a:r>
-          </a:p>
-        </p:txBody>
-      </p:sp>
-      <p:sp>
-        <p:nvSpPr>
-          <p:cNvPr id="12" name="Rectangle 11">
-            <a:extLst>
-              <a:ext uri="{FF2B5EF4-FFF2-40B4-BE49-F238E27FC236}">
-                <a16:creationId xmlns:a16="http://schemas.microsoft.com/office/drawing/2014/main" id="{9B834327-03F1-4931-8261-971373A5A694}"/>
-              </a:ext>
-              <a:ext uri="{C183D7F6-B498-43B3-948B-1728B52AA6E4}">
-                <adec:decorative xmlns:adec="http://schemas.microsoft.com/office/drawing/2017/decorative" val="1"/>
-              </a:ext>
-            </a:extLst>
-          </p:cNvPr>
-          <p:cNvSpPr>
-            <a:spLocks noGrp="1" noRot="1" noChangeAspect="1" noMove="1" noResize="1" noEditPoints="1" noAdjustHandles="1" noChangeArrowheads="1" noChangeShapeType="1" noTextEdit="1"/>
-          </p:cNvSpPr>
-          <p:nvPr>
-            <p:extLst>
-              <p:ext uri="{386F3935-93C4-4BCD-93E2-E3B085C9AB24}">
-                <p16:designElem xmlns:p16="http://schemas.microsoft.com/office/powerpoint/2015/main" val="1"/>
-              </p:ext>
-            </p:extLst>
-          </p:nvPr>
-        </p:nvSpPr>
-        <p:spPr>
-          <a:xfrm>
-            <a:off x="0" y="6400800"/>
-            <a:ext cx="12192000" cy="457200"/>
-          </a:xfrm>
-          <a:prstGeom prst="rect">
-            <a:avLst/>
-          </a:prstGeom>
-          <a:solidFill>
-            <a:srgbClr val="262626"/>
-          </a:solidFill>
-          <a:ln>
-            <a:noFill/>
-          </a:ln>
-        </p:spPr>
-        <p:style>
-          <a:lnRef idx="2">
-            <a:schemeClr val="accent1">
-              <a:shade val="50000"/>
-            </a:schemeClr>
-          </a:lnRef>
-          <a:fillRef idx="1">
-            <a:schemeClr val="accent1"/>
-          </a:fillRef>
-          <a:effectRef idx="0">
-            <a:schemeClr val="accent1"/>
-          </a:effectRef>
-          <a:fontRef idx="minor">
-            <a:schemeClr val="lt1"/>
-          </a:fontRef>
-        </p:style>
-      </p:sp>
-    </p:spTree>
-    <p:extLst>
-      <p:ext uri="{BB962C8B-B14F-4D97-AF65-F5344CB8AC3E}">
-        <p14:creationId xmlns:p14="http://schemas.microsoft.com/office/powerpoint/2010/main" val="2935248867"/>
-      </p:ext>
-    </p:extLst>
-  </p:cSld>
-  <p:clrMapOvr>
-    <a:masterClrMapping/>
-  </p:clrMapOvr>
-</p:sld>
-</file>
-
-<file path=ppt/slides/slide6.xml><?xml version="1.0" encoding="utf-8"?>
-<p:sld xmlns:a="http://schemas.openxmlformats.org/drawingml/2006/main" xmlns:r="http://schemas.openxmlformats.org/officeDocument/2006/relationships" xmlns:p="http://schemas.openxmlformats.org/presentationml/2006/main">
-  <p:cSld>
-    <p:bg>
-      <p:bgPr>
-        <a:solidFill>
-          <a:schemeClr val="bg1"/>
-        </a:solidFill>
-        <a:effectLst/>
-      </p:bgPr>
-    </p:bg>
-    <p:spTree>
-      <p:nvGrpSpPr>
-        <p:cNvPr id="1" name=""/>
-        <p:cNvGrpSpPr/>
-        <p:nvPr/>
-      </p:nvGrpSpPr>
-      <p:grpSpPr>
-        <a:xfrm>
-          <a:off x="0" y="0"/>
-          <a:ext cx="0" cy="0"/>
-          <a:chOff x="0" y="0"/>
-          <a:chExt cx="0" cy="0"/>
-        </a:xfrm>
-      </p:grpSpPr>
-      <p:sp useBgFill="1">
-        <p:nvSpPr>
-          <p:cNvPr id="8" name="Rectangle 7">
-            <a:extLst>
-              <a:ext uri="{FF2B5EF4-FFF2-40B4-BE49-F238E27FC236}">
-                <a16:creationId xmlns:a16="http://schemas.microsoft.com/office/drawing/2014/main" id="{3558DB37-9FEE-48A2-8578-ED0401573943}"/>
-              </a:ext>
-              <a:ext uri="{C183D7F6-B498-43B3-948B-1728B52AA6E4}">
-                <adec:decorative xmlns:adec="http://schemas.microsoft.com/office/drawing/2017/decorative" val="1"/>
-              </a:ext>
-            </a:extLst>
-          </p:cNvPr>
-          <p:cNvSpPr>
-            <a:spLocks noGrp="1" noRot="1" noChangeAspect="1" noMove="1" noResize="1" noEditPoints="1" noAdjustHandles="1" noChangeArrowheads="1" noChangeShapeType="1" noTextEdit="1"/>
-          </p:cNvSpPr>
-          <p:nvPr>
-            <p:extLst>
-              <p:ext uri="{386F3935-93C4-4BCD-93E2-E3B085C9AB24}">
-                <p16:designElem xmlns:p16="http://schemas.microsoft.com/office/powerpoint/2015/main" val="1"/>
-              </p:ext>
-            </p:extLst>
-          </p:nvPr>
-        </p:nvSpPr>
-        <p:spPr>
-          <a:xfrm>
-            <a:off x="1507" y="0"/>
-            <a:ext cx="12192000" cy="6858000"/>
-          </a:xfrm>
-          <a:prstGeom prst="rect">
-            <a:avLst/>
-          </a:prstGeom>
-          <a:ln>
-            <a:noFill/>
-          </a:ln>
-        </p:spPr>
-        <p:style>
-          <a:lnRef idx="2">
-            <a:schemeClr val="accent1">
-              <a:shade val="50000"/>
-            </a:schemeClr>
-          </a:lnRef>
-          <a:fillRef idx="1">
-            <a:schemeClr val="accent1"/>
-          </a:fillRef>
-          <a:effectRef idx="0">
-            <a:schemeClr val="accent1"/>
-          </a:effectRef>
-          <a:fontRef idx="minor">
-            <a:schemeClr val="lt1"/>
-          </a:fontRef>
-        </p:style>
-        <p:txBody>
-          <a:bodyPr rtlCol="0" anchor="ctr"/>
-          <a:lstStyle/>
-          <a:p>
-            <a:pPr algn="ctr"/>
-            <a:endParaRPr lang="en-US"/>
-          </a:p>
-        </p:txBody>
-      </p:sp>
-      <p:sp>
-        <p:nvSpPr>
-          <p:cNvPr id="10" name="Rectangle 9">
-            <a:extLst>
-              <a:ext uri="{FF2B5EF4-FFF2-40B4-BE49-F238E27FC236}">
-                <a16:creationId xmlns:a16="http://schemas.microsoft.com/office/drawing/2014/main" id="{5F7FCCA6-00E2-4F74-A105-0D769872F243}"/>
-              </a:ext>
-              <a:ext uri="{C183D7F6-B498-43B3-948B-1728B52AA6E4}">
-                <adec:decorative xmlns:adec="http://schemas.microsoft.com/office/drawing/2017/decorative" val="1"/>
-              </a:ext>
-            </a:extLst>
-          </p:cNvPr>
-          <p:cNvSpPr>
-            <a:spLocks noGrp="1" noRot="1" noChangeAspect="1" noMove="1" noResize="1" noEditPoints="1" noAdjustHandles="1" noChangeArrowheads="1" noChangeShapeType="1" noTextEdit="1"/>
-          </p:cNvSpPr>
-          <p:nvPr>
-            <p:extLst>
-              <p:ext uri="{386F3935-93C4-4BCD-93E2-E3B085C9AB24}">
-                <p16:designElem xmlns:p16="http://schemas.microsoft.com/office/powerpoint/2015/main" val="1"/>
-              </p:ext>
-            </p:extLst>
-          </p:nvPr>
-        </p:nvSpPr>
-        <p:spPr bwMode="white">
-          <a:xfrm>
-            <a:off x="1507" y="0"/>
-            <a:ext cx="12188952" cy="1905000"/>
-          </a:xfrm>
-          <a:prstGeom prst="rect">
-            <a:avLst/>
-          </a:prstGeom>
-          <a:solidFill>
-            <a:schemeClr val="accent1"/>
-          </a:solidFill>
-          <a:ln>
-            <a:noFill/>
-          </a:ln>
-        </p:spPr>
-        <p:style>
-          <a:lnRef idx="2">
-            <a:schemeClr val="accent1">
-              <a:shade val="50000"/>
-            </a:schemeClr>
-          </a:lnRef>
-          <a:fillRef idx="1">
-            <a:schemeClr val="accent1"/>
-          </a:fillRef>
-          <a:effectRef idx="0">
-            <a:schemeClr val="accent1"/>
-          </a:effectRef>
-          <a:fontRef idx="minor">
-            <a:schemeClr val="lt1"/>
-          </a:fontRef>
-        </p:style>
-      </p:sp>
-      <p:sp>
-        <p:nvSpPr>
-          <p:cNvPr id="2" name="Title 1">
-            <a:extLst>
-              <a:ext uri="{FF2B5EF4-FFF2-40B4-BE49-F238E27FC236}">
-                <a16:creationId xmlns:a16="http://schemas.microsoft.com/office/drawing/2014/main" id="{35CD58FB-D790-495F-A2EF-43D8DAE085DD}"/>
-              </a:ext>
-            </a:extLst>
-          </p:cNvPr>
-          <p:cNvSpPr>
-            <a:spLocks noGrp="1"/>
-          </p:cNvSpPr>
-          <p:nvPr>
-            <p:ph type="title"/>
-          </p:nvPr>
-        </p:nvSpPr>
-        <p:spPr>
-          <a:xfrm>
-            <a:off x="1097280" y="286603"/>
-            <a:ext cx="10058400" cy="1450757"/>
-          </a:xfrm>
-        </p:spPr>
-        <p:txBody>
-          <a:bodyPr anchor="ctr">
-            <a:normAutofit/>
-          </a:bodyPr>
-          <a:lstStyle/>
-          <a:p>
-            <a:r>
-              <a:rPr lang="en-US" dirty="0">
-                <a:solidFill>
-                  <a:srgbClr val="FFFFFF"/>
-                </a:solidFill>
-                <a:latin typeface="Bahnschrift Condensed" panose="020B0502040204020203" pitchFamily="34" charset="0"/>
-              </a:rPr>
-              <a:t>Russel Dimensional Emotion Model</a:t>
-            </a:r>
-          </a:p>
-        </p:txBody>
-      </p:sp>
-      <p:sp>
-        <p:nvSpPr>
-          <p:cNvPr id="12" name="Rectangle 11">
-            <a:extLst>
-              <a:ext uri="{FF2B5EF4-FFF2-40B4-BE49-F238E27FC236}">
-                <a16:creationId xmlns:a16="http://schemas.microsoft.com/office/drawing/2014/main" id="{9B834327-03F1-4931-8261-971373A5A694}"/>
-              </a:ext>
-              <a:ext uri="{C183D7F6-B498-43B3-948B-1728B52AA6E4}">
-                <adec:decorative xmlns:adec="http://schemas.microsoft.com/office/drawing/2017/decorative" val="1"/>
-              </a:ext>
-            </a:extLst>
-          </p:cNvPr>
-          <p:cNvSpPr>
-            <a:spLocks noGrp="1" noRot="1" noChangeAspect="1" noMove="1" noResize="1" noEditPoints="1" noAdjustHandles="1" noChangeArrowheads="1" noChangeShapeType="1" noTextEdit="1"/>
-          </p:cNvSpPr>
-          <p:nvPr>
-            <p:extLst>
-              <p:ext uri="{386F3935-93C4-4BCD-93E2-E3B085C9AB24}">
-                <p16:designElem xmlns:p16="http://schemas.microsoft.com/office/powerpoint/2015/main" val="1"/>
-              </p:ext>
-            </p:extLst>
-          </p:nvPr>
-        </p:nvSpPr>
-        <p:spPr>
-          <a:xfrm>
-            <a:off x="0" y="6400800"/>
-            <a:ext cx="12192000" cy="457200"/>
-          </a:xfrm>
-          <a:prstGeom prst="rect">
-            <a:avLst/>
-          </a:prstGeom>
-          <a:solidFill>
-            <a:srgbClr val="262626"/>
-          </a:solidFill>
-          <a:ln>
-            <a:noFill/>
-          </a:ln>
-        </p:spPr>
-        <p:style>
-          <a:lnRef idx="2">
-            <a:schemeClr val="accent1">
-              <a:shade val="50000"/>
-            </a:schemeClr>
-          </a:lnRef>
-          <a:fillRef idx="1">
-            <a:schemeClr val="accent1"/>
-          </a:fillRef>
-          <a:effectRef idx="0">
-            <a:schemeClr val="accent1"/>
-          </a:effectRef>
-          <a:fontRef idx="minor">
-            <a:schemeClr val="lt1"/>
-          </a:fontRef>
-        </p:style>
-      </p:sp>
-      <p:pic>
-        <p:nvPicPr>
-          <p:cNvPr id="11" name="Content Placeholder 4" descr="Diagram&#10;&#10;Description automatically generated">
-            <a:extLst>
-              <a:ext uri="{FF2B5EF4-FFF2-40B4-BE49-F238E27FC236}">
-                <a16:creationId xmlns:a16="http://schemas.microsoft.com/office/drawing/2014/main" id="{D9992A87-108F-444B-B23E-F975B4876F13}"/>
-              </a:ext>
-            </a:extLst>
-          </p:cNvPr>
-          <p:cNvPicPr>
-            <a:picLocks noGrp="1" noChangeAspect="1"/>
-          </p:cNvPicPr>
-          <p:nvPr>
-            <p:ph idx="1"/>
-          </p:nvPr>
-        </p:nvPicPr>
-        <p:blipFill>
-          <a:blip r:embed="rId2">
-            <a:extLst>
-              <a:ext uri="{28A0092B-C50C-407E-A947-70E740481C1C}">
-                <a14:useLocalDpi xmlns:a14="http://schemas.microsoft.com/office/drawing/2010/main" val="0"/>
-              </a:ext>
-            </a:extLst>
-          </a:blip>
-          <a:stretch>
-            <a:fillRect/>
-          </a:stretch>
-        </p:blipFill>
-        <p:spPr>
-          <a:xfrm>
-            <a:off x="2484791" y="1929343"/>
-            <a:ext cx="6808499" cy="4303817"/>
-          </a:xfrm>
-          <a:prstGeom prst="rect">
-            <a:avLst/>
-          </a:prstGeom>
-        </p:spPr>
-      </p:pic>
-    </p:spTree>
-    <p:extLst>
-      <p:ext uri="{BB962C8B-B14F-4D97-AF65-F5344CB8AC3E}">
-        <p14:creationId xmlns:p14="http://schemas.microsoft.com/office/powerpoint/2010/main" val="1396056446"/>
-      </p:ext>
-    </p:extLst>
-  </p:cSld>
-  <p:clrMapOvr>
-    <a:masterClrMapping/>
-  </p:clrMapOvr>
-</p:sld>
-</file>
-
-<file path=ppt/slides/slide7.xml><?xml version="1.0" encoding="utf-8"?>
-<p:sld xmlns:a="http://schemas.openxmlformats.org/drawingml/2006/main" xmlns:r="http://schemas.openxmlformats.org/officeDocument/2006/relationships" xmlns:p="http://schemas.openxmlformats.org/presentationml/2006/main">
-  <p:cSld>
-    <p:bg>
-      <p:bgPr>
-        <a:solidFill>
-          <a:schemeClr val="bg1"/>
-        </a:solidFill>
-        <a:effectLst/>
-      </p:bgPr>
-    </p:bg>
-    <p:spTree>
-      <p:nvGrpSpPr>
-        <p:cNvPr id="1" name=""/>
-        <p:cNvGrpSpPr/>
-        <p:nvPr/>
-      </p:nvGrpSpPr>
-      <p:grpSpPr>
-        <a:xfrm>
-          <a:off x="0" y="0"/>
-          <a:ext cx="0" cy="0"/>
-          <a:chOff x="0" y="0"/>
-          <a:chExt cx="0" cy="0"/>
-        </a:xfrm>
-      </p:grpSpPr>
-      <p:sp useBgFill="1">
-        <p:nvSpPr>
-          <p:cNvPr id="8" name="Rectangle 7">
-            <a:extLst>
-              <a:ext uri="{FF2B5EF4-FFF2-40B4-BE49-F238E27FC236}">
-                <a16:creationId xmlns:a16="http://schemas.microsoft.com/office/drawing/2014/main" id="{3558DB37-9FEE-48A2-8578-ED0401573943}"/>
-              </a:ext>
-              <a:ext uri="{C183D7F6-B498-43B3-948B-1728B52AA6E4}">
-                <adec:decorative xmlns:adec="http://schemas.microsoft.com/office/drawing/2017/decorative" val="1"/>
-              </a:ext>
-            </a:extLst>
-          </p:cNvPr>
-          <p:cNvSpPr>
-            <a:spLocks noGrp="1" noRot="1" noChangeAspect="1" noMove="1" noResize="1" noEditPoints="1" noAdjustHandles="1" noChangeArrowheads="1" noChangeShapeType="1" noTextEdit="1"/>
-          </p:cNvSpPr>
-          <p:nvPr>
-            <p:extLst>
-              <p:ext uri="{386F3935-93C4-4BCD-93E2-E3B085C9AB24}">
-                <p16:designElem xmlns:p16="http://schemas.microsoft.com/office/powerpoint/2015/main" val="1"/>
-              </p:ext>
-            </p:extLst>
-          </p:nvPr>
-        </p:nvSpPr>
-        <p:spPr>
-          <a:xfrm>
-            <a:off x="1507" y="0"/>
-            <a:ext cx="12192000" cy="6858000"/>
-          </a:xfrm>
-          <a:prstGeom prst="rect">
-            <a:avLst/>
-          </a:prstGeom>
-          <a:ln>
-            <a:noFill/>
-          </a:ln>
-        </p:spPr>
-        <p:style>
-          <a:lnRef idx="2">
-            <a:schemeClr val="accent1">
-              <a:shade val="50000"/>
-            </a:schemeClr>
-          </a:lnRef>
-          <a:fillRef idx="1">
-            <a:schemeClr val="accent1"/>
-          </a:fillRef>
-          <a:effectRef idx="0">
-            <a:schemeClr val="accent1"/>
-          </a:effectRef>
-          <a:fontRef idx="minor">
-            <a:schemeClr val="lt1"/>
-          </a:fontRef>
-        </p:style>
-        <p:txBody>
-          <a:bodyPr rtlCol="0" anchor="ctr"/>
-          <a:lstStyle/>
-          <a:p>
-            <a:pPr algn="ctr"/>
-            <a:endParaRPr lang="en-US"/>
-          </a:p>
-        </p:txBody>
-      </p:sp>
-      <p:sp>
-        <p:nvSpPr>
-          <p:cNvPr id="10" name="Rectangle 9">
-            <a:extLst>
-              <a:ext uri="{FF2B5EF4-FFF2-40B4-BE49-F238E27FC236}">
-                <a16:creationId xmlns:a16="http://schemas.microsoft.com/office/drawing/2014/main" id="{5F7FCCA6-00E2-4F74-A105-0D769872F243}"/>
-              </a:ext>
-              <a:ext uri="{C183D7F6-B498-43B3-948B-1728B52AA6E4}">
-                <adec:decorative xmlns:adec="http://schemas.microsoft.com/office/drawing/2017/decorative" val="1"/>
-              </a:ext>
-            </a:extLst>
-          </p:cNvPr>
-          <p:cNvSpPr>
-            <a:spLocks noGrp="1" noRot="1" noChangeAspect="1" noMove="1" noResize="1" noEditPoints="1" noAdjustHandles="1" noChangeArrowheads="1" noChangeShapeType="1" noTextEdit="1"/>
-          </p:cNvSpPr>
-          <p:nvPr>
-            <p:extLst>
-              <p:ext uri="{386F3935-93C4-4BCD-93E2-E3B085C9AB24}">
-                <p16:designElem xmlns:p16="http://schemas.microsoft.com/office/powerpoint/2015/main" val="1"/>
-              </p:ext>
-            </p:extLst>
-          </p:nvPr>
-        </p:nvSpPr>
-        <p:spPr bwMode="white">
-          <a:xfrm>
-            <a:off x="1507" y="0"/>
-            <a:ext cx="12188952" cy="1905000"/>
-          </a:xfrm>
-          <a:prstGeom prst="rect">
-            <a:avLst/>
-          </a:prstGeom>
-          <a:solidFill>
-            <a:schemeClr val="accent1"/>
-          </a:solidFill>
-          <a:ln>
-            <a:noFill/>
-          </a:ln>
-        </p:spPr>
-        <p:style>
-          <a:lnRef idx="2">
-            <a:schemeClr val="accent1">
-              <a:shade val="50000"/>
-            </a:schemeClr>
-          </a:lnRef>
-          <a:fillRef idx="1">
-            <a:schemeClr val="accent1"/>
-          </a:fillRef>
-          <a:effectRef idx="0">
-            <a:schemeClr val="accent1"/>
-          </a:effectRef>
-          <a:fontRef idx="minor">
-            <a:schemeClr val="lt1"/>
-          </a:fontRef>
-        </p:style>
-      </p:sp>
-      <p:sp>
-        <p:nvSpPr>
-          <p:cNvPr id="2" name="Title 1">
-            <a:extLst>
-              <a:ext uri="{FF2B5EF4-FFF2-40B4-BE49-F238E27FC236}">
-                <a16:creationId xmlns:a16="http://schemas.microsoft.com/office/drawing/2014/main" id="{35CD58FB-D790-495F-A2EF-43D8DAE085DD}"/>
-              </a:ext>
-            </a:extLst>
-          </p:cNvPr>
-          <p:cNvSpPr>
-            <a:spLocks noGrp="1"/>
-          </p:cNvSpPr>
-          <p:nvPr>
-            <p:ph type="title"/>
-          </p:nvPr>
-        </p:nvSpPr>
-        <p:spPr>
-          <a:xfrm>
-            <a:off x="1097280" y="286603"/>
-            <a:ext cx="10058400" cy="1450757"/>
-          </a:xfrm>
-        </p:spPr>
-        <p:txBody>
-          <a:bodyPr anchor="ctr">
-            <a:normAutofit/>
-          </a:bodyPr>
-          <a:lstStyle/>
-          <a:p>
-            <a:r>
-              <a:rPr lang="en-US" dirty="0">
-                <a:solidFill>
-                  <a:srgbClr val="FFFFFF"/>
-                </a:solidFill>
-                <a:latin typeface="Bahnschrift Condensed" panose="020B0502040204020203" pitchFamily="34" charset="0"/>
-              </a:rPr>
-              <a:t>Techniques And Algorithms</a:t>
-            </a:r>
-          </a:p>
-        </p:txBody>
-      </p:sp>
-      <p:sp>
-        <p:nvSpPr>
-          <p:cNvPr id="12" name="Rectangle 11">
-            <a:extLst>
-              <a:ext uri="{FF2B5EF4-FFF2-40B4-BE49-F238E27FC236}">
-                <a16:creationId xmlns:a16="http://schemas.microsoft.com/office/drawing/2014/main" id="{9B834327-03F1-4931-8261-971373A5A694}"/>
-              </a:ext>
-              <a:ext uri="{C183D7F6-B498-43B3-948B-1728B52AA6E4}">
-                <adec:decorative xmlns:adec="http://schemas.microsoft.com/office/drawing/2017/decorative" val="1"/>
-              </a:ext>
-            </a:extLst>
-          </p:cNvPr>
-          <p:cNvSpPr>
-            <a:spLocks noGrp="1" noRot="1" noChangeAspect="1" noMove="1" noResize="1" noEditPoints="1" noAdjustHandles="1" noChangeArrowheads="1" noChangeShapeType="1" noTextEdit="1"/>
-          </p:cNvSpPr>
-          <p:nvPr>
-            <p:extLst>
-              <p:ext uri="{386F3935-93C4-4BCD-93E2-E3B085C9AB24}">
-                <p16:designElem xmlns:p16="http://schemas.microsoft.com/office/powerpoint/2015/main" val="1"/>
-              </p:ext>
-            </p:extLst>
-          </p:nvPr>
-        </p:nvSpPr>
-        <p:spPr>
-          <a:xfrm>
-            <a:off x="0" y="6400800"/>
-            <a:ext cx="12192000" cy="457200"/>
-          </a:xfrm>
-          <a:prstGeom prst="rect">
-            <a:avLst/>
-          </a:prstGeom>
-          <a:solidFill>
-            <a:srgbClr val="262626"/>
-          </a:solidFill>
-          <a:ln>
-            <a:noFill/>
-          </a:ln>
-        </p:spPr>
-        <p:style>
-          <a:lnRef idx="2">
-            <a:schemeClr val="accent1">
-              <a:shade val="50000"/>
-            </a:schemeClr>
-          </a:lnRef>
-          <a:fillRef idx="1">
-            <a:schemeClr val="accent1"/>
-          </a:fillRef>
-          <a:effectRef idx="0">
-            <a:schemeClr val="accent1"/>
-          </a:effectRef>
-          <a:fontRef idx="minor">
-            <a:schemeClr val="lt1"/>
-          </a:fontRef>
-        </p:style>
-      </p:sp>
-      <p:sp>
-        <p:nvSpPr>
-          <p:cNvPr id="4" name="Content Placeholder 3">
-            <a:extLst>
-              <a:ext uri="{FF2B5EF4-FFF2-40B4-BE49-F238E27FC236}">
-                <a16:creationId xmlns:a16="http://schemas.microsoft.com/office/drawing/2014/main" id="{BB2500BB-1C98-4CA7-AAA7-1DC19C4EC1E6}"/>
-              </a:ext>
-            </a:extLst>
-          </p:cNvPr>
-          <p:cNvSpPr>
-            <a:spLocks noGrp="1"/>
-          </p:cNvSpPr>
-          <p:nvPr>
-            <p:ph idx="1"/>
-          </p:nvPr>
-        </p:nvSpPr>
-        <p:spPr/>
-        <p:txBody>
-          <a:bodyPr/>
-          <a:lstStyle/>
-          <a:p>
-            <a:r>
-              <a:rPr lang="en-US" dirty="0">
-                <a:latin typeface="Bahnschrift Light" panose="020B0502040204020203" pitchFamily="34" charset="0"/>
-              </a:rPr>
-              <a:t>LSTM to CNN (65.97% Accuracy)</a:t>
-            </a:r>
-          </a:p>
-          <a:p>
-            <a:endParaRPr lang="en-US" dirty="0">
-              <a:latin typeface="Bahnschrift Light" panose="020B0502040204020203" pitchFamily="34" charset="0"/>
-            </a:endParaRPr>
-          </a:p>
-          <a:p>
-            <a:r>
-              <a:rPr lang="en-US" dirty="0">
-                <a:latin typeface="Bahnschrift Light" panose="020B0502040204020203" pitchFamily="34" charset="0"/>
-              </a:rPr>
-              <a:t>SVM and NB (59.2% Accuracy)</a:t>
-            </a:r>
-          </a:p>
-        </p:txBody>
-      </p:sp>
-    </p:spTree>
-    <p:extLst>
-      <p:ext uri="{BB962C8B-B14F-4D97-AF65-F5344CB8AC3E}">
-        <p14:creationId xmlns:p14="http://schemas.microsoft.com/office/powerpoint/2010/main" val="2393159550"/>
-      </p:ext>
-    </p:extLst>
-  </p:cSld>
-  <p:clrMapOvr>
-    <a:masterClrMapping/>
-  </p:clrMapOvr>
-</p:sld>
-</file>
-
-<file path=ppt/slides/slide8.xml><?xml version="1.0" encoding="utf-8"?>
-<p:sld xmlns:a="http://schemas.openxmlformats.org/drawingml/2006/main" xmlns:r="http://schemas.openxmlformats.org/officeDocument/2006/relationships" xmlns:p="http://schemas.openxmlformats.org/presentationml/2006/main">
-  <p:cSld>
-    <p:bg>
-      <p:bgPr>
-        <a:solidFill>
-          <a:schemeClr val="bg1"/>
-        </a:solidFill>
-        <a:effectLst/>
-      </p:bgPr>
-    </p:bg>
-    <p:spTree>
-      <p:nvGrpSpPr>
-        <p:cNvPr id="1" name=""/>
-        <p:cNvGrpSpPr/>
-        <p:nvPr/>
-      </p:nvGrpSpPr>
-      <p:grpSpPr>
-        <a:xfrm>
-          <a:off x="0" y="0"/>
-          <a:ext cx="0" cy="0"/>
-          <a:chOff x="0" y="0"/>
-          <a:chExt cx="0" cy="0"/>
-        </a:xfrm>
-      </p:grpSpPr>
-      <p:sp>
-        <p:nvSpPr>
           <p:cNvPr id="19" name="Rectangle 18">
             <a:extLst>
               <a:ext uri="{FF2B5EF4-FFF2-40B4-BE49-F238E27FC236}">
@@ -8072,6 +4339,4372 @@
 </p:sld>
 </file>
 
+<file path=ppt/slides/slide11.xml><?xml version="1.0" encoding="utf-8"?>
+<p:sld xmlns:a="http://schemas.openxmlformats.org/drawingml/2006/main" xmlns:r="http://schemas.openxmlformats.org/officeDocument/2006/relationships" xmlns:p="http://schemas.openxmlformats.org/presentationml/2006/main">
+  <p:cSld>
+    <p:bg>
+      <p:bgPr>
+        <a:solidFill>
+          <a:schemeClr val="bg1"/>
+        </a:solidFill>
+        <a:effectLst/>
+      </p:bgPr>
+    </p:bg>
+    <p:spTree>
+      <p:nvGrpSpPr>
+        <p:cNvPr id="1" name=""/>
+        <p:cNvGrpSpPr/>
+        <p:nvPr/>
+      </p:nvGrpSpPr>
+      <p:grpSpPr>
+        <a:xfrm>
+          <a:off x="0" y="0"/>
+          <a:ext cx="0" cy="0"/>
+          <a:chOff x="0" y="0"/>
+          <a:chExt cx="0" cy="0"/>
+        </a:xfrm>
+      </p:grpSpPr>
+      <p:sp>
+        <p:nvSpPr>
+          <p:cNvPr id="15" name="Rectangle 14">
+            <a:extLst>
+              <a:ext uri="{FF2B5EF4-FFF2-40B4-BE49-F238E27FC236}">
+                <a16:creationId xmlns:a16="http://schemas.microsoft.com/office/drawing/2014/main" id="{A8E9C91B-7EAD-4562-AB0E-DFB9663AECE3}"/>
+              </a:ext>
+              <a:ext uri="{C183D7F6-B498-43B3-948B-1728B52AA6E4}">
+                <adec:decorative xmlns:adec="http://schemas.microsoft.com/office/drawing/2017/decorative" val="1"/>
+              </a:ext>
+            </a:extLst>
+          </p:cNvPr>
+          <p:cNvSpPr>
+            <a:spLocks noGrp="1" noRot="1" noChangeAspect="1" noMove="1" noResize="1" noEditPoints="1" noAdjustHandles="1" noChangeArrowheads="1" noChangeShapeType="1" noTextEdit="1"/>
+          </p:cNvSpPr>
+          <p:nvPr>
+            <p:extLst>
+              <p:ext uri="{386F3935-93C4-4BCD-93E2-E3B085C9AB24}">
+                <p16:designElem xmlns:p16="http://schemas.microsoft.com/office/powerpoint/2015/main" val="1"/>
+              </p:ext>
+            </p:extLst>
+          </p:nvPr>
+        </p:nvSpPr>
+        <p:spPr>
+          <a:xfrm>
+            <a:off x="3175" y="6400800"/>
+            <a:ext cx="12188825" cy="457200"/>
+          </a:xfrm>
+          <a:prstGeom prst="rect">
+            <a:avLst/>
+          </a:prstGeom>
+          <a:solidFill>
+            <a:srgbClr val="262626"/>
+          </a:solidFill>
+          <a:ln>
+            <a:noFill/>
+          </a:ln>
+        </p:spPr>
+        <p:style>
+          <a:lnRef idx="2">
+            <a:schemeClr val="accent1">
+              <a:shade val="50000"/>
+            </a:schemeClr>
+          </a:lnRef>
+          <a:fillRef idx="1">
+            <a:schemeClr val="accent1"/>
+          </a:fillRef>
+          <a:effectRef idx="0">
+            <a:schemeClr val="accent1"/>
+          </a:effectRef>
+          <a:fontRef idx="minor">
+            <a:schemeClr val="lt1"/>
+          </a:fontRef>
+        </p:style>
+      </p:sp>
+      <p:sp>
+        <p:nvSpPr>
+          <p:cNvPr id="17" name="Rectangle 16">
+            <a:extLst>
+              <a:ext uri="{FF2B5EF4-FFF2-40B4-BE49-F238E27FC236}">
+                <a16:creationId xmlns:a16="http://schemas.microsoft.com/office/drawing/2014/main" id="{41497DE5-0939-4D1D-9350-0C5E1B209C68}"/>
+              </a:ext>
+              <a:ext uri="{C183D7F6-B498-43B3-948B-1728B52AA6E4}">
+                <adec:decorative xmlns:adec="http://schemas.microsoft.com/office/drawing/2017/decorative" val="1"/>
+              </a:ext>
+            </a:extLst>
+          </p:cNvPr>
+          <p:cNvSpPr>
+            <a:spLocks noGrp="1" noRot="1" noChangeAspect="1" noMove="1" noResize="1" noEditPoints="1" noAdjustHandles="1" noChangeArrowheads="1" noChangeShapeType="1" noTextEdit="1"/>
+          </p:cNvSpPr>
+          <p:nvPr>
+            <p:extLst>
+              <p:ext uri="{386F3935-93C4-4BCD-93E2-E3B085C9AB24}">
+                <p16:designElem xmlns:p16="http://schemas.microsoft.com/office/powerpoint/2015/main" val="1"/>
+              </p:ext>
+            </p:extLst>
+          </p:nvPr>
+        </p:nvSpPr>
+        <p:spPr>
+          <a:xfrm>
+            <a:off x="0" y="0"/>
+            <a:ext cx="12192000" cy="6858000"/>
+          </a:xfrm>
+          <a:prstGeom prst="rect">
+            <a:avLst/>
+          </a:prstGeom>
+          <a:solidFill>
+            <a:srgbClr val="262626"/>
+          </a:solidFill>
+          <a:ln>
+            <a:noFill/>
+          </a:ln>
+        </p:spPr>
+        <p:style>
+          <a:lnRef idx="2">
+            <a:schemeClr val="accent1">
+              <a:shade val="50000"/>
+            </a:schemeClr>
+          </a:lnRef>
+          <a:fillRef idx="1">
+            <a:schemeClr val="accent1"/>
+          </a:fillRef>
+          <a:effectRef idx="0">
+            <a:schemeClr val="accent1"/>
+          </a:effectRef>
+          <a:fontRef idx="minor">
+            <a:schemeClr val="lt1"/>
+          </a:fontRef>
+        </p:style>
+        <p:txBody>
+          <a:bodyPr rtlCol="0" anchor="ctr"/>
+          <a:lstStyle/>
+          <a:p>
+            <a:pPr algn="ctr"/>
+            <a:endParaRPr lang="en-US"/>
+          </a:p>
+        </p:txBody>
+      </p:sp>
+      <p:sp>
+        <p:nvSpPr>
+          <p:cNvPr id="19" name="Rectangle 18">
+            <a:extLst>
+              <a:ext uri="{FF2B5EF4-FFF2-40B4-BE49-F238E27FC236}">
+                <a16:creationId xmlns:a16="http://schemas.microsoft.com/office/drawing/2014/main" id="{5CCC70ED-6C63-4537-B7EB-51990D6C0A6F}"/>
+              </a:ext>
+              <a:ext uri="{C183D7F6-B498-43B3-948B-1728B52AA6E4}">
+                <adec:decorative xmlns:adec="http://schemas.microsoft.com/office/drawing/2017/decorative" val="1"/>
+              </a:ext>
+            </a:extLst>
+          </p:cNvPr>
+          <p:cNvSpPr>
+            <a:spLocks noGrp="1" noRot="1" noChangeAspect="1" noMove="1" noResize="1" noEditPoints="1" noAdjustHandles="1" noChangeArrowheads="1" noChangeShapeType="1" noTextEdit="1"/>
+          </p:cNvSpPr>
+          <p:nvPr>
+            <p:extLst>
+              <p:ext uri="{386F3935-93C4-4BCD-93E2-E3B085C9AB24}">
+                <p16:designElem xmlns:p16="http://schemas.microsoft.com/office/powerpoint/2015/main" val="1"/>
+              </p:ext>
+            </p:extLst>
+          </p:nvPr>
+        </p:nvSpPr>
+        <p:spPr>
+          <a:xfrm>
+            <a:off x="458724" y="457200"/>
+            <a:ext cx="11274552" cy="5943600"/>
+          </a:xfrm>
+          <a:prstGeom prst="rect">
+            <a:avLst/>
+          </a:prstGeom>
+          <a:ln>
+            <a:noFill/>
+          </a:ln>
+        </p:spPr>
+        <p:style>
+          <a:lnRef idx="2">
+            <a:schemeClr val="accent1">
+              <a:shade val="50000"/>
+            </a:schemeClr>
+          </a:lnRef>
+          <a:fillRef idx="1">
+            <a:schemeClr val="accent1"/>
+          </a:fillRef>
+          <a:effectRef idx="0">
+            <a:schemeClr val="accent1"/>
+          </a:effectRef>
+          <a:fontRef idx="minor">
+            <a:schemeClr val="lt1"/>
+          </a:fontRef>
+        </p:style>
+        <p:txBody>
+          <a:bodyPr rtlCol="0" anchor="ctr"/>
+          <a:lstStyle/>
+          <a:p>
+            <a:pPr algn="ctr"/>
+            <a:endParaRPr lang="en-US"/>
+          </a:p>
+        </p:txBody>
+      </p:sp>
+      <p:sp>
+        <p:nvSpPr>
+          <p:cNvPr id="21" name="Rectangle 20">
+            <a:extLst>
+              <a:ext uri="{FF2B5EF4-FFF2-40B4-BE49-F238E27FC236}">
+                <a16:creationId xmlns:a16="http://schemas.microsoft.com/office/drawing/2014/main" id="{B76E24C1-2968-40DC-A36E-F6B85F0F0752}"/>
+              </a:ext>
+              <a:ext uri="{C183D7F6-B498-43B3-948B-1728B52AA6E4}">
+                <adec:decorative xmlns:adec="http://schemas.microsoft.com/office/drawing/2017/decorative" val="1"/>
+              </a:ext>
+            </a:extLst>
+          </p:cNvPr>
+          <p:cNvSpPr>
+            <a:spLocks noGrp="1" noRot="1" noChangeAspect="1" noMove="1" noResize="1" noEditPoints="1" noAdjustHandles="1" noChangeArrowheads="1" noChangeShapeType="1" noTextEdit="1"/>
+          </p:cNvSpPr>
+          <p:nvPr>
+            <p:extLst>
+              <p:ext uri="{386F3935-93C4-4BCD-93E2-E3B085C9AB24}">
+                <p16:designElem xmlns:p16="http://schemas.microsoft.com/office/powerpoint/2015/main" val="1"/>
+              </p:ext>
+            </p:extLst>
+          </p:nvPr>
+        </p:nvSpPr>
+        <p:spPr>
+          <a:xfrm>
+            <a:off x="522732" y="521208"/>
+            <a:ext cx="11146536" cy="5815584"/>
+          </a:xfrm>
+          <a:prstGeom prst="rect">
+            <a:avLst/>
+          </a:prstGeom>
+          <a:solidFill>
+            <a:srgbClr val="FFFFFF"/>
+          </a:solidFill>
+          <a:ln>
+            <a:noFill/>
+          </a:ln>
+        </p:spPr>
+        <p:style>
+          <a:lnRef idx="2">
+            <a:schemeClr val="accent1">
+              <a:shade val="50000"/>
+            </a:schemeClr>
+          </a:lnRef>
+          <a:fillRef idx="1">
+            <a:schemeClr val="accent1"/>
+          </a:fillRef>
+          <a:effectRef idx="0">
+            <a:schemeClr val="accent1"/>
+          </a:effectRef>
+          <a:fontRef idx="minor">
+            <a:schemeClr val="lt1"/>
+          </a:fontRef>
+        </p:style>
+        <p:txBody>
+          <a:bodyPr rtlCol="0" anchor="ctr"/>
+          <a:lstStyle/>
+          <a:p>
+            <a:pPr algn="ctr"/>
+            <a:endParaRPr lang="en-US"/>
+          </a:p>
+        </p:txBody>
+      </p:sp>
+      <p:pic>
+        <p:nvPicPr>
+          <p:cNvPr id="9" name="Content Placeholder 8">
+            <a:extLst>
+              <a:ext uri="{FF2B5EF4-FFF2-40B4-BE49-F238E27FC236}">
+                <a16:creationId xmlns:a16="http://schemas.microsoft.com/office/drawing/2014/main" id="{53288E19-3B0D-4D6E-921C-6D02D85EEFAB}"/>
+              </a:ext>
+            </a:extLst>
+          </p:cNvPr>
+          <p:cNvPicPr>
+            <a:picLocks noGrp="1" noChangeAspect="1"/>
+          </p:cNvPicPr>
+          <p:nvPr>
+            <p:ph idx="1"/>
+          </p:nvPr>
+        </p:nvPicPr>
+        <p:blipFill>
+          <a:blip r:embed="rId2"/>
+          <a:stretch>
+            <a:fillRect/>
+          </a:stretch>
+        </p:blipFill>
+        <p:spPr>
+          <a:xfrm>
+            <a:off x="2040316" y="549464"/>
+            <a:ext cx="8111367" cy="5759072"/>
+          </a:xfrm>
+          <a:prstGeom prst="rect">
+            <a:avLst/>
+          </a:prstGeom>
+        </p:spPr>
+      </p:pic>
+    </p:spTree>
+    <p:extLst>
+      <p:ext uri="{BB962C8B-B14F-4D97-AF65-F5344CB8AC3E}">
+        <p14:creationId xmlns:p14="http://schemas.microsoft.com/office/powerpoint/2010/main" val="1806233300"/>
+      </p:ext>
+    </p:extLst>
+  </p:cSld>
+  <p:clrMapOvr>
+    <a:masterClrMapping/>
+  </p:clrMapOvr>
+</p:sld>
+</file>
+
+<file path=ppt/slides/slide12.xml><?xml version="1.0" encoding="utf-8"?>
+<p:sld xmlns:a="http://schemas.openxmlformats.org/drawingml/2006/main" xmlns:r="http://schemas.openxmlformats.org/officeDocument/2006/relationships" xmlns:p="http://schemas.openxmlformats.org/presentationml/2006/main">
+  <p:cSld>
+    <p:bg>
+      <p:bgPr>
+        <a:solidFill>
+          <a:schemeClr val="bg1"/>
+        </a:solidFill>
+        <a:effectLst/>
+      </p:bgPr>
+    </p:bg>
+    <p:spTree>
+      <p:nvGrpSpPr>
+        <p:cNvPr id="1" name=""/>
+        <p:cNvGrpSpPr/>
+        <p:nvPr/>
+      </p:nvGrpSpPr>
+      <p:grpSpPr>
+        <a:xfrm>
+          <a:off x="0" y="0"/>
+          <a:ext cx="0" cy="0"/>
+          <a:chOff x="0" y="0"/>
+          <a:chExt cx="0" cy="0"/>
+        </a:xfrm>
+      </p:grpSpPr>
+      <p:sp>
+        <p:nvSpPr>
+          <p:cNvPr id="33" name="Rectangle 23">
+            <a:extLst>
+              <a:ext uri="{FF2B5EF4-FFF2-40B4-BE49-F238E27FC236}">
+                <a16:creationId xmlns:a16="http://schemas.microsoft.com/office/drawing/2014/main" id="{39E3965E-AC41-4711-9D10-E25ABB132D86}"/>
+              </a:ext>
+              <a:ext uri="{C183D7F6-B498-43B3-948B-1728B52AA6E4}">
+                <adec:decorative xmlns:adec="http://schemas.microsoft.com/office/drawing/2017/decorative" val="1"/>
+              </a:ext>
+            </a:extLst>
+          </p:cNvPr>
+          <p:cNvSpPr>
+            <a:spLocks noGrp="1" noRot="1" noChangeAspect="1" noMove="1" noResize="1" noEditPoints="1" noAdjustHandles="1" noChangeArrowheads="1" noChangeShapeType="1" noTextEdit="1"/>
+          </p:cNvSpPr>
+          <p:nvPr>
+            <p:extLst>
+              <p:ext uri="{386F3935-93C4-4BCD-93E2-E3B085C9AB24}">
+                <p16:designElem xmlns:p16="http://schemas.microsoft.com/office/powerpoint/2015/main" val="1"/>
+              </p:ext>
+            </p:extLst>
+          </p:nvPr>
+        </p:nvSpPr>
+        <p:spPr>
+          <a:xfrm>
+            <a:off x="3175" y="6400800"/>
+            <a:ext cx="12188825" cy="457200"/>
+          </a:xfrm>
+          <a:prstGeom prst="rect">
+            <a:avLst/>
+          </a:prstGeom>
+          <a:solidFill>
+            <a:srgbClr val="262626"/>
+          </a:solidFill>
+          <a:ln>
+            <a:noFill/>
+          </a:ln>
+        </p:spPr>
+        <p:style>
+          <a:lnRef idx="2">
+            <a:schemeClr val="accent1">
+              <a:shade val="50000"/>
+            </a:schemeClr>
+          </a:lnRef>
+          <a:fillRef idx="1">
+            <a:schemeClr val="accent1"/>
+          </a:fillRef>
+          <a:effectRef idx="0">
+            <a:schemeClr val="accent1"/>
+          </a:effectRef>
+          <a:fontRef idx="minor">
+            <a:schemeClr val="lt1"/>
+          </a:fontRef>
+        </p:style>
+      </p:sp>
+      <p:cxnSp>
+        <p:nvCxnSpPr>
+          <p:cNvPr id="35" name="Straight Connector 25">
+            <a:extLst>
+              <a:ext uri="{FF2B5EF4-FFF2-40B4-BE49-F238E27FC236}">
+                <a16:creationId xmlns:a16="http://schemas.microsoft.com/office/drawing/2014/main" id="{1F5DC8C3-BA5F-4EED-BB9A-A14272BD82A1}"/>
+              </a:ext>
+              <a:ext uri="{C183D7F6-B498-43B3-948B-1728B52AA6E4}">
+                <adec:decorative xmlns:adec="http://schemas.microsoft.com/office/drawing/2017/decorative" val="1"/>
+              </a:ext>
+            </a:extLst>
+          </p:cNvPr>
+          <p:cNvCxnSpPr>
+            <a:cxnSpLocks noGrp="1" noRot="1" noChangeAspect="1" noMove="1" noResize="1" noEditPoints="1" noAdjustHandles="1" noChangeArrowheads="1" noChangeShapeType="1"/>
+          </p:cNvCxnSpPr>
+          <p:nvPr>
+            <p:extLst>
+              <p:ext uri="{386F3935-93C4-4BCD-93E2-E3B085C9AB24}">
+                <p16:designElem xmlns:p16="http://schemas.microsoft.com/office/powerpoint/2015/main" val="1"/>
+              </p:ext>
+            </p:extLst>
+          </p:nvPr>
+        </p:nvCxnSpPr>
+        <p:spPr>
+          <a:xfrm>
+            <a:off x="1207658" y="4474741"/>
+            <a:ext cx="9875520" cy="0"/>
+          </a:xfrm>
+          <a:prstGeom prst="line">
+            <a:avLst/>
+          </a:prstGeom>
+          <a:ln w="12700">
+            <a:solidFill>
+              <a:schemeClr val="tx1">
+                <a:lumMod val="75000"/>
+                <a:lumOff val="25000"/>
+              </a:schemeClr>
+            </a:solidFill>
+          </a:ln>
+        </p:spPr>
+        <p:style>
+          <a:lnRef idx="1">
+            <a:schemeClr val="accent1"/>
+          </a:lnRef>
+          <a:fillRef idx="0">
+            <a:schemeClr val="accent1"/>
+          </a:fillRef>
+          <a:effectRef idx="0">
+            <a:schemeClr val="accent1"/>
+          </a:effectRef>
+          <a:fontRef idx="minor">
+            <a:schemeClr val="tx1"/>
+          </a:fontRef>
+        </p:style>
+      </p:cxnSp>
+      <p:sp useBgFill="1">
+        <p:nvSpPr>
+          <p:cNvPr id="36" name="Rectangle 27">
+            <a:extLst>
+              <a:ext uri="{FF2B5EF4-FFF2-40B4-BE49-F238E27FC236}">
+                <a16:creationId xmlns:a16="http://schemas.microsoft.com/office/drawing/2014/main" id="{F1314C34-F582-4EEF-86CE-F88761E52434}"/>
+              </a:ext>
+              <a:ext uri="{C183D7F6-B498-43B3-948B-1728B52AA6E4}">
+                <adec:decorative xmlns:adec="http://schemas.microsoft.com/office/drawing/2017/decorative" val="1"/>
+              </a:ext>
+            </a:extLst>
+          </p:cNvPr>
+          <p:cNvSpPr>
+            <a:spLocks noGrp="1" noRot="1" noChangeAspect="1" noMove="1" noResize="1" noEditPoints="1" noAdjustHandles="1" noChangeArrowheads="1" noChangeShapeType="1" noTextEdit="1"/>
+          </p:cNvSpPr>
+          <p:nvPr>
+            <p:extLst>
+              <p:ext uri="{386F3935-93C4-4BCD-93E2-E3B085C9AB24}">
+                <p16:designElem xmlns:p16="http://schemas.microsoft.com/office/powerpoint/2015/main" val="1"/>
+              </p:ext>
+            </p:extLst>
+          </p:nvPr>
+        </p:nvSpPr>
+        <p:spPr>
+          <a:xfrm>
+            <a:off x="0" y="0"/>
+            <a:ext cx="12192000" cy="6858000"/>
+          </a:xfrm>
+          <a:prstGeom prst="rect">
+            <a:avLst/>
+          </a:prstGeom>
+          <a:ln w="15875" cap="flat" cmpd="sng" algn="ctr">
+            <a:noFill/>
+            <a:prstDash val="solid"/>
+          </a:ln>
+          <a:effectLst/>
+          <a:extLst>
+            <a:ext uri="{91240B29-F687-4F45-9708-019B960494DF}">
+              <a14:hiddenLine xmlns:a14="http://schemas.microsoft.com/office/drawing/2010/main" w="15875" cap="flat" cmpd="sng" algn="ctr">
+                <a:solidFill>
+                  <a:schemeClr val="accent1">
+                    <a:shade val="50000"/>
+                  </a:schemeClr>
+                </a:solidFill>
+                <a:prstDash val="solid"/>
+              </a14:hiddenLine>
+            </a:ext>
+          </a:extLst>
+        </p:spPr>
+        <p:style>
+          <a:lnRef idx="2">
+            <a:schemeClr val="accent1">
+              <a:shade val="50000"/>
+            </a:schemeClr>
+          </a:lnRef>
+          <a:fillRef idx="1">
+            <a:schemeClr val="accent1"/>
+          </a:fillRef>
+          <a:effectRef idx="0">
+            <a:schemeClr val="accent1"/>
+          </a:effectRef>
+          <a:fontRef idx="minor">
+            <a:schemeClr val="lt1"/>
+          </a:fontRef>
+        </p:style>
+        <p:txBody>
+          <a:bodyPr rtlCol="0" anchor="ctr"/>
+          <a:lstStyle/>
+          <a:p>
+            <a:pPr algn="ctr"/>
+            <a:endParaRPr lang="en-US"/>
+          </a:p>
+        </p:txBody>
+      </p:sp>
+      <p:pic>
+        <p:nvPicPr>
+          <p:cNvPr id="5" name="Picture 4" descr="Graph on document with pen">
+            <a:extLst>
+              <a:ext uri="{FF2B5EF4-FFF2-40B4-BE49-F238E27FC236}">
+                <a16:creationId xmlns:a16="http://schemas.microsoft.com/office/drawing/2014/main" id="{50686A78-7C77-40EA-A7EF-5E386D5E1765}"/>
+              </a:ext>
+            </a:extLst>
+          </p:cNvPr>
+          <p:cNvPicPr>
+            <a:picLocks noChangeAspect="1"/>
+          </p:cNvPicPr>
+          <p:nvPr/>
+        </p:nvPicPr>
+        <p:blipFill rotWithShape="1">
+          <a:blip r:embed="rId2"/>
+          <a:srcRect t="1415" b="14315"/>
+          <a:stretch/>
+        </p:blipFill>
+        <p:spPr>
+          <a:xfrm>
+            <a:off x="-1" y="10"/>
+            <a:ext cx="12191999" cy="6857990"/>
+          </a:xfrm>
+          <a:prstGeom prst="rect">
+            <a:avLst/>
+          </a:prstGeom>
+        </p:spPr>
+      </p:pic>
+      <p:sp>
+        <p:nvSpPr>
+          <p:cNvPr id="37" name="Rectangle 29">
+            <a:extLst>
+              <a:ext uri="{FF2B5EF4-FFF2-40B4-BE49-F238E27FC236}">
+                <a16:creationId xmlns:a16="http://schemas.microsoft.com/office/drawing/2014/main" id="{7319A1DD-F557-4EC6-8A8C-F7617B4CD678}"/>
+              </a:ext>
+              <a:ext uri="{C183D7F6-B498-43B3-948B-1728B52AA6E4}">
+                <adec:decorative xmlns:adec="http://schemas.microsoft.com/office/drawing/2017/decorative" val="1"/>
+              </a:ext>
+            </a:extLst>
+          </p:cNvPr>
+          <p:cNvSpPr>
+            <a:spLocks noGrp="1" noRot="1" noChangeAspect="1" noMove="1" noResize="1" noEditPoints="1" noAdjustHandles="1" noChangeArrowheads="1" noChangeShapeType="1" noTextEdit="1"/>
+          </p:cNvSpPr>
+          <p:nvPr>
+            <p:extLst>
+              <p:ext uri="{386F3935-93C4-4BCD-93E2-E3B085C9AB24}">
+                <p16:designElem xmlns:p16="http://schemas.microsoft.com/office/powerpoint/2015/main" val="1"/>
+              </p:ext>
+            </p:extLst>
+          </p:nvPr>
+        </p:nvSpPr>
+        <p:spPr>
+          <a:xfrm>
+            <a:off x="-1" y="3118982"/>
+            <a:ext cx="7537704" cy="2462668"/>
+          </a:xfrm>
+          <a:prstGeom prst="rect">
+            <a:avLst/>
+          </a:prstGeom>
+          <a:solidFill>
+            <a:schemeClr val="bg1">
+              <a:alpha val="85000"/>
+            </a:schemeClr>
+          </a:solidFill>
+          <a:ln>
+            <a:noFill/>
+          </a:ln>
+        </p:spPr>
+        <p:style>
+          <a:lnRef idx="2">
+            <a:schemeClr val="accent1">
+              <a:shade val="50000"/>
+            </a:schemeClr>
+          </a:lnRef>
+          <a:fillRef idx="1">
+            <a:schemeClr val="accent1"/>
+          </a:fillRef>
+          <a:effectRef idx="0">
+            <a:schemeClr val="accent1"/>
+          </a:effectRef>
+          <a:fontRef idx="minor">
+            <a:schemeClr val="lt1"/>
+          </a:fontRef>
+        </p:style>
+        <p:txBody>
+          <a:bodyPr rtlCol="0" anchor="ctr"/>
+          <a:lstStyle/>
+          <a:p>
+            <a:pPr algn="ctr"/>
+            <a:endParaRPr lang="en-US"/>
+          </a:p>
+        </p:txBody>
+      </p:sp>
+      <p:sp>
+        <p:nvSpPr>
+          <p:cNvPr id="2" name="Title 1">
+            <a:extLst>
+              <a:ext uri="{FF2B5EF4-FFF2-40B4-BE49-F238E27FC236}">
+                <a16:creationId xmlns:a16="http://schemas.microsoft.com/office/drawing/2014/main" id="{FA4BD612-9192-4FC7-A751-FA2DA4BA1907}"/>
+              </a:ext>
+            </a:extLst>
+          </p:cNvPr>
+          <p:cNvSpPr>
+            <a:spLocks noGrp="1"/>
+          </p:cNvSpPr>
+          <p:nvPr>
+            <p:ph type="title"/>
+          </p:nvPr>
+        </p:nvSpPr>
+        <p:spPr>
+          <a:xfrm>
+            <a:off x="735791" y="3331444"/>
+            <a:ext cx="6470692" cy="1229306"/>
+          </a:xfrm>
+        </p:spPr>
+        <p:txBody>
+          <a:bodyPr vert="horz" lIns="91440" tIns="45720" rIns="91440" bIns="45720" rtlCol="0" anchor="b">
+            <a:normAutofit/>
+          </a:bodyPr>
+          <a:lstStyle/>
+          <a:p>
+            <a:r>
+              <a:rPr lang="en-US" sz="4000" dirty="0">
+                <a:solidFill>
+                  <a:schemeClr val="tx1">
+                    <a:lumMod val="85000"/>
+                    <a:lumOff val="15000"/>
+                  </a:schemeClr>
+                </a:solidFill>
+                <a:latin typeface="Bahnschrift Condensed" panose="020B0502040204020203" pitchFamily="34" charset="0"/>
+              </a:rPr>
+              <a:t>Summary of current advances in text-based emotion detection</a:t>
+            </a:r>
+          </a:p>
+        </p:txBody>
+      </p:sp>
+      <p:cxnSp>
+        <p:nvCxnSpPr>
+          <p:cNvPr id="32" name="Straight Connector 31">
+            <a:extLst>
+              <a:ext uri="{FF2B5EF4-FFF2-40B4-BE49-F238E27FC236}">
+                <a16:creationId xmlns:a16="http://schemas.microsoft.com/office/drawing/2014/main" id="{D28A9C89-B313-458F-9C85-515930A51A93}"/>
+              </a:ext>
+              <a:ext uri="{C183D7F6-B498-43B3-948B-1728B52AA6E4}">
+                <adec:decorative xmlns:adec="http://schemas.microsoft.com/office/drawing/2017/decorative" val="1"/>
+              </a:ext>
+            </a:extLst>
+          </p:cNvPr>
+          <p:cNvCxnSpPr>
+            <a:cxnSpLocks noGrp="1" noRot="1" noChangeAspect="1" noMove="1" noResize="1" noEditPoints="1" noAdjustHandles="1" noChangeArrowheads="1" noChangeShapeType="1"/>
+          </p:cNvCxnSpPr>
+          <p:nvPr>
+            <p:extLst>
+              <p:ext uri="{386F3935-93C4-4BCD-93E2-E3B085C9AB24}">
+                <p16:designElem xmlns:p16="http://schemas.microsoft.com/office/powerpoint/2015/main" val="1"/>
+              </p:ext>
+            </p:extLst>
+          </p:nvPr>
+        </p:nvCxnSpPr>
+        <p:spPr>
+          <a:xfrm>
+            <a:off x="772429" y="4641183"/>
+            <a:ext cx="6309360" cy="0"/>
+          </a:xfrm>
+          <a:prstGeom prst="line">
+            <a:avLst/>
+          </a:prstGeom>
+          <a:ln w="19050">
+            <a:solidFill>
+              <a:schemeClr val="accent1">
+                <a:alpha val="90000"/>
+              </a:schemeClr>
+            </a:solidFill>
+          </a:ln>
+        </p:spPr>
+        <p:style>
+          <a:lnRef idx="1">
+            <a:schemeClr val="accent1"/>
+          </a:lnRef>
+          <a:fillRef idx="0">
+            <a:schemeClr val="accent1"/>
+          </a:fillRef>
+          <a:effectRef idx="0">
+            <a:schemeClr val="accent1"/>
+          </a:effectRef>
+          <a:fontRef idx="minor">
+            <a:schemeClr val="tx1"/>
+          </a:fontRef>
+        </p:style>
+      </p:cxnSp>
+      <p:sp>
+        <p:nvSpPr>
+          <p:cNvPr id="34" name="!!footer rectangle">
+            <a:extLst>
+              <a:ext uri="{FF2B5EF4-FFF2-40B4-BE49-F238E27FC236}">
+                <a16:creationId xmlns:a16="http://schemas.microsoft.com/office/drawing/2014/main" id="{C390A367-0330-4E03-9D5F-40308A7975C8}"/>
+              </a:ext>
+              <a:ext uri="{C183D7F6-B498-43B3-948B-1728B52AA6E4}">
+                <adec:decorative xmlns:adec="http://schemas.microsoft.com/office/drawing/2017/decorative" val="1"/>
+              </a:ext>
+            </a:extLst>
+          </p:cNvPr>
+          <p:cNvSpPr>
+            <a:spLocks noGrp="1" noRot="1" noChangeAspect="1" noMove="1" noResize="1" noEditPoints="1" noAdjustHandles="1" noChangeArrowheads="1" noChangeShapeType="1" noTextEdit="1"/>
+          </p:cNvSpPr>
+          <p:nvPr>
+            <p:extLst>
+              <p:ext uri="{386F3935-93C4-4BCD-93E2-E3B085C9AB24}">
+                <p16:designElem xmlns:p16="http://schemas.microsoft.com/office/powerpoint/2015/main" val="1"/>
+              </p:ext>
+            </p:extLst>
+          </p:nvPr>
+        </p:nvSpPr>
+        <p:spPr>
+          <a:xfrm>
+            <a:off x="1" y="6400800"/>
+            <a:ext cx="12192000" cy="457200"/>
+          </a:xfrm>
+          <a:prstGeom prst="rect">
+            <a:avLst/>
+          </a:prstGeom>
+          <a:solidFill>
+            <a:srgbClr val="262626">
+              <a:alpha val="95000"/>
+            </a:srgbClr>
+          </a:solidFill>
+          <a:ln>
+            <a:noFill/>
+          </a:ln>
+        </p:spPr>
+        <p:style>
+          <a:lnRef idx="2">
+            <a:schemeClr val="accent1">
+              <a:shade val="50000"/>
+            </a:schemeClr>
+          </a:lnRef>
+          <a:fillRef idx="1">
+            <a:schemeClr val="accent1"/>
+          </a:fillRef>
+          <a:effectRef idx="0">
+            <a:schemeClr val="accent1"/>
+          </a:effectRef>
+          <a:fontRef idx="minor">
+            <a:schemeClr val="lt1"/>
+          </a:fontRef>
+        </p:style>
+      </p:sp>
+    </p:spTree>
+    <p:extLst>
+      <p:ext uri="{BB962C8B-B14F-4D97-AF65-F5344CB8AC3E}">
+        <p14:creationId xmlns:p14="http://schemas.microsoft.com/office/powerpoint/2010/main" val="1983536281"/>
+      </p:ext>
+    </p:extLst>
+  </p:cSld>
+  <p:clrMapOvr>
+    <a:overrideClrMapping bg1="dk1" tx1="lt1" bg2="dk2" tx2="lt2" accent1="accent1" accent2="accent2" accent3="accent3" accent4="accent4" accent5="accent5" accent6="accent6" hlink="hlink" folHlink="folHlink"/>
+  </p:clrMapOvr>
+</p:sld>
+</file>
+
+<file path=ppt/slides/slide13.xml><?xml version="1.0" encoding="utf-8"?>
+<p:sld xmlns:a="http://schemas.openxmlformats.org/drawingml/2006/main" xmlns:r="http://schemas.openxmlformats.org/officeDocument/2006/relationships" xmlns:p="http://schemas.openxmlformats.org/presentationml/2006/main">
+  <p:cSld>
+    <p:bg>
+      <p:bgPr>
+        <a:solidFill>
+          <a:schemeClr val="bg1"/>
+        </a:solidFill>
+        <a:effectLst/>
+      </p:bgPr>
+    </p:bg>
+    <p:spTree>
+      <p:nvGrpSpPr>
+        <p:cNvPr id="1" name=""/>
+        <p:cNvGrpSpPr/>
+        <p:nvPr/>
+      </p:nvGrpSpPr>
+      <p:grpSpPr>
+        <a:xfrm>
+          <a:off x="0" y="0"/>
+          <a:ext cx="0" cy="0"/>
+          <a:chOff x="0" y="0"/>
+          <a:chExt cx="0" cy="0"/>
+        </a:xfrm>
+      </p:grpSpPr>
+      <p:sp>
+        <p:nvSpPr>
+          <p:cNvPr id="10" name="Rectangle 9">
+            <a:extLst>
+              <a:ext uri="{FF2B5EF4-FFF2-40B4-BE49-F238E27FC236}">
+                <a16:creationId xmlns:a16="http://schemas.microsoft.com/office/drawing/2014/main" id="{A8E9C91B-7EAD-4562-AB0E-DFB9663AECE3}"/>
+              </a:ext>
+              <a:ext uri="{C183D7F6-B498-43B3-948B-1728B52AA6E4}">
+                <adec:decorative xmlns:adec="http://schemas.microsoft.com/office/drawing/2017/decorative" val="1"/>
+              </a:ext>
+            </a:extLst>
+          </p:cNvPr>
+          <p:cNvSpPr>
+            <a:spLocks noGrp="1" noRot="1" noChangeAspect="1" noMove="1" noResize="1" noEditPoints="1" noAdjustHandles="1" noChangeArrowheads="1" noChangeShapeType="1" noTextEdit="1"/>
+          </p:cNvSpPr>
+          <p:nvPr>
+            <p:extLst>
+              <p:ext uri="{386F3935-93C4-4BCD-93E2-E3B085C9AB24}">
+                <p16:designElem xmlns:p16="http://schemas.microsoft.com/office/powerpoint/2015/main" val="1"/>
+              </p:ext>
+            </p:extLst>
+          </p:nvPr>
+        </p:nvSpPr>
+        <p:spPr>
+          <a:xfrm>
+            <a:off x="3175" y="6400800"/>
+            <a:ext cx="12188825" cy="457200"/>
+          </a:xfrm>
+          <a:prstGeom prst="rect">
+            <a:avLst/>
+          </a:prstGeom>
+          <a:solidFill>
+            <a:srgbClr val="262626"/>
+          </a:solidFill>
+          <a:ln>
+            <a:noFill/>
+          </a:ln>
+        </p:spPr>
+        <p:style>
+          <a:lnRef idx="2">
+            <a:schemeClr val="accent1">
+              <a:shade val="50000"/>
+            </a:schemeClr>
+          </a:lnRef>
+          <a:fillRef idx="1">
+            <a:schemeClr val="accent1"/>
+          </a:fillRef>
+          <a:effectRef idx="0">
+            <a:schemeClr val="accent1"/>
+          </a:effectRef>
+          <a:fontRef idx="minor">
+            <a:schemeClr val="lt1"/>
+          </a:fontRef>
+        </p:style>
+      </p:sp>
+      <p:sp>
+        <p:nvSpPr>
+          <p:cNvPr id="12" name="Rectangle 11">
+            <a:extLst>
+              <a:ext uri="{FF2B5EF4-FFF2-40B4-BE49-F238E27FC236}">
+                <a16:creationId xmlns:a16="http://schemas.microsoft.com/office/drawing/2014/main" id="{41497DE5-0939-4D1D-9350-0C5E1B209C68}"/>
+              </a:ext>
+              <a:ext uri="{C183D7F6-B498-43B3-948B-1728B52AA6E4}">
+                <adec:decorative xmlns:adec="http://schemas.microsoft.com/office/drawing/2017/decorative" val="1"/>
+              </a:ext>
+            </a:extLst>
+          </p:cNvPr>
+          <p:cNvSpPr>
+            <a:spLocks noGrp="1" noRot="1" noChangeAspect="1" noMove="1" noResize="1" noEditPoints="1" noAdjustHandles="1" noChangeArrowheads="1" noChangeShapeType="1" noTextEdit="1"/>
+          </p:cNvSpPr>
+          <p:nvPr>
+            <p:extLst>
+              <p:ext uri="{386F3935-93C4-4BCD-93E2-E3B085C9AB24}">
+                <p16:designElem xmlns:p16="http://schemas.microsoft.com/office/powerpoint/2015/main" val="1"/>
+              </p:ext>
+            </p:extLst>
+          </p:nvPr>
+        </p:nvSpPr>
+        <p:spPr>
+          <a:xfrm>
+            <a:off x="0" y="0"/>
+            <a:ext cx="12192000" cy="6858000"/>
+          </a:xfrm>
+          <a:prstGeom prst="rect">
+            <a:avLst/>
+          </a:prstGeom>
+          <a:solidFill>
+            <a:srgbClr val="262626"/>
+          </a:solidFill>
+          <a:ln>
+            <a:noFill/>
+          </a:ln>
+        </p:spPr>
+        <p:style>
+          <a:lnRef idx="2">
+            <a:schemeClr val="accent1">
+              <a:shade val="50000"/>
+            </a:schemeClr>
+          </a:lnRef>
+          <a:fillRef idx="1">
+            <a:schemeClr val="accent1"/>
+          </a:fillRef>
+          <a:effectRef idx="0">
+            <a:schemeClr val="accent1"/>
+          </a:effectRef>
+          <a:fontRef idx="minor">
+            <a:schemeClr val="lt1"/>
+          </a:fontRef>
+        </p:style>
+        <p:txBody>
+          <a:bodyPr rtlCol="0" anchor="ctr"/>
+          <a:lstStyle/>
+          <a:p>
+            <a:pPr algn="ctr"/>
+            <a:endParaRPr lang="en-US"/>
+          </a:p>
+        </p:txBody>
+      </p:sp>
+      <p:sp>
+        <p:nvSpPr>
+          <p:cNvPr id="14" name="Rectangle 13">
+            <a:extLst>
+              <a:ext uri="{FF2B5EF4-FFF2-40B4-BE49-F238E27FC236}">
+                <a16:creationId xmlns:a16="http://schemas.microsoft.com/office/drawing/2014/main" id="{5CCC70ED-6C63-4537-B7EB-51990D6C0A6F}"/>
+              </a:ext>
+              <a:ext uri="{C183D7F6-B498-43B3-948B-1728B52AA6E4}">
+                <adec:decorative xmlns:adec="http://schemas.microsoft.com/office/drawing/2017/decorative" val="1"/>
+              </a:ext>
+            </a:extLst>
+          </p:cNvPr>
+          <p:cNvSpPr>
+            <a:spLocks noGrp="1" noRot="1" noChangeAspect="1" noMove="1" noResize="1" noEditPoints="1" noAdjustHandles="1" noChangeArrowheads="1" noChangeShapeType="1" noTextEdit="1"/>
+          </p:cNvSpPr>
+          <p:nvPr>
+            <p:extLst>
+              <p:ext uri="{386F3935-93C4-4BCD-93E2-E3B085C9AB24}">
+                <p16:designElem xmlns:p16="http://schemas.microsoft.com/office/powerpoint/2015/main" val="1"/>
+              </p:ext>
+            </p:extLst>
+          </p:nvPr>
+        </p:nvSpPr>
+        <p:spPr>
+          <a:xfrm>
+            <a:off x="458724" y="457200"/>
+            <a:ext cx="11274552" cy="5943600"/>
+          </a:xfrm>
+          <a:prstGeom prst="rect">
+            <a:avLst/>
+          </a:prstGeom>
+          <a:ln>
+            <a:noFill/>
+          </a:ln>
+        </p:spPr>
+        <p:style>
+          <a:lnRef idx="2">
+            <a:schemeClr val="accent1">
+              <a:shade val="50000"/>
+            </a:schemeClr>
+          </a:lnRef>
+          <a:fillRef idx="1">
+            <a:schemeClr val="accent1"/>
+          </a:fillRef>
+          <a:effectRef idx="0">
+            <a:schemeClr val="accent1"/>
+          </a:effectRef>
+          <a:fontRef idx="minor">
+            <a:schemeClr val="lt1"/>
+          </a:fontRef>
+        </p:style>
+        <p:txBody>
+          <a:bodyPr rtlCol="0" anchor="ctr"/>
+          <a:lstStyle/>
+          <a:p>
+            <a:pPr algn="ctr"/>
+            <a:endParaRPr lang="en-US"/>
+          </a:p>
+        </p:txBody>
+      </p:sp>
+      <p:sp>
+        <p:nvSpPr>
+          <p:cNvPr id="16" name="Rectangle 15">
+            <a:extLst>
+              <a:ext uri="{FF2B5EF4-FFF2-40B4-BE49-F238E27FC236}">
+                <a16:creationId xmlns:a16="http://schemas.microsoft.com/office/drawing/2014/main" id="{B76E24C1-2968-40DC-A36E-F6B85F0F0752}"/>
+              </a:ext>
+              <a:ext uri="{C183D7F6-B498-43B3-948B-1728B52AA6E4}">
+                <adec:decorative xmlns:adec="http://schemas.microsoft.com/office/drawing/2017/decorative" val="1"/>
+              </a:ext>
+            </a:extLst>
+          </p:cNvPr>
+          <p:cNvSpPr>
+            <a:spLocks noGrp="1" noRot="1" noChangeAspect="1" noMove="1" noResize="1" noEditPoints="1" noAdjustHandles="1" noChangeArrowheads="1" noChangeShapeType="1" noTextEdit="1"/>
+          </p:cNvSpPr>
+          <p:nvPr>
+            <p:extLst>
+              <p:ext uri="{386F3935-93C4-4BCD-93E2-E3B085C9AB24}">
+                <p16:designElem xmlns:p16="http://schemas.microsoft.com/office/powerpoint/2015/main" val="1"/>
+              </p:ext>
+            </p:extLst>
+          </p:nvPr>
+        </p:nvSpPr>
+        <p:spPr>
+          <a:xfrm>
+            <a:off x="522732" y="521208"/>
+            <a:ext cx="11146536" cy="5815584"/>
+          </a:xfrm>
+          <a:prstGeom prst="rect">
+            <a:avLst/>
+          </a:prstGeom>
+          <a:solidFill>
+            <a:srgbClr val="FFFFFF"/>
+          </a:solidFill>
+          <a:ln>
+            <a:noFill/>
+          </a:ln>
+        </p:spPr>
+        <p:style>
+          <a:lnRef idx="2">
+            <a:schemeClr val="accent1">
+              <a:shade val="50000"/>
+            </a:schemeClr>
+          </a:lnRef>
+          <a:fillRef idx="1">
+            <a:schemeClr val="accent1"/>
+          </a:fillRef>
+          <a:effectRef idx="0">
+            <a:schemeClr val="accent1"/>
+          </a:effectRef>
+          <a:fontRef idx="minor">
+            <a:schemeClr val="lt1"/>
+          </a:fontRef>
+        </p:style>
+        <p:txBody>
+          <a:bodyPr rtlCol="0" anchor="ctr"/>
+          <a:lstStyle/>
+          <a:p>
+            <a:pPr algn="ctr"/>
+            <a:endParaRPr lang="en-US"/>
+          </a:p>
+        </p:txBody>
+      </p:sp>
+      <p:pic>
+        <p:nvPicPr>
+          <p:cNvPr id="5" name="Content Placeholder 4" descr="Graphical user interface, text, application, email&#10;&#10;Description automatically generated">
+            <a:extLst>
+              <a:ext uri="{FF2B5EF4-FFF2-40B4-BE49-F238E27FC236}">
+                <a16:creationId xmlns:a16="http://schemas.microsoft.com/office/drawing/2014/main" id="{046ADBAF-FB43-4872-A1F0-EAAA1B503896}"/>
+              </a:ext>
+            </a:extLst>
+          </p:cNvPr>
+          <p:cNvPicPr>
+            <a:picLocks noGrp="1" noChangeAspect="1"/>
+          </p:cNvPicPr>
+          <p:nvPr>
+            <p:ph idx="1"/>
+          </p:nvPr>
+        </p:nvPicPr>
+        <p:blipFill>
+          <a:blip r:embed="rId2"/>
+          <a:stretch>
+            <a:fillRect/>
+          </a:stretch>
+        </p:blipFill>
+        <p:spPr>
+          <a:xfrm>
+            <a:off x="1947604" y="603598"/>
+            <a:ext cx="8161130" cy="5733194"/>
+          </a:xfrm>
+          <a:prstGeom prst="rect">
+            <a:avLst/>
+          </a:prstGeom>
+        </p:spPr>
+      </p:pic>
+    </p:spTree>
+    <p:extLst>
+      <p:ext uri="{BB962C8B-B14F-4D97-AF65-F5344CB8AC3E}">
+        <p14:creationId xmlns:p14="http://schemas.microsoft.com/office/powerpoint/2010/main" val="929889640"/>
+      </p:ext>
+    </p:extLst>
+  </p:cSld>
+  <p:clrMapOvr>
+    <a:masterClrMapping/>
+  </p:clrMapOvr>
+</p:sld>
+</file>
+
+<file path=ppt/slides/slide14.xml><?xml version="1.0" encoding="utf-8"?>
+<p:sld xmlns:a="http://schemas.openxmlformats.org/drawingml/2006/main" xmlns:r="http://schemas.openxmlformats.org/officeDocument/2006/relationships" xmlns:p="http://schemas.openxmlformats.org/presentationml/2006/main">
+  <p:cSld>
+    <p:bg>
+      <p:bgPr>
+        <a:solidFill>
+          <a:schemeClr val="bg1"/>
+        </a:solidFill>
+        <a:effectLst/>
+      </p:bgPr>
+    </p:bg>
+    <p:spTree>
+      <p:nvGrpSpPr>
+        <p:cNvPr id="1" name=""/>
+        <p:cNvGrpSpPr/>
+        <p:nvPr/>
+      </p:nvGrpSpPr>
+      <p:grpSpPr>
+        <a:xfrm>
+          <a:off x="0" y="0"/>
+          <a:ext cx="0" cy="0"/>
+          <a:chOff x="0" y="0"/>
+          <a:chExt cx="0" cy="0"/>
+        </a:xfrm>
+      </p:grpSpPr>
+      <p:sp>
+        <p:nvSpPr>
+          <p:cNvPr id="10" name="Rectangle 9">
+            <a:extLst>
+              <a:ext uri="{FF2B5EF4-FFF2-40B4-BE49-F238E27FC236}">
+                <a16:creationId xmlns:a16="http://schemas.microsoft.com/office/drawing/2014/main" id="{A8E9C91B-7EAD-4562-AB0E-DFB9663AECE3}"/>
+              </a:ext>
+              <a:ext uri="{C183D7F6-B498-43B3-948B-1728B52AA6E4}">
+                <adec:decorative xmlns:adec="http://schemas.microsoft.com/office/drawing/2017/decorative" val="1"/>
+              </a:ext>
+            </a:extLst>
+          </p:cNvPr>
+          <p:cNvSpPr>
+            <a:spLocks noGrp="1" noRot="1" noChangeAspect="1" noMove="1" noResize="1" noEditPoints="1" noAdjustHandles="1" noChangeArrowheads="1" noChangeShapeType="1" noTextEdit="1"/>
+          </p:cNvSpPr>
+          <p:nvPr>
+            <p:extLst>
+              <p:ext uri="{386F3935-93C4-4BCD-93E2-E3B085C9AB24}">
+                <p16:designElem xmlns:p16="http://schemas.microsoft.com/office/powerpoint/2015/main" val="1"/>
+              </p:ext>
+            </p:extLst>
+          </p:nvPr>
+        </p:nvSpPr>
+        <p:spPr>
+          <a:xfrm>
+            <a:off x="3175" y="6400800"/>
+            <a:ext cx="12188825" cy="457200"/>
+          </a:xfrm>
+          <a:prstGeom prst="rect">
+            <a:avLst/>
+          </a:prstGeom>
+          <a:solidFill>
+            <a:srgbClr val="262626"/>
+          </a:solidFill>
+          <a:ln>
+            <a:noFill/>
+          </a:ln>
+        </p:spPr>
+        <p:style>
+          <a:lnRef idx="2">
+            <a:schemeClr val="accent1">
+              <a:shade val="50000"/>
+            </a:schemeClr>
+          </a:lnRef>
+          <a:fillRef idx="1">
+            <a:schemeClr val="accent1"/>
+          </a:fillRef>
+          <a:effectRef idx="0">
+            <a:schemeClr val="accent1"/>
+          </a:effectRef>
+          <a:fontRef idx="minor">
+            <a:schemeClr val="lt1"/>
+          </a:fontRef>
+        </p:style>
+      </p:sp>
+      <p:sp>
+        <p:nvSpPr>
+          <p:cNvPr id="12" name="Rectangle 11">
+            <a:extLst>
+              <a:ext uri="{FF2B5EF4-FFF2-40B4-BE49-F238E27FC236}">
+                <a16:creationId xmlns:a16="http://schemas.microsoft.com/office/drawing/2014/main" id="{41497DE5-0939-4D1D-9350-0C5E1B209C68}"/>
+              </a:ext>
+              <a:ext uri="{C183D7F6-B498-43B3-948B-1728B52AA6E4}">
+                <adec:decorative xmlns:adec="http://schemas.microsoft.com/office/drawing/2017/decorative" val="1"/>
+              </a:ext>
+            </a:extLst>
+          </p:cNvPr>
+          <p:cNvSpPr>
+            <a:spLocks noGrp="1" noRot="1" noChangeAspect="1" noMove="1" noResize="1" noEditPoints="1" noAdjustHandles="1" noChangeArrowheads="1" noChangeShapeType="1" noTextEdit="1"/>
+          </p:cNvSpPr>
+          <p:nvPr>
+            <p:extLst>
+              <p:ext uri="{386F3935-93C4-4BCD-93E2-E3B085C9AB24}">
+                <p16:designElem xmlns:p16="http://schemas.microsoft.com/office/powerpoint/2015/main" val="1"/>
+              </p:ext>
+            </p:extLst>
+          </p:nvPr>
+        </p:nvSpPr>
+        <p:spPr>
+          <a:xfrm>
+            <a:off x="0" y="0"/>
+            <a:ext cx="12192000" cy="6858000"/>
+          </a:xfrm>
+          <a:prstGeom prst="rect">
+            <a:avLst/>
+          </a:prstGeom>
+          <a:solidFill>
+            <a:srgbClr val="262626"/>
+          </a:solidFill>
+          <a:ln>
+            <a:noFill/>
+          </a:ln>
+        </p:spPr>
+        <p:style>
+          <a:lnRef idx="2">
+            <a:schemeClr val="accent1">
+              <a:shade val="50000"/>
+            </a:schemeClr>
+          </a:lnRef>
+          <a:fillRef idx="1">
+            <a:schemeClr val="accent1"/>
+          </a:fillRef>
+          <a:effectRef idx="0">
+            <a:schemeClr val="accent1"/>
+          </a:effectRef>
+          <a:fontRef idx="minor">
+            <a:schemeClr val="lt1"/>
+          </a:fontRef>
+        </p:style>
+        <p:txBody>
+          <a:bodyPr rtlCol="0" anchor="ctr"/>
+          <a:lstStyle/>
+          <a:p>
+            <a:pPr algn="ctr"/>
+            <a:endParaRPr lang="en-US"/>
+          </a:p>
+        </p:txBody>
+      </p:sp>
+      <p:sp>
+        <p:nvSpPr>
+          <p:cNvPr id="14" name="Rectangle 13">
+            <a:extLst>
+              <a:ext uri="{FF2B5EF4-FFF2-40B4-BE49-F238E27FC236}">
+                <a16:creationId xmlns:a16="http://schemas.microsoft.com/office/drawing/2014/main" id="{5CCC70ED-6C63-4537-B7EB-51990D6C0A6F}"/>
+              </a:ext>
+              <a:ext uri="{C183D7F6-B498-43B3-948B-1728B52AA6E4}">
+                <adec:decorative xmlns:adec="http://schemas.microsoft.com/office/drawing/2017/decorative" val="1"/>
+              </a:ext>
+            </a:extLst>
+          </p:cNvPr>
+          <p:cNvSpPr>
+            <a:spLocks noGrp="1" noRot="1" noChangeAspect="1" noMove="1" noResize="1" noEditPoints="1" noAdjustHandles="1" noChangeArrowheads="1" noChangeShapeType="1" noTextEdit="1"/>
+          </p:cNvSpPr>
+          <p:nvPr>
+            <p:extLst>
+              <p:ext uri="{386F3935-93C4-4BCD-93E2-E3B085C9AB24}">
+                <p16:designElem xmlns:p16="http://schemas.microsoft.com/office/powerpoint/2015/main" val="1"/>
+              </p:ext>
+            </p:extLst>
+          </p:nvPr>
+        </p:nvSpPr>
+        <p:spPr>
+          <a:xfrm>
+            <a:off x="458724" y="457200"/>
+            <a:ext cx="11274552" cy="5943600"/>
+          </a:xfrm>
+          <a:prstGeom prst="rect">
+            <a:avLst/>
+          </a:prstGeom>
+          <a:ln>
+            <a:noFill/>
+          </a:ln>
+        </p:spPr>
+        <p:style>
+          <a:lnRef idx="2">
+            <a:schemeClr val="accent1">
+              <a:shade val="50000"/>
+            </a:schemeClr>
+          </a:lnRef>
+          <a:fillRef idx="1">
+            <a:schemeClr val="accent1"/>
+          </a:fillRef>
+          <a:effectRef idx="0">
+            <a:schemeClr val="accent1"/>
+          </a:effectRef>
+          <a:fontRef idx="minor">
+            <a:schemeClr val="lt1"/>
+          </a:fontRef>
+        </p:style>
+        <p:txBody>
+          <a:bodyPr rtlCol="0" anchor="ctr"/>
+          <a:lstStyle/>
+          <a:p>
+            <a:pPr algn="ctr"/>
+            <a:endParaRPr lang="en-US"/>
+          </a:p>
+        </p:txBody>
+      </p:sp>
+      <p:sp>
+        <p:nvSpPr>
+          <p:cNvPr id="16" name="Rectangle 15">
+            <a:extLst>
+              <a:ext uri="{FF2B5EF4-FFF2-40B4-BE49-F238E27FC236}">
+                <a16:creationId xmlns:a16="http://schemas.microsoft.com/office/drawing/2014/main" id="{B76E24C1-2968-40DC-A36E-F6B85F0F0752}"/>
+              </a:ext>
+              <a:ext uri="{C183D7F6-B498-43B3-948B-1728B52AA6E4}">
+                <adec:decorative xmlns:adec="http://schemas.microsoft.com/office/drawing/2017/decorative" val="1"/>
+              </a:ext>
+            </a:extLst>
+          </p:cNvPr>
+          <p:cNvSpPr>
+            <a:spLocks noGrp="1" noRot="1" noChangeAspect="1" noMove="1" noResize="1" noEditPoints="1" noAdjustHandles="1" noChangeArrowheads="1" noChangeShapeType="1" noTextEdit="1"/>
+          </p:cNvSpPr>
+          <p:nvPr>
+            <p:extLst>
+              <p:ext uri="{386F3935-93C4-4BCD-93E2-E3B085C9AB24}">
+                <p16:designElem xmlns:p16="http://schemas.microsoft.com/office/powerpoint/2015/main" val="1"/>
+              </p:ext>
+            </p:extLst>
+          </p:nvPr>
+        </p:nvSpPr>
+        <p:spPr>
+          <a:xfrm>
+            <a:off x="522732" y="521208"/>
+            <a:ext cx="11146536" cy="5815584"/>
+          </a:xfrm>
+          <a:prstGeom prst="rect">
+            <a:avLst/>
+          </a:prstGeom>
+          <a:solidFill>
+            <a:srgbClr val="FFFFFF"/>
+          </a:solidFill>
+          <a:ln>
+            <a:noFill/>
+          </a:ln>
+        </p:spPr>
+        <p:style>
+          <a:lnRef idx="2">
+            <a:schemeClr val="accent1">
+              <a:shade val="50000"/>
+            </a:schemeClr>
+          </a:lnRef>
+          <a:fillRef idx="1">
+            <a:schemeClr val="accent1"/>
+          </a:fillRef>
+          <a:effectRef idx="0">
+            <a:schemeClr val="accent1"/>
+          </a:effectRef>
+          <a:fontRef idx="minor">
+            <a:schemeClr val="lt1"/>
+          </a:fontRef>
+        </p:style>
+        <p:txBody>
+          <a:bodyPr rtlCol="0" anchor="ctr"/>
+          <a:lstStyle/>
+          <a:p>
+            <a:pPr algn="ctr"/>
+            <a:endParaRPr lang="en-US"/>
+          </a:p>
+        </p:txBody>
+      </p:sp>
+      <p:pic>
+        <p:nvPicPr>
+          <p:cNvPr id="5" name="Content Placeholder 4">
+            <a:extLst>
+              <a:ext uri="{FF2B5EF4-FFF2-40B4-BE49-F238E27FC236}">
+                <a16:creationId xmlns:a16="http://schemas.microsoft.com/office/drawing/2014/main" id="{69594F72-E4E0-4124-B3E4-81AF37BCD2A3}"/>
+              </a:ext>
+            </a:extLst>
+          </p:cNvPr>
+          <p:cNvPicPr>
+            <a:picLocks noGrp="1" noChangeAspect="1"/>
+          </p:cNvPicPr>
+          <p:nvPr>
+            <p:ph idx="1"/>
+          </p:nvPr>
+        </p:nvPicPr>
+        <p:blipFill>
+          <a:blip r:embed="rId2"/>
+          <a:stretch>
+            <a:fillRect/>
+          </a:stretch>
+        </p:blipFill>
+        <p:spPr>
+          <a:xfrm>
+            <a:off x="2132039" y="624497"/>
+            <a:ext cx="7927922" cy="5609005"/>
+          </a:xfrm>
+          <a:prstGeom prst="rect">
+            <a:avLst/>
+          </a:prstGeom>
+        </p:spPr>
+      </p:pic>
+    </p:spTree>
+    <p:extLst>
+      <p:ext uri="{BB962C8B-B14F-4D97-AF65-F5344CB8AC3E}">
+        <p14:creationId xmlns:p14="http://schemas.microsoft.com/office/powerpoint/2010/main" val="3690889067"/>
+      </p:ext>
+    </p:extLst>
+  </p:cSld>
+  <p:clrMapOvr>
+    <a:masterClrMapping/>
+  </p:clrMapOvr>
+</p:sld>
+</file>
+
+<file path=ppt/slides/slide15.xml><?xml version="1.0" encoding="utf-8"?>
+<p:sld xmlns:a="http://schemas.openxmlformats.org/drawingml/2006/main" xmlns:r="http://schemas.openxmlformats.org/officeDocument/2006/relationships" xmlns:p="http://schemas.openxmlformats.org/presentationml/2006/main">
+  <p:cSld>
+    <p:bg>
+      <p:bgPr>
+        <a:solidFill>
+          <a:schemeClr val="bg1"/>
+        </a:solidFill>
+        <a:effectLst/>
+      </p:bgPr>
+    </p:bg>
+    <p:spTree>
+      <p:nvGrpSpPr>
+        <p:cNvPr id="1" name=""/>
+        <p:cNvGrpSpPr/>
+        <p:nvPr/>
+      </p:nvGrpSpPr>
+      <p:grpSpPr>
+        <a:xfrm>
+          <a:off x="0" y="0"/>
+          <a:ext cx="0" cy="0"/>
+          <a:chOff x="0" y="0"/>
+          <a:chExt cx="0" cy="0"/>
+        </a:xfrm>
+      </p:grpSpPr>
+      <p:sp>
+        <p:nvSpPr>
+          <p:cNvPr id="10" name="Rectangle 9">
+            <a:extLst>
+              <a:ext uri="{FF2B5EF4-FFF2-40B4-BE49-F238E27FC236}">
+                <a16:creationId xmlns:a16="http://schemas.microsoft.com/office/drawing/2014/main" id="{A8E9C91B-7EAD-4562-AB0E-DFB9663AECE3}"/>
+              </a:ext>
+              <a:ext uri="{C183D7F6-B498-43B3-948B-1728B52AA6E4}">
+                <adec:decorative xmlns:adec="http://schemas.microsoft.com/office/drawing/2017/decorative" val="1"/>
+              </a:ext>
+            </a:extLst>
+          </p:cNvPr>
+          <p:cNvSpPr>
+            <a:spLocks noGrp="1" noRot="1" noChangeAspect="1" noMove="1" noResize="1" noEditPoints="1" noAdjustHandles="1" noChangeArrowheads="1" noChangeShapeType="1" noTextEdit="1"/>
+          </p:cNvSpPr>
+          <p:nvPr>
+            <p:extLst>
+              <p:ext uri="{386F3935-93C4-4BCD-93E2-E3B085C9AB24}">
+                <p16:designElem xmlns:p16="http://schemas.microsoft.com/office/powerpoint/2015/main" val="1"/>
+              </p:ext>
+            </p:extLst>
+          </p:nvPr>
+        </p:nvSpPr>
+        <p:spPr>
+          <a:xfrm>
+            <a:off x="3175" y="6400800"/>
+            <a:ext cx="12188825" cy="457200"/>
+          </a:xfrm>
+          <a:prstGeom prst="rect">
+            <a:avLst/>
+          </a:prstGeom>
+          <a:solidFill>
+            <a:srgbClr val="262626"/>
+          </a:solidFill>
+          <a:ln>
+            <a:noFill/>
+          </a:ln>
+        </p:spPr>
+        <p:style>
+          <a:lnRef idx="2">
+            <a:schemeClr val="accent1">
+              <a:shade val="50000"/>
+            </a:schemeClr>
+          </a:lnRef>
+          <a:fillRef idx="1">
+            <a:schemeClr val="accent1"/>
+          </a:fillRef>
+          <a:effectRef idx="0">
+            <a:schemeClr val="accent1"/>
+          </a:effectRef>
+          <a:fontRef idx="minor">
+            <a:schemeClr val="lt1"/>
+          </a:fontRef>
+        </p:style>
+      </p:sp>
+      <p:sp>
+        <p:nvSpPr>
+          <p:cNvPr id="12" name="Rectangle 11">
+            <a:extLst>
+              <a:ext uri="{FF2B5EF4-FFF2-40B4-BE49-F238E27FC236}">
+                <a16:creationId xmlns:a16="http://schemas.microsoft.com/office/drawing/2014/main" id="{41497DE5-0939-4D1D-9350-0C5E1B209C68}"/>
+              </a:ext>
+              <a:ext uri="{C183D7F6-B498-43B3-948B-1728B52AA6E4}">
+                <adec:decorative xmlns:adec="http://schemas.microsoft.com/office/drawing/2017/decorative" val="1"/>
+              </a:ext>
+            </a:extLst>
+          </p:cNvPr>
+          <p:cNvSpPr>
+            <a:spLocks noGrp="1" noRot="1" noChangeAspect="1" noMove="1" noResize="1" noEditPoints="1" noAdjustHandles="1" noChangeArrowheads="1" noChangeShapeType="1" noTextEdit="1"/>
+          </p:cNvSpPr>
+          <p:nvPr>
+            <p:extLst>
+              <p:ext uri="{386F3935-93C4-4BCD-93E2-E3B085C9AB24}">
+                <p16:designElem xmlns:p16="http://schemas.microsoft.com/office/powerpoint/2015/main" val="1"/>
+              </p:ext>
+            </p:extLst>
+          </p:nvPr>
+        </p:nvSpPr>
+        <p:spPr>
+          <a:xfrm>
+            <a:off x="0" y="0"/>
+            <a:ext cx="12192000" cy="6858000"/>
+          </a:xfrm>
+          <a:prstGeom prst="rect">
+            <a:avLst/>
+          </a:prstGeom>
+          <a:solidFill>
+            <a:srgbClr val="262626"/>
+          </a:solidFill>
+          <a:ln>
+            <a:noFill/>
+          </a:ln>
+        </p:spPr>
+        <p:style>
+          <a:lnRef idx="2">
+            <a:schemeClr val="accent1">
+              <a:shade val="50000"/>
+            </a:schemeClr>
+          </a:lnRef>
+          <a:fillRef idx="1">
+            <a:schemeClr val="accent1"/>
+          </a:fillRef>
+          <a:effectRef idx="0">
+            <a:schemeClr val="accent1"/>
+          </a:effectRef>
+          <a:fontRef idx="minor">
+            <a:schemeClr val="lt1"/>
+          </a:fontRef>
+        </p:style>
+        <p:txBody>
+          <a:bodyPr rtlCol="0" anchor="ctr"/>
+          <a:lstStyle/>
+          <a:p>
+            <a:pPr algn="ctr"/>
+            <a:endParaRPr lang="en-US"/>
+          </a:p>
+        </p:txBody>
+      </p:sp>
+      <p:sp>
+        <p:nvSpPr>
+          <p:cNvPr id="14" name="Rectangle 13">
+            <a:extLst>
+              <a:ext uri="{FF2B5EF4-FFF2-40B4-BE49-F238E27FC236}">
+                <a16:creationId xmlns:a16="http://schemas.microsoft.com/office/drawing/2014/main" id="{5CCC70ED-6C63-4537-B7EB-51990D6C0A6F}"/>
+              </a:ext>
+              <a:ext uri="{C183D7F6-B498-43B3-948B-1728B52AA6E4}">
+                <adec:decorative xmlns:adec="http://schemas.microsoft.com/office/drawing/2017/decorative" val="1"/>
+              </a:ext>
+            </a:extLst>
+          </p:cNvPr>
+          <p:cNvSpPr>
+            <a:spLocks noGrp="1" noRot="1" noChangeAspect="1" noMove="1" noResize="1" noEditPoints="1" noAdjustHandles="1" noChangeArrowheads="1" noChangeShapeType="1" noTextEdit="1"/>
+          </p:cNvSpPr>
+          <p:nvPr>
+            <p:extLst>
+              <p:ext uri="{386F3935-93C4-4BCD-93E2-E3B085C9AB24}">
+                <p16:designElem xmlns:p16="http://schemas.microsoft.com/office/powerpoint/2015/main" val="1"/>
+              </p:ext>
+            </p:extLst>
+          </p:nvPr>
+        </p:nvSpPr>
+        <p:spPr>
+          <a:xfrm>
+            <a:off x="458724" y="457200"/>
+            <a:ext cx="11274552" cy="5943600"/>
+          </a:xfrm>
+          <a:prstGeom prst="rect">
+            <a:avLst/>
+          </a:prstGeom>
+          <a:ln>
+            <a:noFill/>
+          </a:ln>
+        </p:spPr>
+        <p:style>
+          <a:lnRef idx="2">
+            <a:schemeClr val="accent1">
+              <a:shade val="50000"/>
+            </a:schemeClr>
+          </a:lnRef>
+          <a:fillRef idx="1">
+            <a:schemeClr val="accent1"/>
+          </a:fillRef>
+          <a:effectRef idx="0">
+            <a:schemeClr val="accent1"/>
+          </a:effectRef>
+          <a:fontRef idx="minor">
+            <a:schemeClr val="lt1"/>
+          </a:fontRef>
+        </p:style>
+        <p:txBody>
+          <a:bodyPr rtlCol="0" anchor="ctr"/>
+          <a:lstStyle/>
+          <a:p>
+            <a:pPr algn="ctr"/>
+            <a:endParaRPr lang="en-US"/>
+          </a:p>
+        </p:txBody>
+      </p:sp>
+      <p:sp>
+        <p:nvSpPr>
+          <p:cNvPr id="16" name="Rectangle 15">
+            <a:extLst>
+              <a:ext uri="{FF2B5EF4-FFF2-40B4-BE49-F238E27FC236}">
+                <a16:creationId xmlns:a16="http://schemas.microsoft.com/office/drawing/2014/main" id="{B76E24C1-2968-40DC-A36E-F6B85F0F0752}"/>
+              </a:ext>
+              <a:ext uri="{C183D7F6-B498-43B3-948B-1728B52AA6E4}">
+                <adec:decorative xmlns:adec="http://schemas.microsoft.com/office/drawing/2017/decorative" val="1"/>
+              </a:ext>
+            </a:extLst>
+          </p:cNvPr>
+          <p:cNvSpPr>
+            <a:spLocks noGrp="1" noRot="1" noChangeAspect="1" noMove="1" noResize="1" noEditPoints="1" noAdjustHandles="1" noChangeArrowheads="1" noChangeShapeType="1" noTextEdit="1"/>
+          </p:cNvSpPr>
+          <p:nvPr>
+            <p:extLst>
+              <p:ext uri="{386F3935-93C4-4BCD-93E2-E3B085C9AB24}">
+                <p16:designElem xmlns:p16="http://schemas.microsoft.com/office/powerpoint/2015/main" val="1"/>
+              </p:ext>
+            </p:extLst>
+          </p:nvPr>
+        </p:nvSpPr>
+        <p:spPr>
+          <a:xfrm>
+            <a:off x="522732" y="521208"/>
+            <a:ext cx="11146536" cy="5815584"/>
+          </a:xfrm>
+          <a:prstGeom prst="rect">
+            <a:avLst/>
+          </a:prstGeom>
+          <a:solidFill>
+            <a:srgbClr val="FFFFFF"/>
+          </a:solidFill>
+          <a:ln>
+            <a:noFill/>
+          </a:ln>
+        </p:spPr>
+        <p:style>
+          <a:lnRef idx="2">
+            <a:schemeClr val="accent1">
+              <a:shade val="50000"/>
+            </a:schemeClr>
+          </a:lnRef>
+          <a:fillRef idx="1">
+            <a:schemeClr val="accent1"/>
+          </a:fillRef>
+          <a:effectRef idx="0">
+            <a:schemeClr val="accent1"/>
+          </a:effectRef>
+          <a:fontRef idx="minor">
+            <a:schemeClr val="lt1"/>
+          </a:fontRef>
+        </p:style>
+        <p:txBody>
+          <a:bodyPr rtlCol="0" anchor="ctr"/>
+          <a:lstStyle/>
+          <a:p>
+            <a:pPr algn="ctr"/>
+            <a:endParaRPr lang="en-US"/>
+          </a:p>
+        </p:txBody>
+      </p:sp>
+      <p:pic>
+        <p:nvPicPr>
+          <p:cNvPr id="5" name="Content Placeholder 4">
+            <a:extLst>
+              <a:ext uri="{FF2B5EF4-FFF2-40B4-BE49-F238E27FC236}">
+                <a16:creationId xmlns:a16="http://schemas.microsoft.com/office/drawing/2014/main" id="{CC01EA5D-4BCF-4E6C-ACA0-6A4F29AA89C2}"/>
+              </a:ext>
+            </a:extLst>
+          </p:cNvPr>
+          <p:cNvPicPr>
+            <a:picLocks noGrp="1" noChangeAspect="1"/>
+          </p:cNvPicPr>
+          <p:nvPr>
+            <p:ph idx="1"/>
+          </p:nvPr>
+        </p:nvPicPr>
+        <p:blipFill>
+          <a:blip r:embed="rId2"/>
+          <a:stretch>
+            <a:fillRect/>
+          </a:stretch>
+        </p:blipFill>
+        <p:spPr>
+          <a:xfrm>
+            <a:off x="1762096" y="557788"/>
+            <a:ext cx="8667808" cy="5742423"/>
+          </a:xfrm>
+          <a:prstGeom prst="rect">
+            <a:avLst/>
+          </a:prstGeom>
+        </p:spPr>
+      </p:pic>
+    </p:spTree>
+    <p:extLst>
+      <p:ext uri="{BB962C8B-B14F-4D97-AF65-F5344CB8AC3E}">
+        <p14:creationId xmlns:p14="http://schemas.microsoft.com/office/powerpoint/2010/main" val="2918958748"/>
+      </p:ext>
+    </p:extLst>
+  </p:cSld>
+  <p:clrMapOvr>
+    <a:masterClrMapping/>
+  </p:clrMapOvr>
+</p:sld>
+</file>
+
+<file path=ppt/slides/slide16.xml><?xml version="1.0" encoding="utf-8"?>
+<p:sld xmlns:a="http://schemas.openxmlformats.org/drawingml/2006/main" xmlns:r="http://schemas.openxmlformats.org/officeDocument/2006/relationships" xmlns:p="http://schemas.openxmlformats.org/presentationml/2006/main">
+  <p:cSld>
+    <p:bg>
+      <p:bgPr>
+        <a:solidFill>
+          <a:schemeClr val="bg1"/>
+        </a:solidFill>
+        <a:effectLst/>
+      </p:bgPr>
+    </p:bg>
+    <p:spTree>
+      <p:nvGrpSpPr>
+        <p:cNvPr id="1" name=""/>
+        <p:cNvGrpSpPr/>
+        <p:nvPr/>
+      </p:nvGrpSpPr>
+      <p:grpSpPr>
+        <a:xfrm>
+          <a:off x="0" y="0"/>
+          <a:ext cx="0" cy="0"/>
+          <a:chOff x="0" y="0"/>
+          <a:chExt cx="0" cy="0"/>
+        </a:xfrm>
+      </p:grpSpPr>
+      <p:sp>
+        <p:nvSpPr>
+          <p:cNvPr id="10" name="Rectangle 9">
+            <a:extLst>
+              <a:ext uri="{FF2B5EF4-FFF2-40B4-BE49-F238E27FC236}">
+                <a16:creationId xmlns:a16="http://schemas.microsoft.com/office/drawing/2014/main" id="{A8E9C91B-7EAD-4562-AB0E-DFB9663AECE3}"/>
+              </a:ext>
+              <a:ext uri="{C183D7F6-B498-43B3-948B-1728B52AA6E4}">
+                <adec:decorative xmlns:adec="http://schemas.microsoft.com/office/drawing/2017/decorative" val="1"/>
+              </a:ext>
+            </a:extLst>
+          </p:cNvPr>
+          <p:cNvSpPr>
+            <a:spLocks noGrp="1" noRot="1" noChangeAspect="1" noMove="1" noResize="1" noEditPoints="1" noAdjustHandles="1" noChangeArrowheads="1" noChangeShapeType="1" noTextEdit="1"/>
+          </p:cNvSpPr>
+          <p:nvPr>
+            <p:extLst>
+              <p:ext uri="{386F3935-93C4-4BCD-93E2-E3B085C9AB24}">
+                <p16:designElem xmlns:p16="http://schemas.microsoft.com/office/powerpoint/2015/main" val="1"/>
+              </p:ext>
+            </p:extLst>
+          </p:nvPr>
+        </p:nvSpPr>
+        <p:spPr>
+          <a:xfrm>
+            <a:off x="3175" y="6400800"/>
+            <a:ext cx="12188825" cy="457200"/>
+          </a:xfrm>
+          <a:prstGeom prst="rect">
+            <a:avLst/>
+          </a:prstGeom>
+          <a:solidFill>
+            <a:srgbClr val="262626"/>
+          </a:solidFill>
+          <a:ln>
+            <a:noFill/>
+          </a:ln>
+        </p:spPr>
+        <p:style>
+          <a:lnRef idx="2">
+            <a:schemeClr val="accent1">
+              <a:shade val="50000"/>
+            </a:schemeClr>
+          </a:lnRef>
+          <a:fillRef idx="1">
+            <a:schemeClr val="accent1"/>
+          </a:fillRef>
+          <a:effectRef idx="0">
+            <a:schemeClr val="accent1"/>
+          </a:effectRef>
+          <a:fontRef idx="minor">
+            <a:schemeClr val="lt1"/>
+          </a:fontRef>
+        </p:style>
+      </p:sp>
+      <p:sp>
+        <p:nvSpPr>
+          <p:cNvPr id="12" name="Rectangle 11">
+            <a:extLst>
+              <a:ext uri="{FF2B5EF4-FFF2-40B4-BE49-F238E27FC236}">
+                <a16:creationId xmlns:a16="http://schemas.microsoft.com/office/drawing/2014/main" id="{41497DE5-0939-4D1D-9350-0C5E1B209C68}"/>
+              </a:ext>
+              <a:ext uri="{C183D7F6-B498-43B3-948B-1728B52AA6E4}">
+                <adec:decorative xmlns:adec="http://schemas.microsoft.com/office/drawing/2017/decorative" val="1"/>
+              </a:ext>
+            </a:extLst>
+          </p:cNvPr>
+          <p:cNvSpPr>
+            <a:spLocks noGrp="1" noRot="1" noChangeAspect="1" noMove="1" noResize="1" noEditPoints="1" noAdjustHandles="1" noChangeArrowheads="1" noChangeShapeType="1" noTextEdit="1"/>
+          </p:cNvSpPr>
+          <p:nvPr>
+            <p:extLst>
+              <p:ext uri="{386F3935-93C4-4BCD-93E2-E3B085C9AB24}">
+                <p16:designElem xmlns:p16="http://schemas.microsoft.com/office/powerpoint/2015/main" val="1"/>
+              </p:ext>
+            </p:extLst>
+          </p:nvPr>
+        </p:nvSpPr>
+        <p:spPr>
+          <a:xfrm>
+            <a:off x="0" y="0"/>
+            <a:ext cx="12192000" cy="6858000"/>
+          </a:xfrm>
+          <a:prstGeom prst="rect">
+            <a:avLst/>
+          </a:prstGeom>
+          <a:solidFill>
+            <a:srgbClr val="262626"/>
+          </a:solidFill>
+          <a:ln>
+            <a:noFill/>
+          </a:ln>
+        </p:spPr>
+        <p:style>
+          <a:lnRef idx="2">
+            <a:schemeClr val="accent1">
+              <a:shade val="50000"/>
+            </a:schemeClr>
+          </a:lnRef>
+          <a:fillRef idx="1">
+            <a:schemeClr val="accent1"/>
+          </a:fillRef>
+          <a:effectRef idx="0">
+            <a:schemeClr val="accent1"/>
+          </a:effectRef>
+          <a:fontRef idx="minor">
+            <a:schemeClr val="lt1"/>
+          </a:fontRef>
+        </p:style>
+        <p:txBody>
+          <a:bodyPr rtlCol="0" anchor="ctr"/>
+          <a:lstStyle/>
+          <a:p>
+            <a:pPr algn="ctr"/>
+            <a:endParaRPr lang="en-US"/>
+          </a:p>
+        </p:txBody>
+      </p:sp>
+      <p:sp>
+        <p:nvSpPr>
+          <p:cNvPr id="14" name="Rectangle 13">
+            <a:extLst>
+              <a:ext uri="{FF2B5EF4-FFF2-40B4-BE49-F238E27FC236}">
+                <a16:creationId xmlns:a16="http://schemas.microsoft.com/office/drawing/2014/main" id="{5CCC70ED-6C63-4537-B7EB-51990D6C0A6F}"/>
+              </a:ext>
+              <a:ext uri="{C183D7F6-B498-43B3-948B-1728B52AA6E4}">
+                <adec:decorative xmlns:adec="http://schemas.microsoft.com/office/drawing/2017/decorative" val="1"/>
+              </a:ext>
+            </a:extLst>
+          </p:cNvPr>
+          <p:cNvSpPr>
+            <a:spLocks noGrp="1" noRot="1" noChangeAspect="1" noMove="1" noResize="1" noEditPoints="1" noAdjustHandles="1" noChangeArrowheads="1" noChangeShapeType="1" noTextEdit="1"/>
+          </p:cNvSpPr>
+          <p:nvPr>
+            <p:extLst>
+              <p:ext uri="{386F3935-93C4-4BCD-93E2-E3B085C9AB24}">
+                <p16:designElem xmlns:p16="http://schemas.microsoft.com/office/powerpoint/2015/main" val="1"/>
+              </p:ext>
+            </p:extLst>
+          </p:nvPr>
+        </p:nvSpPr>
+        <p:spPr>
+          <a:xfrm>
+            <a:off x="458724" y="457200"/>
+            <a:ext cx="11274552" cy="5943600"/>
+          </a:xfrm>
+          <a:prstGeom prst="rect">
+            <a:avLst/>
+          </a:prstGeom>
+          <a:ln>
+            <a:noFill/>
+          </a:ln>
+        </p:spPr>
+        <p:style>
+          <a:lnRef idx="2">
+            <a:schemeClr val="accent1">
+              <a:shade val="50000"/>
+            </a:schemeClr>
+          </a:lnRef>
+          <a:fillRef idx="1">
+            <a:schemeClr val="accent1"/>
+          </a:fillRef>
+          <a:effectRef idx="0">
+            <a:schemeClr val="accent1"/>
+          </a:effectRef>
+          <a:fontRef idx="minor">
+            <a:schemeClr val="lt1"/>
+          </a:fontRef>
+        </p:style>
+        <p:txBody>
+          <a:bodyPr rtlCol="0" anchor="ctr"/>
+          <a:lstStyle/>
+          <a:p>
+            <a:pPr algn="ctr"/>
+            <a:endParaRPr lang="en-US"/>
+          </a:p>
+        </p:txBody>
+      </p:sp>
+      <p:sp>
+        <p:nvSpPr>
+          <p:cNvPr id="16" name="Rectangle 15">
+            <a:extLst>
+              <a:ext uri="{FF2B5EF4-FFF2-40B4-BE49-F238E27FC236}">
+                <a16:creationId xmlns:a16="http://schemas.microsoft.com/office/drawing/2014/main" id="{B76E24C1-2968-40DC-A36E-F6B85F0F0752}"/>
+              </a:ext>
+              <a:ext uri="{C183D7F6-B498-43B3-948B-1728B52AA6E4}">
+                <adec:decorative xmlns:adec="http://schemas.microsoft.com/office/drawing/2017/decorative" val="1"/>
+              </a:ext>
+            </a:extLst>
+          </p:cNvPr>
+          <p:cNvSpPr>
+            <a:spLocks noGrp="1" noRot="1" noChangeAspect="1" noMove="1" noResize="1" noEditPoints="1" noAdjustHandles="1" noChangeArrowheads="1" noChangeShapeType="1" noTextEdit="1"/>
+          </p:cNvSpPr>
+          <p:nvPr>
+            <p:extLst>
+              <p:ext uri="{386F3935-93C4-4BCD-93E2-E3B085C9AB24}">
+                <p16:designElem xmlns:p16="http://schemas.microsoft.com/office/powerpoint/2015/main" val="1"/>
+              </p:ext>
+            </p:extLst>
+          </p:nvPr>
+        </p:nvSpPr>
+        <p:spPr>
+          <a:xfrm>
+            <a:off x="522732" y="521208"/>
+            <a:ext cx="11146536" cy="5815584"/>
+          </a:xfrm>
+          <a:prstGeom prst="rect">
+            <a:avLst/>
+          </a:prstGeom>
+          <a:solidFill>
+            <a:srgbClr val="FFFFFF"/>
+          </a:solidFill>
+          <a:ln>
+            <a:noFill/>
+          </a:ln>
+        </p:spPr>
+        <p:style>
+          <a:lnRef idx="2">
+            <a:schemeClr val="accent1">
+              <a:shade val="50000"/>
+            </a:schemeClr>
+          </a:lnRef>
+          <a:fillRef idx="1">
+            <a:schemeClr val="accent1"/>
+          </a:fillRef>
+          <a:effectRef idx="0">
+            <a:schemeClr val="accent1"/>
+          </a:effectRef>
+          <a:fontRef idx="minor">
+            <a:schemeClr val="lt1"/>
+          </a:fontRef>
+        </p:style>
+        <p:txBody>
+          <a:bodyPr rtlCol="0" anchor="ctr"/>
+          <a:lstStyle/>
+          <a:p>
+            <a:pPr algn="ctr"/>
+            <a:endParaRPr lang="en-US"/>
+          </a:p>
+        </p:txBody>
+      </p:sp>
+      <p:pic>
+        <p:nvPicPr>
+          <p:cNvPr id="5" name="Content Placeholder 4">
+            <a:extLst>
+              <a:ext uri="{FF2B5EF4-FFF2-40B4-BE49-F238E27FC236}">
+                <a16:creationId xmlns:a16="http://schemas.microsoft.com/office/drawing/2014/main" id="{635AC499-46BE-47A4-A076-E71B05ACDF38}"/>
+              </a:ext>
+            </a:extLst>
+          </p:cNvPr>
+          <p:cNvPicPr>
+            <a:picLocks noGrp="1" noChangeAspect="1"/>
+          </p:cNvPicPr>
+          <p:nvPr>
+            <p:ph idx="1"/>
+          </p:nvPr>
+        </p:nvPicPr>
+        <p:blipFill>
+          <a:blip r:embed="rId2"/>
+          <a:stretch>
+            <a:fillRect/>
+          </a:stretch>
+        </p:blipFill>
+        <p:spPr>
+          <a:xfrm>
+            <a:off x="693980" y="1173657"/>
+            <a:ext cx="10804039" cy="4510686"/>
+          </a:xfrm>
+          <a:prstGeom prst="rect">
+            <a:avLst/>
+          </a:prstGeom>
+        </p:spPr>
+      </p:pic>
+    </p:spTree>
+    <p:extLst>
+      <p:ext uri="{BB962C8B-B14F-4D97-AF65-F5344CB8AC3E}">
+        <p14:creationId xmlns:p14="http://schemas.microsoft.com/office/powerpoint/2010/main" val="1050221290"/>
+      </p:ext>
+    </p:extLst>
+  </p:cSld>
+  <p:clrMapOvr>
+    <a:masterClrMapping/>
+  </p:clrMapOvr>
+</p:sld>
+</file>
+
+<file path=ppt/slides/slide2.xml><?xml version="1.0" encoding="utf-8"?>
+<p:sld xmlns:a="http://schemas.openxmlformats.org/drawingml/2006/main" xmlns:r="http://schemas.openxmlformats.org/officeDocument/2006/relationships" xmlns:p="http://schemas.openxmlformats.org/presentationml/2006/main">
+  <p:cSld>
+    <p:bg>
+      <p:bgPr>
+        <a:solidFill>
+          <a:schemeClr val="bg1"/>
+        </a:solidFill>
+        <a:effectLst/>
+      </p:bgPr>
+    </p:bg>
+    <p:spTree>
+      <p:nvGrpSpPr>
+        <p:cNvPr id="1" name=""/>
+        <p:cNvGrpSpPr/>
+        <p:nvPr/>
+      </p:nvGrpSpPr>
+      <p:grpSpPr>
+        <a:xfrm>
+          <a:off x="0" y="0"/>
+          <a:ext cx="0" cy="0"/>
+          <a:chOff x="0" y="0"/>
+          <a:chExt cx="0" cy="0"/>
+        </a:xfrm>
+      </p:grpSpPr>
+      <p:sp useBgFill="1">
+        <p:nvSpPr>
+          <p:cNvPr id="8" name="Rectangle 7">
+            <a:extLst>
+              <a:ext uri="{FF2B5EF4-FFF2-40B4-BE49-F238E27FC236}">
+                <a16:creationId xmlns:a16="http://schemas.microsoft.com/office/drawing/2014/main" id="{3741B58E-3B65-4A01-A276-975AB2CF8A08}"/>
+              </a:ext>
+              <a:ext uri="{C183D7F6-B498-43B3-948B-1728B52AA6E4}">
+                <adec:decorative xmlns:adec="http://schemas.microsoft.com/office/drawing/2017/decorative" val="1"/>
+              </a:ext>
+            </a:extLst>
+          </p:cNvPr>
+          <p:cNvSpPr>
+            <a:spLocks noGrp="1" noRot="1" noChangeAspect="1" noMove="1" noResize="1" noEditPoints="1" noAdjustHandles="1" noChangeArrowheads="1" noChangeShapeType="1" noTextEdit="1"/>
+          </p:cNvSpPr>
+          <p:nvPr>
+            <p:extLst>
+              <p:ext uri="{386F3935-93C4-4BCD-93E2-E3B085C9AB24}">
+                <p16:designElem xmlns:p16="http://schemas.microsoft.com/office/powerpoint/2015/main" val="1"/>
+              </p:ext>
+            </p:extLst>
+          </p:nvPr>
+        </p:nvSpPr>
+        <p:spPr>
+          <a:xfrm>
+            <a:off x="0" y="0"/>
+            <a:ext cx="12186315" cy="6858000"/>
+          </a:xfrm>
+          <a:prstGeom prst="rect">
+            <a:avLst/>
+          </a:prstGeom>
+          <a:ln>
+            <a:noFill/>
+          </a:ln>
+        </p:spPr>
+        <p:style>
+          <a:lnRef idx="2">
+            <a:schemeClr val="accent6">
+              <a:shade val="50000"/>
+            </a:schemeClr>
+          </a:lnRef>
+          <a:fillRef idx="1001">
+            <a:schemeClr val="lt1"/>
+          </a:fillRef>
+          <a:effectRef idx="0">
+            <a:schemeClr val="accent6"/>
+          </a:effectRef>
+          <a:fontRef idx="minor">
+            <a:schemeClr val="lt1"/>
+          </a:fontRef>
+        </p:style>
+        <p:txBody>
+          <a:bodyPr rtlCol="0" anchor="ctr"/>
+          <a:lstStyle/>
+          <a:p>
+            <a:pPr algn="ctr"/>
+            <a:endParaRPr lang="en-US"/>
+          </a:p>
+        </p:txBody>
+      </p:sp>
+      <p:sp>
+        <p:nvSpPr>
+          <p:cNvPr id="10" name="Rectangle 9">
+            <a:extLst>
+              <a:ext uri="{FF2B5EF4-FFF2-40B4-BE49-F238E27FC236}">
+                <a16:creationId xmlns:a16="http://schemas.microsoft.com/office/drawing/2014/main" id="{7AAC67C3-831B-4AB1-A259-DFB839CAFAFC}"/>
+              </a:ext>
+              <a:ext uri="{C183D7F6-B498-43B3-948B-1728B52AA6E4}">
+                <adec:decorative xmlns:adec="http://schemas.microsoft.com/office/drawing/2017/decorative" val="1"/>
+              </a:ext>
+            </a:extLst>
+          </p:cNvPr>
+          <p:cNvSpPr>
+            <a:spLocks noGrp="1" noRot="1" noChangeAspect="1" noMove="1" noResize="1" noEditPoints="1" noAdjustHandles="1" noChangeArrowheads="1" noChangeShapeType="1" noTextEdit="1"/>
+          </p:cNvSpPr>
+          <p:nvPr>
+            <p:extLst>
+              <p:ext uri="{386F3935-93C4-4BCD-93E2-E3B085C9AB24}">
+                <p16:designElem xmlns:p16="http://schemas.microsoft.com/office/powerpoint/2015/main" val="1"/>
+              </p:ext>
+            </p:extLst>
+          </p:nvPr>
+        </p:nvSpPr>
+        <p:spPr>
+          <a:xfrm>
+            <a:off x="16" y="0"/>
+            <a:ext cx="4648593" cy="6858000"/>
+          </a:xfrm>
+          <a:prstGeom prst="rect">
+            <a:avLst/>
+          </a:prstGeom>
+          <a:solidFill>
+            <a:srgbClr val="262626"/>
+          </a:solidFill>
+          <a:ln>
+            <a:noFill/>
+          </a:ln>
+        </p:spPr>
+        <p:style>
+          <a:lnRef idx="2">
+            <a:schemeClr val="accent1">
+              <a:shade val="50000"/>
+            </a:schemeClr>
+          </a:lnRef>
+          <a:fillRef idx="1">
+            <a:schemeClr val="accent1"/>
+          </a:fillRef>
+          <a:effectRef idx="0">
+            <a:schemeClr val="accent1"/>
+          </a:effectRef>
+          <a:fontRef idx="minor">
+            <a:schemeClr val="lt1"/>
+          </a:fontRef>
+        </p:style>
+      </p:sp>
+      <p:sp>
+        <p:nvSpPr>
+          <p:cNvPr id="2" name="Title 1">
+            <a:extLst>
+              <a:ext uri="{FF2B5EF4-FFF2-40B4-BE49-F238E27FC236}">
+                <a16:creationId xmlns:a16="http://schemas.microsoft.com/office/drawing/2014/main" id="{5B5CF8F3-5AB7-4944-8747-051AF377BDDE}"/>
+              </a:ext>
+            </a:extLst>
+          </p:cNvPr>
+          <p:cNvSpPr>
+            <a:spLocks noGrp="1"/>
+          </p:cNvSpPr>
+          <p:nvPr>
+            <p:ph type="title"/>
+          </p:nvPr>
+        </p:nvSpPr>
+        <p:spPr>
+          <a:xfrm>
+            <a:off x="492369" y="605896"/>
+            <a:ext cx="3642309" cy="5646208"/>
+          </a:xfrm>
+        </p:spPr>
+        <p:txBody>
+          <a:bodyPr anchor="ctr">
+            <a:normAutofit/>
+          </a:bodyPr>
+          <a:lstStyle/>
+          <a:p>
+            <a:r>
+              <a:rPr lang="en-US" sz="4400" dirty="0">
+                <a:solidFill>
+                  <a:srgbClr val="FFFFFF"/>
+                </a:solidFill>
+                <a:latin typeface="Bahnschrift Condensed" panose="020B0502040204020203" pitchFamily="34" charset="0"/>
+              </a:rPr>
+              <a:t>Text Based Emotion Detection</a:t>
+            </a:r>
+          </a:p>
+        </p:txBody>
+      </p:sp>
+      <p:sp>
+        <p:nvSpPr>
+          <p:cNvPr id="3" name="Content Placeholder 2">
+            <a:extLst>
+              <a:ext uri="{FF2B5EF4-FFF2-40B4-BE49-F238E27FC236}">
+                <a16:creationId xmlns:a16="http://schemas.microsoft.com/office/drawing/2014/main" id="{9DC44C0D-C2B8-40F6-B57D-C5F194A1B608}"/>
+              </a:ext>
+            </a:extLst>
+          </p:cNvPr>
+          <p:cNvSpPr>
+            <a:spLocks noGrp="1"/>
+          </p:cNvSpPr>
+          <p:nvPr>
+            <p:ph idx="1"/>
+          </p:nvPr>
+        </p:nvSpPr>
+        <p:spPr>
+          <a:xfrm>
+            <a:off x="5231958" y="605896"/>
+            <a:ext cx="5923721" cy="5646208"/>
+          </a:xfrm>
+        </p:spPr>
+        <p:txBody>
+          <a:bodyPr anchor="ctr">
+            <a:normAutofit/>
+          </a:bodyPr>
+          <a:lstStyle/>
+          <a:p>
+            <a:pPr algn="ctr"/>
+            <a:r>
+              <a:rPr lang="en-US" sz="3600" u="sng" dirty="0">
+                <a:latin typeface="Bahnschrift Condensed" panose="020B0502040204020203" pitchFamily="34" charset="0"/>
+              </a:rPr>
+              <a:t>Team Members</a:t>
+            </a:r>
+          </a:p>
+          <a:p>
+            <a:pPr algn="ctr"/>
+            <a:r>
+              <a:rPr lang="en-US" sz="2400" dirty="0">
+                <a:latin typeface="Bahnschrift Light" panose="020B0502040204020203" pitchFamily="34" charset="0"/>
+              </a:rPr>
+              <a:t>Malak Emad</a:t>
+            </a:r>
+          </a:p>
+          <a:p>
+            <a:pPr algn="ctr"/>
+            <a:r>
+              <a:rPr lang="en-US" sz="2400" dirty="0">
+                <a:latin typeface="Bahnschrift Light" panose="020B0502040204020203" pitchFamily="34" charset="0"/>
+              </a:rPr>
+              <a:t>Shady Zekry</a:t>
+            </a:r>
+          </a:p>
+          <a:p>
+            <a:pPr algn="ctr"/>
+            <a:r>
+              <a:rPr lang="en-US" sz="2400" dirty="0" err="1">
+                <a:latin typeface="Bahnschrift Light" panose="020B0502040204020203" pitchFamily="34" charset="0"/>
+              </a:rPr>
+              <a:t>Kirollos</a:t>
+            </a:r>
+            <a:r>
+              <a:rPr lang="en-US" sz="2400" dirty="0">
+                <a:latin typeface="Bahnschrift Light" panose="020B0502040204020203" pitchFamily="34" charset="0"/>
+              </a:rPr>
+              <a:t> Hany</a:t>
+            </a:r>
+          </a:p>
+          <a:p>
+            <a:pPr algn="ctr"/>
+            <a:r>
+              <a:rPr lang="en-US" sz="2400" dirty="0" err="1">
+                <a:latin typeface="Bahnschrift Light" panose="020B0502040204020203" pitchFamily="34" charset="0"/>
+              </a:rPr>
+              <a:t>Kirollos</a:t>
+            </a:r>
+            <a:r>
+              <a:rPr lang="en-US" sz="2400" dirty="0">
+                <a:latin typeface="Bahnschrift Light" panose="020B0502040204020203" pitchFamily="34" charset="0"/>
+              </a:rPr>
+              <a:t> George</a:t>
+            </a:r>
+          </a:p>
+          <a:p>
+            <a:pPr algn="ctr"/>
+            <a:r>
+              <a:rPr lang="en-US" sz="2400" dirty="0">
+                <a:latin typeface="Bahnschrift Light" panose="020B0502040204020203" pitchFamily="34" charset="0"/>
+              </a:rPr>
+              <a:t>Fady </a:t>
+            </a:r>
+            <a:r>
+              <a:rPr lang="en-US" sz="2400" dirty="0" err="1">
+                <a:latin typeface="Bahnschrift Light" panose="020B0502040204020203" pitchFamily="34" charset="0"/>
+              </a:rPr>
+              <a:t>Fayek</a:t>
+            </a:r>
+            <a:endParaRPr lang="en-US" sz="2400" dirty="0">
+              <a:latin typeface="Bahnschrift Light" panose="020B0502040204020203" pitchFamily="34" charset="0"/>
+            </a:endParaRPr>
+          </a:p>
+          <a:p>
+            <a:pPr algn="ctr"/>
+            <a:r>
+              <a:rPr lang="en-US" sz="2400" dirty="0">
+                <a:latin typeface="Bahnschrift Light" panose="020B0502040204020203" pitchFamily="34" charset="0"/>
+              </a:rPr>
+              <a:t>Seif </a:t>
+            </a:r>
+            <a:r>
+              <a:rPr lang="en-US" sz="2400" dirty="0" err="1">
+                <a:latin typeface="Bahnschrift Light" panose="020B0502040204020203" pitchFamily="34" charset="0"/>
+              </a:rPr>
+              <a:t>Altahawy</a:t>
+            </a:r>
+            <a:endParaRPr lang="ar-EG" sz="2400" dirty="0">
+              <a:latin typeface="Bahnschrift Light" panose="020B0502040204020203" pitchFamily="34" charset="0"/>
+            </a:endParaRPr>
+          </a:p>
+          <a:p>
+            <a:pPr marL="0" indent="0" algn="ctr">
+              <a:buNone/>
+            </a:pPr>
+            <a:endParaRPr lang="en-US" sz="2800" dirty="0">
+              <a:latin typeface="Bahnschrift Light" panose="020B0502040204020203" pitchFamily="34" charset="0"/>
+            </a:endParaRPr>
+          </a:p>
+        </p:txBody>
+      </p:sp>
+    </p:spTree>
+    <p:extLst>
+      <p:ext uri="{BB962C8B-B14F-4D97-AF65-F5344CB8AC3E}">
+        <p14:creationId xmlns:p14="http://schemas.microsoft.com/office/powerpoint/2010/main" val="389291769"/>
+      </p:ext>
+    </p:extLst>
+  </p:cSld>
+  <p:clrMapOvr>
+    <a:masterClrMapping/>
+  </p:clrMapOvr>
+</p:sld>
+</file>
+
+<file path=ppt/slides/slide3.xml><?xml version="1.0" encoding="utf-8"?>
+<p:sld xmlns:a="http://schemas.openxmlformats.org/drawingml/2006/main" xmlns:r="http://schemas.openxmlformats.org/officeDocument/2006/relationships" xmlns:p="http://schemas.openxmlformats.org/presentationml/2006/main">
+  <p:cSld>
+    <p:bg>
+      <p:bgPr>
+        <a:solidFill>
+          <a:schemeClr val="bg1"/>
+        </a:solidFill>
+        <a:effectLst/>
+      </p:bgPr>
+    </p:bg>
+    <p:spTree>
+      <p:nvGrpSpPr>
+        <p:cNvPr id="1" name=""/>
+        <p:cNvGrpSpPr/>
+        <p:nvPr/>
+      </p:nvGrpSpPr>
+      <p:grpSpPr>
+        <a:xfrm>
+          <a:off x="0" y="0"/>
+          <a:ext cx="0" cy="0"/>
+          <a:chOff x="0" y="0"/>
+          <a:chExt cx="0" cy="0"/>
+        </a:xfrm>
+      </p:grpSpPr>
+      <p:sp useBgFill="1">
+        <p:nvSpPr>
+          <p:cNvPr id="17" name="Rectangle 16">
+            <a:extLst>
+              <a:ext uri="{FF2B5EF4-FFF2-40B4-BE49-F238E27FC236}">
+                <a16:creationId xmlns:a16="http://schemas.microsoft.com/office/drawing/2014/main" id="{3558DB37-9FEE-48A2-8578-ED0401573943}"/>
+              </a:ext>
+              <a:ext uri="{C183D7F6-B498-43B3-948B-1728B52AA6E4}">
+                <adec:decorative xmlns:adec="http://schemas.microsoft.com/office/drawing/2017/decorative" val="1"/>
+              </a:ext>
+            </a:extLst>
+          </p:cNvPr>
+          <p:cNvSpPr>
+            <a:spLocks noGrp="1" noRot="1" noChangeAspect="1" noMove="1" noResize="1" noEditPoints="1" noAdjustHandles="1" noChangeArrowheads="1" noChangeShapeType="1" noTextEdit="1"/>
+          </p:cNvSpPr>
+          <p:nvPr>
+            <p:extLst>
+              <p:ext uri="{386F3935-93C4-4BCD-93E2-E3B085C9AB24}">
+                <p16:designElem xmlns:p16="http://schemas.microsoft.com/office/powerpoint/2015/main" val="1"/>
+              </p:ext>
+            </p:extLst>
+          </p:nvPr>
+        </p:nvSpPr>
+        <p:spPr>
+          <a:xfrm>
+            <a:off x="1507" y="0"/>
+            <a:ext cx="12192000" cy="6858000"/>
+          </a:xfrm>
+          <a:prstGeom prst="rect">
+            <a:avLst/>
+          </a:prstGeom>
+          <a:ln>
+            <a:noFill/>
+          </a:ln>
+        </p:spPr>
+        <p:style>
+          <a:lnRef idx="2">
+            <a:schemeClr val="accent1">
+              <a:shade val="50000"/>
+            </a:schemeClr>
+          </a:lnRef>
+          <a:fillRef idx="1">
+            <a:schemeClr val="accent1"/>
+          </a:fillRef>
+          <a:effectRef idx="0">
+            <a:schemeClr val="accent1"/>
+          </a:effectRef>
+          <a:fontRef idx="minor">
+            <a:schemeClr val="lt1"/>
+          </a:fontRef>
+        </p:style>
+        <p:txBody>
+          <a:bodyPr rtlCol="0" anchor="ctr"/>
+          <a:lstStyle/>
+          <a:p>
+            <a:pPr algn="ctr"/>
+            <a:endParaRPr lang="en-US"/>
+          </a:p>
+        </p:txBody>
+      </p:sp>
+      <p:sp>
+        <p:nvSpPr>
+          <p:cNvPr id="19" name="Rectangle 18">
+            <a:extLst>
+              <a:ext uri="{FF2B5EF4-FFF2-40B4-BE49-F238E27FC236}">
+                <a16:creationId xmlns:a16="http://schemas.microsoft.com/office/drawing/2014/main" id="{5F7FCCA6-00E2-4F74-A105-0D769872F243}"/>
+              </a:ext>
+              <a:ext uri="{C183D7F6-B498-43B3-948B-1728B52AA6E4}">
+                <adec:decorative xmlns:adec="http://schemas.microsoft.com/office/drawing/2017/decorative" val="1"/>
+              </a:ext>
+            </a:extLst>
+          </p:cNvPr>
+          <p:cNvSpPr>
+            <a:spLocks noGrp="1" noRot="1" noChangeAspect="1" noMove="1" noResize="1" noEditPoints="1" noAdjustHandles="1" noChangeArrowheads="1" noChangeShapeType="1" noTextEdit="1"/>
+          </p:cNvSpPr>
+          <p:nvPr>
+            <p:extLst>
+              <p:ext uri="{386F3935-93C4-4BCD-93E2-E3B085C9AB24}">
+                <p16:designElem xmlns:p16="http://schemas.microsoft.com/office/powerpoint/2015/main" val="1"/>
+              </p:ext>
+            </p:extLst>
+          </p:nvPr>
+        </p:nvSpPr>
+        <p:spPr bwMode="white">
+          <a:xfrm>
+            <a:off x="1507" y="0"/>
+            <a:ext cx="12188952" cy="1905000"/>
+          </a:xfrm>
+          <a:prstGeom prst="rect">
+            <a:avLst/>
+          </a:prstGeom>
+          <a:solidFill>
+            <a:schemeClr val="accent1"/>
+          </a:solidFill>
+          <a:ln>
+            <a:noFill/>
+          </a:ln>
+        </p:spPr>
+        <p:style>
+          <a:lnRef idx="2">
+            <a:schemeClr val="accent1">
+              <a:shade val="50000"/>
+            </a:schemeClr>
+          </a:lnRef>
+          <a:fillRef idx="1">
+            <a:schemeClr val="accent1"/>
+          </a:fillRef>
+          <a:effectRef idx="0">
+            <a:schemeClr val="accent1"/>
+          </a:effectRef>
+          <a:fontRef idx="minor">
+            <a:schemeClr val="lt1"/>
+          </a:fontRef>
+        </p:style>
+      </p:sp>
+      <p:sp>
+        <p:nvSpPr>
+          <p:cNvPr id="2" name="Title 1">
+            <a:extLst>
+              <a:ext uri="{FF2B5EF4-FFF2-40B4-BE49-F238E27FC236}">
+                <a16:creationId xmlns:a16="http://schemas.microsoft.com/office/drawing/2014/main" id="{6F2E038C-C8BD-4343-ABB0-0978F2070654}"/>
+              </a:ext>
+            </a:extLst>
+          </p:cNvPr>
+          <p:cNvSpPr>
+            <a:spLocks noGrp="1"/>
+          </p:cNvSpPr>
+          <p:nvPr>
+            <p:ph type="title"/>
+          </p:nvPr>
+        </p:nvSpPr>
+        <p:spPr>
+          <a:xfrm>
+            <a:off x="1097280" y="286603"/>
+            <a:ext cx="10058400" cy="1450757"/>
+          </a:xfrm>
+        </p:spPr>
+        <p:txBody>
+          <a:bodyPr anchor="ctr">
+            <a:normAutofit/>
+          </a:bodyPr>
+          <a:lstStyle/>
+          <a:p>
+            <a:r>
+              <a:rPr lang="en-US" dirty="0">
+                <a:solidFill>
+                  <a:srgbClr val="FFFFFF"/>
+                </a:solidFill>
+                <a:latin typeface="Bahnschrift Condensed" panose="020B0502040204020203" pitchFamily="34" charset="0"/>
+              </a:rPr>
+              <a:t>Introduction</a:t>
+            </a:r>
+          </a:p>
+        </p:txBody>
+      </p:sp>
+      <p:sp>
+        <p:nvSpPr>
+          <p:cNvPr id="3" name="Content Placeholder 2">
+            <a:extLst>
+              <a:ext uri="{FF2B5EF4-FFF2-40B4-BE49-F238E27FC236}">
+                <a16:creationId xmlns:a16="http://schemas.microsoft.com/office/drawing/2014/main" id="{7231B485-5088-4A07-9F4E-F9DE06F4A154}"/>
+              </a:ext>
+            </a:extLst>
+          </p:cNvPr>
+          <p:cNvSpPr>
+            <a:spLocks noGrp="1"/>
+          </p:cNvSpPr>
+          <p:nvPr>
+            <p:ph idx="1"/>
+          </p:nvPr>
+        </p:nvSpPr>
+        <p:spPr>
+          <a:xfrm>
+            <a:off x="1096963" y="2675694"/>
+            <a:ext cx="10058400" cy="3193294"/>
+          </a:xfrm>
+        </p:spPr>
+        <p:txBody>
+          <a:bodyPr>
+            <a:normAutofit/>
+          </a:bodyPr>
+          <a:lstStyle/>
+          <a:p>
+            <a:r>
+              <a:rPr lang="en-US" sz="2400" dirty="0">
+                <a:latin typeface="Bahnschrift Light" panose="020B0502040204020203" pitchFamily="34" charset="0"/>
+              </a:rPr>
+              <a:t>Our idea is to have a chat application with an additional feature that is to detect the emotion based on the text this will help with the miscommunication that happens often in chatting applications due to the nature of it.</a:t>
+            </a:r>
+            <a:endParaRPr lang="ar-EG" sz="2400" dirty="0">
+              <a:latin typeface="Bahnschrift Light" panose="020B0502040204020203" pitchFamily="34" charset="0"/>
+            </a:endParaRPr>
+          </a:p>
+        </p:txBody>
+      </p:sp>
+      <p:sp>
+        <p:nvSpPr>
+          <p:cNvPr id="21" name="Rectangle 20">
+            <a:extLst>
+              <a:ext uri="{FF2B5EF4-FFF2-40B4-BE49-F238E27FC236}">
+                <a16:creationId xmlns:a16="http://schemas.microsoft.com/office/drawing/2014/main" id="{9B834327-03F1-4931-8261-971373A5A694}"/>
+              </a:ext>
+              <a:ext uri="{C183D7F6-B498-43B3-948B-1728B52AA6E4}">
+                <adec:decorative xmlns:adec="http://schemas.microsoft.com/office/drawing/2017/decorative" val="1"/>
+              </a:ext>
+            </a:extLst>
+          </p:cNvPr>
+          <p:cNvSpPr>
+            <a:spLocks noGrp="1" noRot="1" noChangeAspect="1" noMove="1" noResize="1" noEditPoints="1" noAdjustHandles="1" noChangeArrowheads="1" noChangeShapeType="1" noTextEdit="1"/>
+          </p:cNvSpPr>
+          <p:nvPr>
+            <p:extLst>
+              <p:ext uri="{386F3935-93C4-4BCD-93E2-E3B085C9AB24}">
+                <p16:designElem xmlns:p16="http://schemas.microsoft.com/office/powerpoint/2015/main" val="1"/>
+              </p:ext>
+            </p:extLst>
+          </p:nvPr>
+        </p:nvSpPr>
+        <p:spPr>
+          <a:xfrm>
+            <a:off x="0" y="6400800"/>
+            <a:ext cx="12192000" cy="457200"/>
+          </a:xfrm>
+          <a:prstGeom prst="rect">
+            <a:avLst/>
+          </a:prstGeom>
+          <a:solidFill>
+            <a:srgbClr val="262626"/>
+          </a:solidFill>
+          <a:ln>
+            <a:noFill/>
+          </a:ln>
+        </p:spPr>
+        <p:style>
+          <a:lnRef idx="2">
+            <a:schemeClr val="accent1">
+              <a:shade val="50000"/>
+            </a:schemeClr>
+          </a:lnRef>
+          <a:fillRef idx="1">
+            <a:schemeClr val="accent1"/>
+          </a:fillRef>
+          <a:effectRef idx="0">
+            <a:schemeClr val="accent1"/>
+          </a:effectRef>
+          <a:fontRef idx="minor">
+            <a:schemeClr val="lt1"/>
+          </a:fontRef>
+        </p:style>
+      </p:sp>
+    </p:spTree>
+    <p:extLst>
+      <p:ext uri="{BB962C8B-B14F-4D97-AF65-F5344CB8AC3E}">
+        <p14:creationId xmlns:p14="http://schemas.microsoft.com/office/powerpoint/2010/main" val="140970588"/>
+      </p:ext>
+    </p:extLst>
+  </p:cSld>
+  <p:clrMapOvr>
+    <a:masterClrMapping/>
+  </p:clrMapOvr>
+</p:sld>
+</file>
+
+<file path=ppt/slides/slide4.xml><?xml version="1.0" encoding="utf-8"?>
+<p:sld xmlns:a="http://schemas.openxmlformats.org/drawingml/2006/main" xmlns:r="http://schemas.openxmlformats.org/officeDocument/2006/relationships" xmlns:p="http://schemas.openxmlformats.org/presentationml/2006/main">
+  <p:cSld>
+    <p:bg>
+      <p:bgPr>
+        <a:solidFill>
+          <a:schemeClr val="bg1"/>
+        </a:solidFill>
+        <a:effectLst/>
+      </p:bgPr>
+    </p:bg>
+    <p:spTree>
+      <p:nvGrpSpPr>
+        <p:cNvPr id="1" name=""/>
+        <p:cNvGrpSpPr/>
+        <p:nvPr/>
+      </p:nvGrpSpPr>
+      <p:grpSpPr>
+        <a:xfrm>
+          <a:off x="0" y="0"/>
+          <a:ext cx="0" cy="0"/>
+          <a:chOff x="0" y="0"/>
+          <a:chExt cx="0" cy="0"/>
+        </a:xfrm>
+      </p:grpSpPr>
+      <p:sp>
+        <p:nvSpPr>
+          <p:cNvPr id="9" name="Rectangle 8">
+            <a:extLst>
+              <a:ext uri="{FF2B5EF4-FFF2-40B4-BE49-F238E27FC236}">
+                <a16:creationId xmlns:a16="http://schemas.microsoft.com/office/drawing/2014/main" id="{39E3965E-AC41-4711-9D10-E25ABB132D86}"/>
+              </a:ext>
+              <a:ext uri="{C183D7F6-B498-43B3-948B-1728B52AA6E4}">
+                <adec:decorative xmlns:adec="http://schemas.microsoft.com/office/drawing/2017/decorative" val="1"/>
+              </a:ext>
+            </a:extLst>
+          </p:cNvPr>
+          <p:cNvSpPr>
+            <a:spLocks noGrp="1" noRot="1" noChangeAspect="1" noMove="1" noResize="1" noEditPoints="1" noAdjustHandles="1" noChangeArrowheads="1" noChangeShapeType="1" noTextEdit="1"/>
+          </p:cNvSpPr>
+          <p:nvPr>
+            <p:extLst>
+              <p:ext uri="{386F3935-93C4-4BCD-93E2-E3B085C9AB24}">
+                <p16:designElem xmlns:p16="http://schemas.microsoft.com/office/powerpoint/2015/main" val="1"/>
+              </p:ext>
+            </p:extLst>
+          </p:nvPr>
+        </p:nvSpPr>
+        <p:spPr>
+          <a:xfrm>
+            <a:off x="3175" y="6400800"/>
+            <a:ext cx="12188825" cy="457200"/>
+          </a:xfrm>
+          <a:prstGeom prst="rect">
+            <a:avLst/>
+          </a:prstGeom>
+          <a:solidFill>
+            <a:srgbClr val="262626"/>
+          </a:solidFill>
+          <a:ln>
+            <a:noFill/>
+          </a:ln>
+        </p:spPr>
+        <p:style>
+          <a:lnRef idx="2">
+            <a:schemeClr val="accent1">
+              <a:shade val="50000"/>
+            </a:schemeClr>
+          </a:lnRef>
+          <a:fillRef idx="1">
+            <a:schemeClr val="accent1"/>
+          </a:fillRef>
+          <a:effectRef idx="0">
+            <a:schemeClr val="accent1"/>
+          </a:effectRef>
+          <a:fontRef idx="minor">
+            <a:schemeClr val="lt1"/>
+          </a:fontRef>
+        </p:style>
+      </p:sp>
+      <p:cxnSp>
+        <p:nvCxnSpPr>
+          <p:cNvPr id="11" name="Straight Connector 10">
+            <a:extLst>
+              <a:ext uri="{FF2B5EF4-FFF2-40B4-BE49-F238E27FC236}">
+                <a16:creationId xmlns:a16="http://schemas.microsoft.com/office/drawing/2014/main" id="{1F5DC8C3-BA5F-4EED-BB9A-A14272BD82A1}"/>
+              </a:ext>
+              <a:ext uri="{C183D7F6-B498-43B3-948B-1728B52AA6E4}">
+                <adec:decorative xmlns:adec="http://schemas.microsoft.com/office/drawing/2017/decorative" val="1"/>
+              </a:ext>
+            </a:extLst>
+          </p:cNvPr>
+          <p:cNvCxnSpPr>
+            <a:cxnSpLocks noGrp="1" noRot="1" noChangeAspect="1" noMove="1" noResize="1" noEditPoints="1" noAdjustHandles="1" noChangeArrowheads="1" noChangeShapeType="1"/>
+          </p:cNvCxnSpPr>
+          <p:nvPr>
+            <p:extLst>
+              <p:ext uri="{386F3935-93C4-4BCD-93E2-E3B085C9AB24}">
+                <p16:designElem xmlns:p16="http://schemas.microsoft.com/office/powerpoint/2015/main" val="1"/>
+              </p:ext>
+            </p:extLst>
+          </p:nvPr>
+        </p:nvCxnSpPr>
+        <p:spPr>
+          <a:xfrm>
+            <a:off x="1207658" y="4474741"/>
+            <a:ext cx="9875520" cy="0"/>
+          </a:xfrm>
+          <a:prstGeom prst="line">
+            <a:avLst/>
+          </a:prstGeom>
+          <a:ln w="12700">
+            <a:solidFill>
+              <a:schemeClr val="tx1">
+                <a:lumMod val="75000"/>
+                <a:lumOff val="25000"/>
+              </a:schemeClr>
+            </a:solidFill>
+          </a:ln>
+        </p:spPr>
+        <p:style>
+          <a:lnRef idx="1">
+            <a:schemeClr val="accent1"/>
+          </a:lnRef>
+          <a:fillRef idx="0">
+            <a:schemeClr val="accent1"/>
+          </a:fillRef>
+          <a:effectRef idx="0">
+            <a:schemeClr val="accent1"/>
+          </a:effectRef>
+          <a:fontRef idx="minor">
+            <a:schemeClr val="tx1"/>
+          </a:fontRef>
+        </p:style>
+      </p:cxnSp>
+      <p:sp useBgFill="1">
+        <p:nvSpPr>
+          <p:cNvPr id="13" name="Rectangle 12">
+            <a:extLst>
+              <a:ext uri="{FF2B5EF4-FFF2-40B4-BE49-F238E27FC236}">
+                <a16:creationId xmlns:a16="http://schemas.microsoft.com/office/drawing/2014/main" id="{F1314C34-F582-4EEF-86CE-F88761E52434}"/>
+              </a:ext>
+              <a:ext uri="{C183D7F6-B498-43B3-948B-1728B52AA6E4}">
+                <adec:decorative xmlns:adec="http://schemas.microsoft.com/office/drawing/2017/decorative" val="1"/>
+              </a:ext>
+            </a:extLst>
+          </p:cNvPr>
+          <p:cNvSpPr>
+            <a:spLocks noGrp="1" noRot="1" noChangeAspect="1" noMove="1" noResize="1" noEditPoints="1" noAdjustHandles="1" noChangeArrowheads="1" noChangeShapeType="1" noTextEdit="1"/>
+          </p:cNvSpPr>
+          <p:nvPr>
+            <p:extLst>
+              <p:ext uri="{386F3935-93C4-4BCD-93E2-E3B085C9AB24}">
+                <p16:designElem xmlns:p16="http://schemas.microsoft.com/office/powerpoint/2015/main" val="1"/>
+              </p:ext>
+            </p:extLst>
+          </p:nvPr>
+        </p:nvSpPr>
+        <p:spPr>
+          <a:xfrm>
+            <a:off x="0" y="0"/>
+            <a:ext cx="12192000" cy="6858000"/>
+          </a:xfrm>
+          <a:prstGeom prst="rect">
+            <a:avLst/>
+          </a:prstGeom>
+          <a:ln w="15875" cap="flat" cmpd="sng" algn="ctr">
+            <a:noFill/>
+            <a:prstDash val="solid"/>
+          </a:ln>
+          <a:effectLst/>
+          <a:extLst>
+            <a:ext uri="{91240B29-F687-4F45-9708-019B960494DF}">
+              <a14:hiddenLine xmlns:a14="http://schemas.microsoft.com/office/drawing/2010/main" w="15875" cap="flat" cmpd="sng" algn="ctr">
+                <a:solidFill>
+                  <a:schemeClr val="accent1">
+                    <a:shade val="50000"/>
+                  </a:schemeClr>
+                </a:solidFill>
+                <a:prstDash val="solid"/>
+              </a14:hiddenLine>
+            </a:ext>
+          </a:extLst>
+        </p:spPr>
+        <p:style>
+          <a:lnRef idx="2">
+            <a:schemeClr val="accent1">
+              <a:shade val="50000"/>
+            </a:schemeClr>
+          </a:lnRef>
+          <a:fillRef idx="1">
+            <a:schemeClr val="accent1"/>
+          </a:fillRef>
+          <a:effectRef idx="0">
+            <a:schemeClr val="accent1"/>
+          </a:effectRef>
+          <a:fontRef idx="minor">
+            <a:schemeClr val="lt1"/>
+          </a:fontRef>
+        </p:style>
+        <p:txBody>
+          <a:bodyPr rtlCol="0" anchor="ctr"/>
+          <a:lstStyle/>
+          <a:p>
+            <a:pPr algn="ctr"/>
+            <a:endParaRPr lang="en-US"/>
+          </a:p>
+        </p:txBody>
+      </p:sp>
+      <p:pic>
+        <p:nvPicPr>
+          <p:cNvPr id="5" name="Picture 4" descr="Toy cars lined up in a row on floor">
+            <a:extLst>
+              <a:ext uri="{FF2B5EF4-FFF2-40B4-BE49-F238E27FC236}">
+                <a16:creationId xmlns:a16="http://schemas.microsoft.com/office/drawing/2014/main" id="{F4902723-A775-4061-90FA-E8F7EC8A2F11}"/>
+              </a:ext>
+            </a:extLst>
+          </p:cNvPr>
+          <p:cNvPicPr>
+            <a:picLocks noChangeAspect="1"/>
+          </p:cNvPicPr>
+          <p:nvPr/>
+        </p:nvPicPr>
+        <p:blipFill rotWithShape="1">
+          <a:blip r:embed="rId2"/>
+          <a:srcRect t="15414"/>
+          <a:stretch/>
+        </p:blipFill>
+        <p:spPr>
+          <a:xfrm>
+            <a:off x="-1" y="10"/>
+            <a:ext cx="12191999" cy="6857990"/>
+          </a:xfrm>
+          <a:prstGeom prst="rect">
+            <a:avLst/>
+          </a:prstGeom>
+        </p:spPr>
+      </p:pic>
+      <p:sp>
+        <p:nvSpPr>
+          <p:cNvPr id="15" name="Rectangle 14">
+            <a:extLst>
+              <a:ext uri="{FF2B5EF4-FFF2-40B4-BE49-F238E27FC236}">
+                <a16:creationId xmlns:a16="http://schemas.microsoft.com/office/drawing/2014/main" id="{7319A1DD-F557-4EC6-8A8C-F7617B4CD678}"/>
+              </a:ext>
+              <a:ext uri="{C183D7F6-B498-43B3-948B-1728B52AA6E4}">
+                <adec:decorative xmlns:adec="http://schemas.microsoft.com/office/drawing/2017/decorative" val="1"/>
+              </a:ext>
+            </a:extLst>
+          </p:cNvPr>
+          <p:cNvSpPr>
+            <a:spLocks noGrp="1" noRot="1" noChangeAspect="1" noMove="1" noResize="1" noEditPoints="1" noAdjustHandles="1" noChangeArrowheads="1" noChangeShapeType="1" noTextEdit="1"/>
+          </p:cNvSpPr>
+          <p:nvPr>
+            <p:extLst>
+              <p:ext uri="{386F3935-93C4-4BCD-93E2-E3B085C9AB24}">
+                <p16:designElem xmlns:p16="http://schemas.microsoft.com/office/powerpoint/2015/main" val="1"/>
+              </p:ext>
+            </p:extLst>
+          </p:nvPr>
+        </p:nvSpPr>
+        <p:spPr>
+          <a:xfrm>
+            <a:off x="-1" y="3118982"/>
+            <a:ext cx="7537704" cy="2462668"/>
+          </a:xfrm>
+          <a:prstGeom prst="rect">
+            <a:avLst/>
+          </a:prstGeom>
+          <a:solidFill>
+            <a:schemeClr val="bg1">
+              <a:alpha val="85000"/>
+            </a:schemeClr>
+          </a:solidFill>
+          <a:ln>
+            <a:noFill/>
+          </a:ln>
+        </p:spPr>
+        <p:style>
+          <a:lnRef idx="2">
+            <a:schemeClr val="accent1">
+              <a:shade val="50000"/>
+            </a:schemeClr>
+          </a:lnRef>
+          <a:fillRef idx="1">
+            <a:schemeClr val="accent1"/>
+          </a:fillRef>
+          <a:effectRef idx="0">
+            <a:schemeClr val="accent1"/>
+          </a:effectRef>
+          <a:fontRef idx="minor">
+            <a:schemeClr val="lt1"/>
+          </a:fontRef>
+        </p:style>
+        <p:txBody>
+          <a:bodyPr rtlCol="0" anchor="ctr"/>
+          <a:lstStyle/>
+          <a:p>
+            <a:pPr algn="ctr"/>
+            <a:endParaRPr lang="en-US"/>
+          </a:p>
+        </p:txBody>
+      </p:sp>
+      <p:sp>
+        <p:nvSpPr>
+          <p:cNvPr id="2" name="Title 1">
+            <a:extLst>
+              <a:ext uri="{FF2B5EF4-FFF2-40B4-BE49-F238E27FC236}">
+                <a16:creationId xmlns:a16="http://schemas.microsoft.com/office/drawing/2014/main" id="{134D24FE-31EB-4DAC-9758-D29D0AC585E8}"/>
+              </a:ext>
+            </a:extLst>
+          </p:cNvPr>
+          <p:cNvSpPr>
+            <a:spLocks noGrp="1"/>
+          </p:cNvSpPr>
+          <p:nvPr>
+            <p:ph type="title"/>
+          </p:nvPr>
+        </p:nvSpPr>
+        <p:spPr>
+          <a:xfrm>
+            <a:off x="735791" y="3331444"/>
+            <a:ext cx="6470692" cy="1229306"/>
+          </a:xfrm>
+        </p:spPr>
+        <p:txBody>
+          <a:bodyPr vert="horz" lIns="91440" tIns="45720" rIns="91440" bIns="45720" rtlCol="0" anchor="b">
+            <a:normAutofit/>
+          </a:bodyPr>
+          <a:lstStyle/>
+          <a:p>
+            <a:r>
+              <a:rPr lang="en-US" sz="5600" dirty="0">
+                <a:solidFill>
+                  <a:schemeClr val="tx1">
+                    <a:lumMod val="85000"/>
+                    <a:lumOff val="15000"/>
+                  </a:schemeClr>
+                </a:solidFill>
+                <a:latin typeface="Bahnschrift Condensed" panose="020B0502040204020203" pitchFamily="34" charset="0"/>
+              </a:rPr>
+              <a:t>Main Models</a:t>
+            </a:r>
+          </a:p>
+        </p:txBody>
+      </p:sp>
+      <p:cxnSp>
+        <p:nvCxnSpPr>
+          <p:cNvPr id="17" name="Straight Connector 16">
+            <a:extLst>
+              <a:ext uri="{FF2B5EF4-FFF2-40B4-BE49-F238E27FC236}">
+                <a16:creationId xmlns:a16="http://schemas.microsoft.com/office/drawing/2014/main" id="{D28A9C89-B313-458F-9C85-515930A51A93}"/>
+              </a:ext>
+              <a:ext uri="{C183D7F6-B498-43B3-948B-1728B52AA6E4}">
+                <adec:decorative xmlns:adec="http://schemas.microsoft.com/office/drawing/2017/decorative" val="1"/>
+              </a:ext>
+            </a:extLst>
+          </p:cNvPr>
+          <p:cNvCxnSpPr>
+            <a:cxnSpLocks noGrp="1" noRot="1" noChangeAspect="1" noMove="1" noResize="1" noEditPoints="1" noAdjustHandles="1" noChangeArrowheads="1" noChangeShapeType="1"/>
+          </p:cNvCxnSpPr>
+          <p:nvPr>
+            <p:extLst>
+              <p:ext uri="{386F3935-93C4-4BCD-93E2-E3B085C9AB24}">
+                <p16:designElem xmlns:p16="http://schemas.microsoft.com/office/powerpoint/2015/main" val="1"/>
+              </p:ext>
+            </p:extLst>
+          </p:nvPr>
+        </p:nvCxnSpPr>
+        <p:spPr>
+          <a:xfrm>
+            <a:off x="772429" y="4641183"/>
+            <a:ext cx="6309360" cy="0"/>
+          </a:xfrm>
+          <a:prstGeom prst="line">
+            <a:avLst/>
+          </a:prstGeom>
+          <a:ln w="19050">
+            <a:solidFill>
+              <a:schemeClr val="accent1">
+                <a:alpha val="90000"/>
+              </a:schemeClr>
+            </a:solidFill>
+          </a:ln>
+        </p:spPr>
+        <p:style>
+          <a:lnRef idx="1">
+            <a:schemeClr val="accent1"/>
+          </a:lnRef>
+          <a:fillRef idx="0">
+            <a:schemeClr val="accent1"/>
+          </a:fillRef>
+          <a:effectRef idx="0">
+            <a:schemeClr val="accent1"/>
+          </a:effectRef>
+          <a:fontRef idx="minor">
+            <a:schemeClr val="tx1"/>
+          </a:fontRef>
+        </p:style>
+      </p:cxnSp>
+      <p:sp>
+        <p:nvSpPr>
+          <p:cNvPr id="19" name="!!footer rectangle">
+            <a:extLst>
+              <a:ext uri="{FF2B5EF4-FFF2-40B4-BE49-F238E27FC236}">
+                <a16:creationId xmlns:a16="http://schemas.microsoft.com/office/drawing/2014/main" id="{C390A367-0330-4E03-9D5F-40308A7975C8}"/>
+              </a:ext>
+              <a:ext uri="{C183D7F6-B498-43B3-948B-1728B52AA6E4}">
+                <adec:decorative xmlns:adec="http://schemas.microsoft.com/office/drawing/2017/decorative" val="1"/>
+              </a:ext>
+            </a:extLst>
+          </p:cNvPr>
+          <p:cNvSpPr>
+            <a:spLocks noGrp="1" noRot="1" noChangeAspect="1" noMove="1" noResize="1" noEditPoints="1" noAdjustHandles="1" noChangeArrowheads="1" noChangeShapeType="1" noTextEdit="1"/>
+          </p:cNvSpPr>
+          <p:nvPr>
+            <p:extLst>
+              <p:ext uri="{386F3935-93C4-4BCD-93E2-E3B085C9AB24}">
+                <p16:designElem xmlns:p16="http://schemas.microsoft.com/office/powerpoint/2015/main" val="1"/>
+              </p:ext>
+            </p:extLst>
+          </p:nvPr>
+        </p:nvSpPr>
+        <p:spPr>
+          <a:xfrm>
+            <a:off x="1" y="6400800"/>
+            <a:ext cx="12192000" cy="457200"/>
+          </a:xfrm>
+          <a:prstGeom prst="rect">
+            <a:avLst/>
+          </a:prstGeom>
+          <a:solidFill>
+            <a:srgbClr val="262626">
+              <a:alpha val="95000"/>
+            </a:srgbClr>
+          </a:solidFill>
+          <a:ln>
+            <a:noFill/>
+          </a:ln>
+        </p:spPr>
+        <p:style>
+          <a:lnRef idx="2">
+            <a:schemeClr val="accent1">
+              <a:shade val="50000"/>
+            </a:schemeClr>
+          </a:lnRef>
+          <a:fillRef idx="1">
+            <a:schemeClr val="accent1"/>
+          </a:fillRef>
+          <a:effectRef idx="0">
+            <a:schemeClr val="accent1"/>
+          </a:effectRef>
+          <a:fontRef idx="minor">
+            <a:schemeClr val="lt1"/>
+          </a:fontRef>
+        </p:style>
+      </p:sp>
+    </p:spTree>
+    <p:extLst>
+      <p:ext uri="{BB962C8B-B14F-4D97-AF65-F5344CB8AC3E}">
+        <p14:creationId xmlns:p14="http://schemas.microsoft.com/office/powerpoint/2010/main" val="656551565"/>
+      </p:ext>
+    </p:extLst>
+  </p:cSld>
+  <p:clrMapOvr>
+    <a:overrideClrMapping bg1="dk1" tx1="lt1" bg2="dk2" tx2="lt2" accent1="accent1" accent2="accent2" accent3="accent3" accent4="accent4" accent5="accent5" accent6="accent6" hlink="hlink" folHlink="folHlink"/>
+  </p:clrMapOvr>
+</p:sld>
+</file>
+
+<file path=ppt/slides/slide5.xml><?xml version="1.0" encoding="utf-8"?>
+<p:sld xmlns:a="http://schemas.openxmlformats.org/drawingml/2006/main" xmlns:r="http://schemas.openxmlformats.org/officeDocument/2006/relationships" xmlns:p="http://schemas.openxmlformats.org/presentationml/2006/main">
+  <p:cSld>
+    <p:bg>
+      <p:bgPr>
+        <a:solidFill>
+          <a:schemeClr val="bg1"/>
+        </a:solidFill>
+        <a:effectLst/>
+      </p:bgPr>
+    </p:bg>
+    <p:spTree>
+      <p:nvGrpSpPr>
+        <p:cNvPr id="1" name=""/>
+        <p:cNvGrpSpPr/>
+        <p:nvPr/>
+      </p:nvGrpSpPr>
+      <p:grpSpPr>
+        <a:xfrm>
+          <a:off x="0" y="0"/>
+          <a:ext cx="0" cy="0"/>
+          <a:chOff x="0" y="0"/>
+          <a:chExt cx="0" cy="0"/>
+        </a:xfrm>
+      </p:grpSpPr>
+      <p:sp useBgFill="1">
+        <p:nvSpPr>
+          <p:cNvPr id="17" name="Rectangle 16">
+            <a:extLst>
+              <a:ext uri="{FF2B5EF4-FFF2-40B4-BE49-F238E27FC236}">
+                <a16:creationId xmlns:a16="http://schemas.microsoft.com/office/drawing/2014/main" id="{3558DB37-9FEE-48A2-8578-ED0401573943}"/>
+              </a:ext>
+              <a:ext uri="{C183D7F6-B498-43B3-948B-1728B52AA6E4}">
+                <adec:decorative xmlns:adec="http://schemas.microsoft.com/office/drawing/2017/decorative" val="1"/>
+              </a:ext>
+            </a:extLst>
+          </p:cNvPr>
+          <p:cNvSpPr>
+            <a:spLocks noGrp="1" noRot="1" noChangeAspect="1" noMove="1" noResize="1" noEditPoints="1" noAdjustHandles="1" noChangeArrowheads="1" noChangeShapeType="1" noTextEdit="1"/>
+          </p:cNvSpPr>
+          <p:nvPr>
+            <p:extLst>
+              <p:ext uri="{386F3935-93C4-4BCD-93E2-E3B085C9AB24}">
+                <p16:designElem xmlns:p16="http://schemas.microsoft.com/office/powerpoint/2015/main" val="1"/>
+              </p:ext>
+            </p:extLst>
+          </p:nvPr>
+        </p:nvSpPr>
+        <p:spPr>
+          <a:xfrm>
+            <a:off x="1507" y="0"/>
+            <a:ext cx="12192000" cy="6858000"/>
+          </a:xfrm>
+          <a:prstGeom prst="rect">
+            <a:avLst/>
+          </a:prstGeom>
+          <a:ln>
+            <a:noFill/>
+          </a:ln>
+        </p:spPr>
+        <p:style>
+          <a:lnRef idx="2">
+            <a:schemeClr val="accent1">
+              <a:shade val="50000"/>
+            </a:schemeClr>
+          </a:lnRef>
+          <a:fillRef idx="1">
+            <a:schemeClr val="accent1"/>
+          </a:fillRef>
+          <a:effectRef idx="0">
+            <a:schemeClr val="accent1"/>
+          </a:effectRef>
+          <a:fontRef idx="minor">
+            <a:schemeClr val="lt1"/>
+          </a:fontRef>
+        </p:style>
+        <p:txBody>
+          <a:bodyPr rtlCol="0" anchor="ctr"/>
+          <a:lstStyle/>
+          <a:p>
+            <a:pPr algn="ctr"/>
+            <a:endParaRPr lang="en-US"/>
+          </a:p>
+        </p:txBody>
+      </p:sp>
+      <p:sp>
+        <p:nvSpPr>
+          <p:cNvPr id="19" name="Rectangle 18">
+            <a:extLst>
+              <a:ext uri="{FF2B5EF4-FFF2-40B4-BE49-F238E27FC236}">
+                <a16:creationId xmlns:a16="http://schemas.microsoft.com/office/drawing/2014/main" id="{5F7FCCA6-00E2-4F74-A105-0D769872F243}"/>
+              </a:ext>
+              <a:ext uri="{C183D7F6-B498-43B3-948B-1728B52AA6E4}">
+                <adec:decorative xmlns:adec="http://schemas.microsoft.com/office/drawing/2017/decorative" val="1"/>
+              </a:ext>
+            </a:extLst>
+          </p:cNvPr>
+          <p:cNvSpPr>
+            <a:spLocks noGrp="1" noRot="1" noChangeAspect="1" noMove="1" noResize="1" noEditPoints="1" noAdjustHandles="1" noChangeArrowheads="1" noChangeShapeType="1" noTextEdit="1"/>
+          </p:cNvSpPr>
+          <p:nvPr>
+            <p:extLst>
+              <p:ext uri="{386F3935-93C4-4BCD-93E2-E3B085C9AB24}">
+                <p16:designElem xmlns:p16="http://schemas.microsoft.com/office/powerpoint/2015/main" val="1"/>
+              </p:ext>
+            </p:extLst>
+          </p:nvPr>
+        </p:nvSpPr>
+        <p:spPr bwMode="white">
+          <a:xfrm>
+            <a:off x="1507" y="0"/>
+            <a:ext cx="12188952" cy="1905000"/>
+          </a:xfrm>
+          <a:prstGeom prst="rect">
+            <a:avLst/>
+          </a:prstGeom>
+          <a:solidFill>
+            <a:schemeClr val="accent1"/>
+          </a:solidFill>
+          <a:ln>
+            <a:noFill/>
+          </a:ln>
+        </p:spPr>
+        <p:style>
+          <a:lnRef idx="2">
+            <a:schemeClr val="accent1">
+              <a:shade val="50000"/>
+            </a:schemeClr>
+          </a:lnRef>
+          <a:fillRef idx="1">
+            <a:schemeClr val="accent1"/>
+          </a:fillRef>
+          <a:effectRef idx="0">
+            <a:schemeClr val="accent1"/>
+          </a:effectRef>
+          <a:fontRef idx="minor">
+            <a:schemeClr val="lt1"/>
+          </a:fontRef>
+        </p:style>
+      </p:sp>
+      <p:sp>
+        <p:nvSpPr>
+          <p:cNvPr id="2" name="Title 1">
+            <a:extLst>
+              <a:ext uri="{FF2B5EF4-FFF2-40B4-BE49-F238E27FC236}">
+                <a16:creationId xmlns:a16="http://schemas.microsoft.com/office/drawing/2014/main" id="{6F2E038C-C8BD-4343-ABB0-0978F2070654}"/>
+              </a:ext>
+            </a:extLst>
+          </p:cNvPr>
+          <p:cNvSpPr>
+            <a:spLocks noGrp="1"/>
+          </p:cNvSpPr>
+          <p:nvPr>
+            <p:ph type="title"/>
+          </p:nvPr>
+        </p:nvSpPr>
+        <p:spPr>
+          <a:xfrm>
+            <a:off x="1097280" y="286603"/>
+            <a:ext cx="10058400" cy="1450757"/>
+          </a:xfrm>
+        </p:spPr>
+        <p:txBody>
+          <a:bodyPr anchor="ctr">
+            <a:normAutofit/>
+          </a:bodyPr>
+          <a:lstStyle/>
+          <a:p>
+            <a:r>
+              <a:rPr lang="en-US" dirty="0">
+                <a:solidFill>
+                  <a:srgbClr val="FFFFFF"/>
+                </a:solidFill>
+                <a:latin typeface="Bahnschrift Condensed" panose="020B0502040204020203" pitchFamily="34" charset="0"/>
+              </a:rPr>
+              <a:t>Types of ED models</a:t>
+            </a:r>
+          </a:p>
+        </p:txBody>
+      </p:sp>
+      <p:sp>
+        <p:nvSpPr>
+          <p:cNvPr id="3" name="Content Placeholder 2">
+            <a:extLst>
+              <a:ext uri="{FF2B5EF4-FFF2-40B4-BE49-F238E27FC236}">
+                <a16:creationId xmlns:a16="http://schemas.microsoft.com/office/drawing/2014/main" id="{7231B485-5088-4A07-9F4E-F9DE06F4A154}"/>
+              </a:ext>
+            </a:extLst>
+          </p:cNvPr>
+          <p:cNvSpPr>
+            <a:spLocks noGrp="1"/>
+          </p:cNvSpPr>
+          <p:nvPr>
+            <p:ph idx="1"/>
+          </p:nvPr>
+        </p:nvSpPr>
+        <p:spPr>
+          <a:xfrm>
+            <a:off x="1096963" y="2675694"/>
+            <a:ext cx="10058400" cy="3193294"/>
+          </a:xfrm>
+        </p:spPr>
+        <p:txBody>
+          <a:bodyPr>
+            <a:normAutofit/>
+          </a:bodyPr>
+          <a:lstStyle/>
+          <a:p>
+            <a:r>
+              <a:rPr lang="en-US" dirty="0">
+                <a:latin typeface="Bahnschrift SemiLight" panose="020B0502040204020203" pitchFamily="34" charset="0"/>
+              </a:rPr>
+              <a:t>1-Discrete Emotion Models (DEMs)</a:t>
+            </a:r>
+          </a:p>
+          <a:p>
+            <a:endParaRPr lang="en-US" dirty="0">
+              <a:latin typeface="Bahnschrift SemiLight" panose="020B0502040204020203" pitchFamily="34" charset="0"/>
+            </a:endParaRPr>
+          </a:p>
+          <a:p>
+            <a:r>
+              <a:rPr lang="en-US" dirty="0">
+                <a:latin typeface="Bahnschrift SemiLight" panose="020B0502040204020203" pitchFamily="34" charset="0"/>
+              </a:rPr>
+              <a:t>2-Dimensional Emotion Models (DIEMs)</a:t>
+            </a:r>
+          </a:p>
+        </p:txBody>
+      </p:sp>
+      <p:sp>
+        <p:nvSpPr>
+          <p:cNvPr id="21" name="Rectangle 20">
+            <a:extLst>
+              <a:ext uri="{FF2B5EF4-FFF2-40B4-BE49-F238E27FC236}">
+                <a16:creationId xmlns:a16="http://schemas.microsoft.com/office/drawing/2014/main" id="{9B834327-03F1-4931-8261-971373A5A694}"/>
+              </a:ext>
+              <a:ext uri="{C183D7F6-B498-43B3-948B-1728B52AA6E4}">
+                <adec:decorative xmlns:adec="http://schemas.microsoft.com/office/drawing/2017/decorative" val="1"/>
+              </a:ext>
+            </a:extLst>
+          </p:cNvPr>
+          <p:cNvSpPr>
+            <a:spLocks noGrp="1" noRot="1" noChangeAspect="1" noMove="1" noResize="1" noEditPoints="1" noAdjustHandles="1" noChangeArrowheads="1" noChangeShapeType="1" noTextEdit="1"/>
+          </p:cNvSpPr>
+          <p:nvPr>
+            <p:extLst>
+              <p:ext uri="{386F3935-93C4-4BCD-93E2-E3B085C9AB24}">
+                <p16:designElem xmlns:p16="http://schemas.microsoft.com/office/powerpoint/2015/main" val="1"/>
+              </p:ext>
+            </p:extLst>
+          </p:nvPr>
+        </p:nvSpPr>
+        <p:spPr>
+          <a:xfrm>
+            <a:off x="0" y="6400800"/>
+            <a:ext cx="12192000" cy="457200"/>
+          </a:xfrm>
+          <a:prstGeom prst="rect">
+            <a:avLst/>
+          </a:prstGeom>
+          <a:solidFill>
+            <a:srgbClr val="262626"/>
+          </a:solidFill>
+          <a:ln>
+            <a:noFill/>
+          </a:ln>
+        </p:spPr>
+        <p:style>
+          <a:lnRef idx="2">
+            <a:schemeClr val="accent1">
+              <a:shade val="50000"/>
+            </a:schemeClr>
+          </a:lnRef>
+          <a:fillRef idx="1">
+            <a:schemeClr val="accent1"/>
+          </a:fillRef>
+          <a:effectRef idx="0">
+            <a:schemeClr val="accent1"/>
+          </a:effectRef>
+          <a:fontRef idx="minor">
+            <a:schemeClr val="lt1"/>
+          </a:fontRef>
+        </p:style>
+      </p:sp>
+    </p:spTree>
+    <p:extLst>
+      <p:ext uri="{BB962C8B-B14F-4D97-AF65-F5344CB8AC3E}">
+        <p14:creationId xmlns:p14="http://schemas.microsoft.com/office/powerpoint/2010/main" val="2542984132"/>
+      </p:ext>
+    </p:extLst>
+  </p:cSld>
+  <p:clrMapOvr>
+    <a:masterClrMapping/>
+  </p:clrMapOvr>
+</p:sld>
+</file>
+
+<file path=ppt/slides/slide6.xml><?xml version="1.0" encoding="utf-8"?>
+<p:sld xmlns:a="http://schemas.openxmlformats.org/drawingml/2006/main" xmlns:r="http://schemas.openxmlformats.org/officeDocument/2006/relationships" xmlns:p="http://schemas.openxmlformats.org/presentationml/2006/main">
+  <p:cSld>
+    <p:bg>
+      <p:bgPr>
+        <a:solidFill>
+          <a:schemeClr val="bg1"/>
+        </a:solidFill>
+        <a:effectLst/>
+      </p:bgPr>
+    </p:bg>
+    <p:spTree>
+      <p:nvGrpSpPr>
+        <p:cNvPr id="1" name=""/>
+        <p:cNvGrpSpPr/>
+        <p:nvPr/>
+      </p:nvGrpSpPr>
+      <p:grpSpPr>
+        <a:xfrm>
+          <a:off x="0" y="0"/>
+          <a:ext cx="0" cy="0"/>
+          <a:chOff x="0" y="0"/>
+          <a:chExt cx="0" cy="0"/>
+        </a:xfrm>
+      </p:grpSpPr>
+      <p:sp useBgFill="1">
+        <p:nvSpPr>
+          <p:cNvPr id="8" name="Rectangle 7">
+            <a:extLst>
+              <a:ext uri="{FF2B5EF4-FFF2-40B4-BE49-F238E27FC236}">
+                <a16:creationId xmlns:a16="http://schemas.microsoft.com/office/drawing/2014/main" id="{3558DB37-9FEE-48A2-8578-ED0401573943}"/>
+              </a:ext>
+              <a:ext uri="{C183D7F6-B498-43B3-948B-1728B52AA6E4}">
+                <adec:decorative xmlns:adec="http://schemas.microsoft.com/office/drawing/2017/decorative" val="1"/>
+              </a:ext>
+            </a:extLst>
+          </p:cNvPr>
+          <p:cNvSpPr>
+            <a:spLocks noGrp="1" noRot="1" noChangeAspect="1" noMove="1" noResize="1" noEditPoints="1" noAdjustHandles="1" noChangeArrowheads="1" noChangeShapeType="1" noTextEdit="1"/>
+          </p:cNvSpPr>
+          <p:nvPr>
+            <p:extLst>
+              <p:ext uri="{386F3935-93C4-4BCD-93E2-E3B085C9AB24}">
+                <p16:designElem xmlns:p16="http://schemas.microsoft.com/office/powerpoint/2015/main" val="1"/>
+              </p:ext>
+            </p:extLst>
+          </p:nvPr>
+        </p:nvSpPr>
+        <p:spPr>
+          <a:xfrm>
+            <a:off x="1507" y="0"/>
+            <a:ext cx="12192000" cy="6858000"/>
+          </a:xfrm>
+          <a:prstGeom prst="rect">
+            <a:avLst/>
+          </a:prstGeom>
+          <a:ln>
+            <a:noFill/>
+          </a:ln>
+        </p:spPr>
+        <p:style>
+          <a:lnRef idx="2">
+            <a:schemeClr val="accent1">
+              <a:shade val="50000"/>
+            </a:schemeClr>
+          </a:lnRef>
+          <a:fillRef idx="1">
+            <a:schemeClr val="accent1"/>
+          </a:fillRef>
+          <a:effectRef idx="0">
+            <a:schemeClr val="accent1"/>
+          </a:effectRef>
+          <a:fontRef idx="minor">
+            <a:schemeClr val="lt1"/>
+          </a:fontRef>
+        </p:style>
+        <p:txBody>
+          <a:bodyPr rtlCol="0" anchor="ctr"/>
+          <a:lstStyle/>
+          <a:p>
+            <a:pPr algn="ctr"/>
+            <a:endParaRPr lang="en-US"/>
+          </a:p>
+        </p:txBody>
+      </p:sp>
+      <p:sp>
+        <p:nvSpPr>
+          <p:cNvPr id="10" name="Rectangle 9">
+            <a:extLst>
+              <a:ext uri="{FF2B5EF4-FFF2-40B4-BE49-F238E27FC236}">
+                <a16:creationId xmlns:a16="http://schemas.microsoft.com/office/drawing/2014/main" id="{5F7FCCA6-00E2-4F74-A105-0D769872F243}"/>
+              </a:ext>
+              <a:ext uri="{C183D7F6-B498-43B3-948B-1728B52AA6E4}">
+                <adec:decorative xmlns:adec="http://schemas.microsoft.com/office/drawing/2017/decorative" val="1"/>
+              </a:ext>
+            </a:extLst>
+          </p:cNvPr>
+          <p:cNvSpPr>
+            <a:spLocks noGrp="1" noRot="1" noChangeAspect="1" noMove="1" noResize="1" noEditPoints="1" noAdjustHandles="1" noChangeArrowheads="1" noChangeShapeType="1" noTextEdit="1"/>
+          </p:cNvSpPr>
+          <p:nvPr>
+            <p:extLst>
+              <p:ext uri="{386F3935-93C4-4BCD-93E2-E3B085C9AB24}">
+                <p16:designElem xmlns:p16="http://schemas.microsoft.com/office/powerpoint/2015/main" val="1"/>
+              </p:ext>
+            </p:extLst>
+          </p:nvPr>
+        </p:nvSpPr>
+        <p:spPr bwMode="white">
+          <a:xfrm>
+            <a:off x="1507" y="0"/>
+            <a:ext cx="12188952" cy="1905000"/>
+          </a:xfrm>
+          <a:prstGeom prst="rect">
+            <a:avLst/>
+          </a:prstGeom>
+          <a:solidFill>
+            <a:schemeClr val="accent1"/>
+          </a:solidFill>
+          <a:ln>
+            <a:noFill/>
+          </a:ln>
+        </p:spPr>
+        <p:style>
+          <a:lnRef idx="2">
+            <a:schemeClr val="accent1">
+              <a:shade val="50000"/>
+            </a:schemeClr>
+          </a:lnRef>
+          <a:fillRef idx="1">
+            <a:schemeClr val="accent1"/>
+          </a:fillRef>
+          <a:effectRef idx="0">
+            <a:schemeClr val="accent1"/>
+          </a:effectRef>
+          <a:fontRef idx="minor">
+            <a:schemeClr val="lt1"/>
+          </a:fontRef>
+        </p:style>
+      </p:sp>
+      <p:sp>
+        <p:nvSpPr>
+          <p:cNvPr id="2" name="Title 1">
+            <a:extLst>
+              <a:ext uri="{FF2B5EF4-FFF2-40B4-BE49-F238E27FC236}">
+                <a16:creationId xmlns:a16="http://schemas.microsoft.com/office/drawing/2014/main" id="{35CD58FB-D790-495F-A2EF-43D8DAE085DD}"/>
+              </a:ext>
+            </a:extLst>
+          </p:cNvPr>
+          <p:cNvSpPr>
+            <a:spLocks noGrp="1"/>
+          </p:cNvSpPr>
+          <p:nvPr>
+            <p:ph type="title"/>
+          </p:nvPr>
+        </p:nvSpPr>
+        <p:spPr>
+          <a:xfrm>
+            <a:off x="1097280" y="286603"/>
+            <a:ext cx="10058400" cy="1450757"/>
+          </a:xfrm>
+        </p:spPr>
+        <p:txBody>
+          <a:bodyPr anchor="ctr">
+            <a:normAutofit/>
+          </a:bodyPr>
+          <a:lstStyle/>
+          <a:p>
+            <a:r>
+              <a:rPr lang="en-US">
+                <a:solidFill>
+                  <a:srgbClr val="FFFFFF"/>
+                </a:solidFill>
+                <a:latin typeface="Bahnschrift Condensed" panose="020B0502040204020203" pitchFamily="34" charset="0"/>
+              </a:rPr>
+              <a:t>Discrete Emotion Models</a:t>
+            </a:r>
+          </a:p>
+        </p:txBody>
+      </p:sp>
+      <p:sp>
+        <p:nvSpPr>
+          <p:cNvPr id="3" name="Content Placeholder 2">
+            <a:extLst>
+              <a:ext uri="{FF2B5EF4-FFF2-40B4-BE49-F238E27FC236}">
+                <a16:creationId xmlns:a16="http://schemas.microsoft.com/office/drawing/2014/main" id="{CA077991-CF5B-40B2-AFA8-3C331A61D3A0}"/>
+              </a:ext>
+            </a:extLst>
+          </p:cNvPr>
+          <p:cNvSpPr>
+            <a:spLocks noGrp="1"/>
+          </p:cNvSpPr>
+          <p:nvPr>
+            <p:ph idx="1"/>
+          </p:nvPr>
+        </p:nvSpPr>
+        <p:spPr>
+          <a:xfrm>
+            <a:off x="1096963" y="2675694"/>
+            <a:ext cx="10058400" cy="3193294"/>
+          </a:xfrm>
+        </p:spPr>
+        <p:txBody>
+          <a:bodyPr>
+            <a:normAutofit/>
+          </a:bodyPr>
+          <a:lstStyle/>
+          <a:p>
+            <a:r>
+              <a:rPr lang="en-US" dirty="0">
+                <a:latin typeface="Bahnschrift Light" panose="020B0502040204020203" pitchFamily="34" charset="0"/>
+              </a:rPr>
+              <a:t>The discrete model of emotions involves placing emotions into distinct independent classes</a:t>
+            </a:r>
+          </a:p>
+          <a:p>
+            <a:r>
+              <a:rPr lang="en-US" dirty="0">
+                <a:latin typeface="Bahnschrift Light" panose="020B0502040204020203" pitchFamily="34" charset="0"/>
+              </a:rPr>
+              <a:t>Discrete Emotion Models:</a:t>
+            </a:r>
+          </a:p>
+          <a:p>
+            <a:pPr lvl="1"/>
+            <a:r>
+              <a:rPr lang="en-US" dirty="0">
+                <a:latin typeface="Bahnschrift Light" panose="020B0502040204020203" pitchFamily="34" charset="0"/>
+              </a:rPr>
+              <a:t>The Paul Ekman Model</a:t>
+            </a:r>
+          </a:p>
+          <a:p>
+            <a:pPr lvl="2"/>
+            <a:r>
+              <a:rPr lang="en-US" dirty="0">
+                <a:latin typeface="Bahnschrift Light" panose="020B0502040204020203" pitchFamily="34" charset="0"/>
+              </a:rPr>
+              <a:t>6 basic emotions: happiness, sadness, anger, disgust, fear and surprise</a:t>
+            </a:r>
+          </a:p>
+          <a:p>
+            <a:pPr lvl="1"/>
+            <a:r>
+              <a:rPr lang="en-US" dirty="0">
+                <a:latin typeface="Bahnschrift Light" panose="020B0502040204020203" pitchFamily="34" charset="0"/>
+              </a:rPr>
+              <a:t>The Robert Plutchik Model</a:t>
+            </a:r>
+          </a:p>
+          <a:p>
+            <a:pPr lvl="2"/>
+            <a:r>
+              <a:rPr lang="en-US" dirty="0">
+                <a:latin typeface="Bahnschrift Light" panose="020B0502040204020203" pitchFamily="34" charset="0"/>
+              </a:rPr>
+              <a:t>Added 2 emotions (acceptance and trust) on the 6 proposed by Ekman and created new emotions using combinations of these emotions</a:t>
+            </a:r>
+          </a:p>
+          <a:p>
+            <a:pPr lvl="1"/>
+            <a:r>
+              <a:rPr lang="en-US" dirty="0">
+                <a:latin typeface="Bahnschrift Light" panose="020B0502040204020203" pitchFamily="34" charset="0"/>
+              </a:rPr>
+              <a:t>OCC Model</a:t>
+            </a:r>
+          </a:p>
+          <a:p>
+            <a:pPr lvl="2"/>
+            <a:r>
+              <a:rPr lang="en-US" dirty="0">
+                <a:latin typeface="Bahnschrift Light" panose="020B0502040204020203" pitchFamily="34" charset="0"/>
+              </a:rPr>
+              <a:t>Added 16 more emotions to the emotions proposed by Plutchik and Ekman and each emotion has a degree of intensity</a:t>
+            </a:r>
+          </a:p>
+        </p:txBody>
+      </p:sp>
+      <p:sp>
+        <p:nvSpPr>
+          <p:cNvPr id="12" name="Rectangle 11">
+            <a:extLst>
+              <a:ext uri="{FF2B5EF4-FFF2-40B4-BE49-F238E27FC236}">
+                <a16:creationId xmlns:a16="http://schemas.microsoft.com/office/drawing/2014/main" id="{9B834327-03F1-4931-8261-971373A5A694}"/>
+              </a:ext>
+              <a:ext uri="{C183D7F6-B498-43B3-948B-1728B52AA6E4}">
+                <adec:decorative xmlns:adec="http://schemas.microsoft.com/office/drawing/2017/decorative" val="1"/>
+              </a:ext>
+            </a:extLst>
+          </p:cNvPr>
+          <p:cNvSpPr>
+            <a:spLocks noGrp="1" noRot="1" noChangeAspect="1" noMove="1" noResize="1" noEditPoints="1" noAdjustHandles="1" noChangeArrowheads="1" noChangeShapeType="1" noTextEdit="1"/>
+          </p:cNvSpPr>
+          <p:nvPr>
+            <p:extLst>
+              <p:ext uri="{386F3935-93C4-4BCD-93E2-E3B085C9AB24}">
+                <p16:designElem xmlns:p16="http://schemas.microsoft.com/office/powerpoint/2015/main" val="1"/>
+              </p:ext>
+            </p:extLst>
+          </p:nvPr>
+        </p:nvSpPr>
+        <p:spPr>
+          <a:xfrm>
+            <a:off x="0" y="6400800"/>
+            <a:ext cx="12192000" cy="457200"/>
+          </a:xfrm>
+          <a:prstGeom prst="rect">
+            <a:avLst/>
+          </a:prstGeom>
+          <a:solidFill>
+            <a:srgbClr val="262626"/>
+          </a:solidFill>
+          <a:ln>
+            <a:noFill/>
+          </a:ln>
+        </p:spPr>
+        <p:style>
+          <a:lnRef idx="2">
+            <a:schemeClr val="accent1">
+              <a:shade val="50000"/>
+            </a:schemeClr>
+          </a:lnRef>
+          <a:fillRef idx="1">
+            <a:schemeClr val="accent1"/>
+          </a:fillRef>
+          <a:effectRef idx="0">
+            <a:schemeClr val="accent1"/>
+          </a:effectRef>
+          <a:fontRef idx="minor">
+            <a:schemeClr val="lt1"/>
+          </a:fontRef>
+        </p:style>
+      </p:sp>
+    </p:spTree>
+    <p:extLst>
+      <p:ext uri="{BB962C8B-B14F-4D97-AF65-F5344CB8AC3E}">
+        <p14:creationId xmlns:p14="http://schemas.microsoft.com/office/powerpoint/2010/main" val="4170054724"/>
+      </p:ext>
+    </p:extLst>
+  </p:cSld>
+  <p:clrMapOvr>
+    <a:masterClrMapping/>
+  </p:clrMapOvr>
+</p:sld>
+</file>
+
+<file path=ppt/slides/slide7.xml><?xml version="1.0" encoding="utf-8"?>
+<p:sld xmlns:a="http://schemas.openxmlformats.org/drawingml/2006/main" xmlns:r="http://schemas.openxmlformats.org/officeDocument/2006/relationships" xmlns:p="http://schemas.openxmlformats.org/presentationml/2006/main">
+  <p:cSld>
+    <p:bg>
+      <p:bgPr>
+        <a:solidFill>
+          <a:schemeClr val="bg1"/>
+        </a:solidFill>
+        <a:effectLst/>
+      </p:bgPr>
+    </p:bg>
+    <p:spTree>
+      <p:nvGrpSpPr>
+        <p:cNvPr id="1" name=""/>
+        <p:cNvGrpSpPr/>
+        <p:nvPr/>
+      </p:nvGrpSpPr>
+      <p:grpSpPr>
+        <a:xfrm>
+          <a:off x="0" y="0"/>
+          <a:ext cx="0" cy="0"/>
+          <a:chOff x="0" y="0"/>
+          <a:chExt cx="0" cy="0"/>
+        </a:xfrm>
+      </p:grpSpPr>
+      <p:sp useBgFill="1">
+        <p:nvSpPr>
+          <p:cNvPr id="8" name="Rectangle 7">
+            <a:extLst>
+              <a:ext uri="{FF2B5EF4-FFF2-40B4-BE49-F238E27FC236}">
+                <a16:creationId xmlns:a16="http://schemas.microsoft.com/office/drawing/2014/main" id="{3558DB37-9FEE-48A2-8578-ED0401573943}"/>
+              </a:ext>
+              <a:ext uri="{C183D7F6-B498-43B3-948B-1728B52AA6E4}">
+                <adec:decorative xmlns:adec="http://schemas.microsoft.com/office/drawing/2017/decorative" val="1"/>
+              </a:ext>
+            </a:extLst>
+          </p:cNvPr>
+          <p:cNvSpPr>
+            <a:spLocks noGrp="1" noRot="1" noChangeAspect="1" noMove="1" noResize="1" noEditPoints="1" noAdjustHandles="1" noChangeArrowheads="1" noChangeShapeType="1" noTextEdit="1"/>
+          </p:cNvSpPr>
+          <p:nvPr>
+            <p:extLst>
+              <p:ext uri="{386F3935-93C4-4BCD-93E2-E3B085C9AB24}">
+                <p16:designElem xmlns:p16="http://schemas.microsoft.com/office/powerpoint/2015/main" val="1"/>
+              </p:ext>
+            </p:extLst>
+          </p:nvPr>
+        </p:nvSpPr>
+        <p:spPr>
+          <a:xfrm>
+            <a:off x="1507" y="0"/>
+            <a:ext cx="12192000" cy="6858000"/>
+          </a:xfrm>
+          <a:prstGeom prst="rect">
+            <a:avLst/>
+          </a:prstGeom>
+          <a:ln>
+            <a:noFill/>
+          </a:ln>
+        </p:spPr>
+        <p:style>
+          <a:lnRef idx="2">
+            <a:schemeClr val="accent1">
+              <a:shade val="50000"/>
+            </a:schemeClr>
+          </a:lnRef>
+          <a:fillRef idx="1">
+            <a:schemeClr val="accent1"/>
+          </a:fillRef>
+          <a:effectRef idx="0">
+            <a:schemeClr val="accent1"/>
+          </a:effectRef>
+          <a:fontRef idx="minor">
+            <a:schemeClr val="lt1"/>
+          </a:fontRef>
+        </p:style>
+        <p:txBody>
+          <a:bodyPr rtlCol="0" anchor="ctr"/>
+          <a:lstStyle/>
+          <a:p>
+            <a:pPr algn="ctr"/>
+            <a:endParaRPr lang="en-US"/>
+          </a:p>
+        </p:txBody>
+      </p:sp>
+      <p:sp>
+        <p:nvSpPr>
+          <p:cNvPr id="10" name="Rectangle 9">
+            <a:extLst>
+              <a:ext uri="{FF2B5EF4-FFF2-40B4-BE49-F238E27FC236}">
+                <a16:creationId xmlns:a16="http://schemas.microsoft.com/office/drawing/2014/main" id="{5F7FCCA6-00E2-4F74-A105-0D769872F243}"/>
+              </a:ext>
+              <a:ext uri="{C183D7F6-B498-43B3-948B-1728B52AA6E4}">
+                <adec:decorative xmlns:adec="http://schemas.microsoft.com/office/drawing/2017/decorative" val="1"/>
+              </a:ext>
+            </a:extLst>
+          </p:cNvPr>
+          <p:cNvSpPr>
+            <a:spLocks noGrp="1" noRot="1" noChangeAspect="1" noMove="1" noResize="1" noEditPoints="1" noAdjustHandles="1" noChangeArrowheads="1" noChangeShapeType="1" noTextEdit="1"/>
+          </p:cNvSpPr>
+          <p:nvPr>
+            <p:extLst>
+              <p:ext uri="{386F3935-93C4-4BCD-93E2-E3B085C9AB24}">
+                <p16:designElem xmlns:p16="http://schemas.microsoft.com/office/powerpoint/2015/main" val="1"/>
+              </p:ext>
+            </p:extLst>
+          </p:nvPr>
+        </p:nvSpPr>
+        <p:spPr bwMode="white">
+          <a:xfrm>
+            <a:off x="1507" y="0"/>
+            <a:ext cx="12188952" cy="1905000"/>
+          </a:xfrm>
+          <a:prstGeom prst="rect">
+            <a:avLst/>
+          </a:prstGeom>
+          <a:solidFill>
+            <a:schemeClr val="accent1"/>
+          </a:solidFill>
+          <a:ln>
+            <a:noFill/>
+          </a:ln>
+        </p:spPr>
+        <p:style>
+          <a:lnRef idx="2">
+            <a:schemeClr val="accent1">
+              <a:shade val="50000"/>
+            </a:schemeClr>
+          </a:lnRef>
+          <a:fillRef idx="1">
+            <a:schemeClr val="accent1"/>
+          </a:fillRef>
+          <a:effectRef idx="0">
+            <a:schemeClr val="accent1"/>
+          </a:effectRef>
+          <a:fontRef idx="minor">
+            <a:schemeClr val="lt1"/>
+          </a:fontRef>
+        </p:style>
+      </p:sp>
+      <p:sp>
+        <p:nvSpPr>
+          <p:cNvPr id="2" name="Title 1">
+            <a:extLst>
+              <a:ext uri="{FF2B5EF4-FFF2-40B4-BE49-F238E27FC236}">
+                <a16:creationId xmlns:a16="http://schemas.microsoft.com/office/drawing/2014/main" id="{35CD58FB-D790-495F-A2EF-43D8DAE085DD}"/>
+              </a:ext>
+            </a:extLst>
+          </p:cNvPr>
+          <p:cNvSpPr>
+            <a:spLocks noGrp="1"/>
+          </p:cNvSpPr>
+          <p:nvPr>
+            <p:ph type="title"/>
+          </p:nvPr>
+        </p:nvSpPr>
+        <p:spPr>
+          <a:xfrm>
+            <a:off x="1097280" y="286603"/>
+            <a:ext cx="10058400" cy="1450757"/>
+          </a:xfrm>
+        </p:spPr>
+        <p:txBody>
+          <a:bodyPr anchor="ctr">
+            <a:normAutofit/>
+          </a:bodyPr>
+          <a:lstStyle/>
+          <a:p>
+            <a:r>
+              <a:rPr lang="en-US" dirty="0">
+                <a:solidFill>
+                  <a:srgbClr val="FFFFFF"/>
+                </a:solidFill>
+                <a:latin typeface="Bahnschrift Condensed" panose="020B0502040204020203" pitchFamily="34" charset="0"/>
+              </a:rPr>
+              <a:t>Dimensional Emotions Models</a:t>
+            </a:r>
+          </a:p>
+        </p:txBody>
+      </p:sp>
+      <p:sp>
+        <p:nvSpPr>
+          <p:cNvPr id="3" name="Content Placeholder 2">
+            <a:extLst>
+              <a:ext uri="{FF2B5EF4-FFF2-40B4-BE49-F238E27FC236}">
+                <a16:creationId xmlns:a16="http://schemas.microsoft.com/office/drawing/2014/main" id="{CA077991-CF5B-40B2-AFA8-3C331A61D3A0}"/>
+              </a:ext>
+            </a:extLst>
+          </p:cNvPr>
+          <p:cNvSpPr>
+            <a:spLocks noGrp="1"/>
+          </p:cNvSpPr>
+          <p:nvPr>
+            <p:ph idx="1"/>
+          </p:nvPr>
+        </p:nvSpPr>
+        <p:spPr>
+          <a:xfrm>
+            <a:off x="1096963" y="2675694"/>
+            <a:ext cx="10058400" cy="3193294"/>
+          </a:xfrm>
+        </p:spPr>
+        <p:txBody>
+          <a:bodyPr>
+            <a:normAutofit/>
+          </a:bodyPr>
+          <a:lstStyle/>
+          <a:p>
+            <a:r>
+              <a:rPr lang="en-US" dirty="0">
+                <a:latin typeface="Bahnschrift Light" panose="020B0502040204020203" pitchFamily="34" charset="0"/>
+              </a:rPr>
+              <a:t>The dimensional model presupposes that emotions are not independent and that there exists a relation between them hence the need to place them in a spatial space</a:t>
+            </a:r>
+          </a:p>
+          <a:p>
+            <a:r>
+              <a:rPr lang="en-US" dirty="0">
+                <a:latin typeface="Bahnschrift Light" panose="020B0502040204020203" pitchFamily="34" charset="0"/>
+              </a:rPr>
+              <a:t>Dimensional Emotions Models:</a:t>
+            </a:r>
+          </a:p>
+          <a:p>
+            <a:pPr lvl="1"/>
+            <a:r>
+              <a:rPr lang="en-US" dirty="0">
+                <a:latin typeface="Bahnschrift Light" panose="020B0502040204020203" pitchFamily="34" charset="0"/>
+              </a:rPr>
+              <a:t>Russel and Mehrabian Model:</a:t>
+            </a:r>
+          </a:p>
+          <a:p>
+            <a:pPr lvl="2"/>
+            <a:r>
+              <a:rPr lang="en-US" dirty="0">
+                <a:latin typeface="Bahnschrift Light" panose="020B0502040204020203" pitchFamily="34" charset="0"/>
+              </a:rPr>
+              <a:t>Three-dimensional model where third dimension represents the degree of control individuals had over their emotions</a:t>
+            </a:r>
+          </a:p>
+          <a:p>
+            <a:pPr lvl="1"/>
+            <a:r>
+              <a:rPr lang="en-US" dirty="0">
+                <a:latin typeface="Bahnschrift Light" panose="020B0502040204020203" pitchFamily="34" charset="0"/>
+              </a:rPr>
+              <a:t>Russel Model:</a:t>
+            </a:r>
+          </a:p>
+          <a:p>
+            <a:pPr lvl="2"/>
+            <a:r>
+              <a:rPr lang="en-US" dirty="0">
+                <a:latin typeface="Bahnschrift Light" panose="020B0502040204020203" pitchFamily="34" charset="0"/>
+              </a:rPr>
+              <a:t>Two-dimensional circle called circumplex of affect</a:t>
+            </a:r>
+          </a:p>
+        </p:txBody>
+      </p:sp>
+      <p:sp>
+        <p:nvSpPr>
+          <p:cNvPr id="12" name="Rectangle 11">
+            <a:extLst>
+              <a:ext uri="{FF2B5EF4-FFF2-40B4-BE49-F238E27FC236}">
+                <a16:creationId xmlns:a16="http://schemas.microsoft.com/office/drawing/2014/main" id="{9B834327-03F1-4931-8261-971373A5A694}"/>
+              </a:ext>
+              <a:ext uri="{C183D7F6-B498-43B3-948B-1728B52AA6E4}">
+                <adec:decorative xmlns:adec="http://schemas.microsoft.com/office/drawing/2017/decorative" val="1"/>
+              </a:ext>
+            </a:extLst>
+          </p:cNvPr>
+          <p:cNvSpPr>
+            <a:spLocks noGrp="1" noRot="1" noChangeAspect="1" noMove="1" noResize="1" noEditPoints="1" noAdjustHandles="1" noChangeArrowheads="1" noChangeShapeType="1" noTextEdit="1"/>
+          </p:cNvSpPr>
+          <p:nvPr>
+            <p:extLst>
+              <p:ext uri="{386F3935-93C4-4BCD-93E2-E3B085C9AB24}">
+                <p16:designElem xmlns:p16="http://schemas.microsoft.com/office/powerpoint/2015/main" val="1"/>
+              </p:ext>
+            </p:extLst>
+          </p:nvPr>
+        </p:nvSpPr>
+        <p:spPr>
+          <a:xfrm>
+            <a:off x="0" y="6400800"/>
+            <a:ext cx="12192000" cy="457200"/>
+          </a:xfrm>
+          <a:prstGeom prst="rect">
+            <a:avLst/>
+          </a:prstGeom>
+          <a:solidFill>
+            <a:srgbClr val="262626"/>
+          </a:solidFill>
+          <a:ln>
+            <a:noFill/>
+          </a:ln>
+        </p:spPr>
+        <p:style>
+          <a:lnRef idx="2">
+            <a:schemeClr val="accent1">
+              <a:shade val="50000"/>
+            </a:schemeClr>
+          </a:lnRef>
+          <a:fillRef idx="1">
+            <a:schemeClr val="accent1"/>
+          </a:fillRef>
+          <a:effectRef idx="0">
+            <a:schemeClr val="accent1"/>
+          </a:effectRef>
+          <a:fontRef idx="minor">
+            <a:schemeClr val="lt1"/>
+          </a:fontRef>
+        </p:style>
+      </p:sp>
+    </p:spTree>
+    <p:extLst>
+      <p:ext uri="{BB962C8B-B14F-4D97-AF65-F5344CB8AC3E}">
+        <p14:creationId xmlns:p14="http://schemas.microsoft.com/office/powerpoint/2010/main" val="2935248867"/>
+      </p:ext>
+    </p:extLst>
+  </p:cSld>
+  <p:clrMapOvr>
+    <a:masterClrMapping/>
+  </p:clrMapOvr>
+</p:sld>
+</file>
+
+<file path=ppt/slides/slide8.xml><?xml version="1.0" encoding="utf-8"?>
+<p:sld xmlns:a="http://schemas.openxmlformats.org/drawingml/2006/main" xmlns:r="http://schemas.openxmlformats.org/officeDocument/2006/relationships" xmlns:p="http://schemas.openxmlformats.org/presentationml/2006/main">
+  <p:cSld>
+    <p:bg>
+      <p:bgPr>
+        <a:solidFill>
+          <a:schemeClr val="bg1"/>
+        </a:solidFill>
+        <a:effectLst/>
+      </p:bgPr>
+    </p:bg>
+    <p:spTree>
+      <p:nvGrpSpPr>
+        <p:cNvPr id="1" name=""/>
+        <p:cNvGrpSpPr/>
+        <p:nvPr/>
+      </p:nvGrpSpPr>
+      <p:grpSpPr>
+        <a:xfrm>
+          <a:off x="0" y="0"/>
+          <a:ext cx="0" cy="0"/>
+          <a:chOff x="0" y="0"/>
+          <a:chExt cx="0" cy="0"/>
+        </a:xfrm>
+      </p:grpSpPr>
+      <p:sp useBgFill="1">
+        <p:nvSpPr>
+          <p:cNvPr id="8" name="Rectangle 7">
+            <a:extLst>
+              <a:ext uri="{FF2B5EF4-FFF2-40B4-BE49-F238E27FC236}">
+                <a16:creationId xmlns:a16="http://schemas.microsoft.com/office/drawing/2014/main" id="{3558DB37-9FEE-48A2-8578-ED0401573943}"/>
+              </a:ext>
+              <a:ext uri="{C183D7F6-B498-43B3-948B-1728B52AA6E4}">
+                <adec:decorative xmlns:adec="http://schemas.microsoft.com/office/drawing/2017/decorative" val="1"/>
+              </a:ext>
+            </a:extLst>
+          </p:cNvPr>
+          <p:cNvSpPr>
+            <a:spLocks noGrp="1" noRot="1" noChangeAspect="1" noMove="1" noResize="1" noEditPoints="1" noAdjustHandles="1" noChangeArrowheads="1" noChangeShapeType="1" noTextEdit="1"/>
+          </p:cNvSpPr>
+          <p:nvPr>
+            <p:extLst>
+              <p:ext uri="{386F3935-93C4-4BCD-93E2-E3B085C9AB24}">
+                <p16:designElem xmlns:p16="http://schemas.microsoft.com/office/powerpoint/2015/main" val="1"/>
+              </p:ext>
+            </p:extLst>
+          </p:nvPr>
+        </p:nvSpPr>
+        <p:spPr>
+          <a:xfrm>
+            <a:off x="1507" y="0"/>
+            <a:ext cx="12192000" cy="6858000"/>
+          </a:xfrm>
+          <a:prstGeom prst="rect">
+            <a:avLst/>
+          </a:prstGeom>
+          <a:ln>
+            <a:noFill/>
+          </a:ln>
+        </p:spPr>
+        <p:style>
+          <a:lnRef idx="2">
+            <a:schemeClr val="accent1">
+              <a:shade val="50000"/>
+            </a:schemeClr>
+          </a:lnRef>
+          <a:fillRef idx="1">
+            <a:schemeClr val="accent1"/>
+          </a:fillRef>
+          <a:effectRef idx="0">
+            <a:schemeClr val="accent1"/>
+          </a:effectRef>
+          <a:fontRef idx="minor">
+            <a:schemeClr val="lt1"/>
+          </a:fontRef>
+        </p:style>
+        <p:txBody>
+          <a:bodyPr rtlCol="0" anchor="ctr"/>
+          <a:lstStyle/>
+          <a:p>
+            <a:pPr algn="ctr"/>
+            <a:endParaRPr lang="en-US"/>
+          </a:p>
+        </p:txBody>
+      </p:sp>
+      <p:sp>
+        <p:nvSpPr>
+          <p:cNvPr id="10" name="Rectangle 9">
+            <a:extLst>
+              <a:ext uri="{FF2B5EF4-FFF2-40B4-BE49-F238E27FC236}">
+                <a16:creationId xmlns:a16="http://schemas.microsoft.com/office/drawing/2014/main" id="{5F7FCCA6-00E2-4F74-A105-0D769872F243}"/>
+              </a:ext>
+              <a:ext uri="{C183D7F6-B498-43B3-948B-1728B52AA6E4}">
+                <adec:decorative xmlns:adec="http://schemas.microsoft.com/office/drawing/2017/decorative" val="1"/>
+              </a:ext>
+            </a:extLst>
+          </p:cNvPr>
+          <p:cNvSpPr>
+            <a:spLocks noGrp="1" noRot="1" noChangeAspect="1" noMove="1" noResize="1" noEditPoints="1" noAdjustHandles="1" noChangeArrowheads="1" noChangeShapeType="1" noTextEdit="1"/>
+          </p:cNvSpPr>
+          <p:nvPr>
+            <p:extLst>
+              <p:ext uri="{386F3935-93C4-4BCD-93E2-E3B085C9AB24}">
+                <p16:designElem xmlns:p16="http://schemas.microsoft.com/office/powerpoint/2015/main" val="1"/>
+              </p:ext>
+            </p:extLst>
+          </p:nvPr>
+        </p:nvSpPr>
+        <p:spPr bwMode="white">
+          <a:xfrm>
+            <a:off x="1507" y="0"/>
+            <a:ext cx="12188952" cy="1905000"/>
+          </a:xfrm>
+          <a:prstGeom prst="rect">
+            <a:avLst/>
+          </a:prstGeom>
+          <a:solidFill>
+            <a:schemeClr val="accent1"/>
+          </a:solidFill>
+          <a:ln>
+            <a:noFill/>
+          </a:ln>
+        </p:spPr>
+        <p:style>
+          <a:lnRef idx="2">
+            <a:schemeClr val="accent1">
+              <a:shade val="50000"/>
+            </a:schemeClr>
+          </a:lnRef>
+          <a:fillRef idx="1">
+            <a:schemeClr val="accent1"/>
+          </a:fillRef>
+          <a:effectRef idx="0">
+            <a:schemeClr val="accent1"/>
+          </a:effectRef>
+          <a:fontRef idx="minor">
+            <a:schemeClr val="lt1"/>
+          </a:fontRef>
+        </p:style>
+      </p:sp>
+      <p:sp>
+        <p:nvSpPr>
+          <p:cNvPr id="2" name="Title 1">
+            <a:extLst>
+              <a:ext uri="{FF2B5EF4-FFF2-40B4-BE49-F238E27FC236}">
+                <a16:creationId xmlns:a16="http://schemas.microsoft.com/office/drawing/2014/main" id="{35CD58FB-D790-495F-A2EF-43D8DAE085DD}"/>
+              </a:ext>
+            </a:extLst>
+          </p:cNvPr>
+          <p:cNvSpPr>
+            <a:spLocks noGrp="1"/>
+          </p:cNvSpPr>
+          <p:nvPr>
+            <p:ph type="title"/>
+          </p:nvPr>
+        </p:nvSpPr>
+        <p:spPr>
+          <a:xfrm>
+            <a:off x="1097280" y="286603"/>
+            <a:ext cx="10058400" cy="1450757"/>
+          </a:xfrm>
+        </p:spPr>
+        <p:txBody>
+          <a:bodyPr anchor="ctr">
+            <a:normAutofit/>
+          </a:bodyPr>
+          <a:lstStyle/>
+          <a:p>
+            <a:r>
+              <a:rPr lang="en-US" dirty="0">
+                <a:solidFill>
+                  <a:srgbClr val="FFFFFF"/>
+                </a:solidFill>
+                <a:latin typeface="Bahnschrift Condensed" panose="020B0502040204020203" pitchFamily="34" charset="0"/>
+              </a:rPr>
+              <a:t>Russel Dimensional Emotion Model</a:t>
+            </a:r>
+          </a:p>
+        </p:txBody>
+      </p:sp>
+      <p:sp>
+        <p:nvSpPr>
+          <p:cNvPr id="12" name="Rectangle 11">
+            <a:extLst>
+              <a:ext uri="{FF2B5EF4-FFF2-40B4-BE49-F238E27FC236}">
+                <a16:creationId xmlns:a16="http://schemas.microsoft.com/office/drawing/2014/main" id="{9B834327-03F1-4931-8261-971373A5A694}"/>
+              </a:ext>
+              <a:ext uri="{C183D7F6-B498-43B3-948B-1728B52AA6E4}">
+                <adec:decorative xmlns:adec="http://schemas.microsoft.com/office/drawing/2017/decorative" val="1"/>
+              </a:ext>
+            </a:extLst>
+          </p:cNvPr>
+          <p:cNvSpPr>
+            <a:spLocks noGrp="1" noRot="1" noChangeAspect="1" noMove="1" noResize="1" noEditPoints="1" noAdjustHandles="1" noChangeArrowheads="1" noChangeShapeType="1" noTextEdit="1"/>
+          </p:cNvSpPr>
+          <p:nvPr>
+            <p:extLst>
+              <p:ext uri="{386F3935-93C4-4BCD-93E2-E3B085C9AB24}">
+                <p16:designElem xmlns:p16="http://schemas.microsoft.com/office/powerpoint/2015/main" val="1"/>
+              </p:ext>
+            </p:extLst>
+          </p:nvPr>
+        </p:nvSpPr>
+        <p:spPr>
+          <a:xfrm>
+            <a:off x="0" y="6400800"/>
+            <a:ext cx="12192000" cy="457200"/>
+          </a:xfrm>
+          <a:prstGeom prst="rect">
+            <a:avLst/>
+          </a:prstGeom>
+          <a:solidFill>
+            <a:srgbClr val="262626"/>
+          </a:solidFill>
+          <a:ln>
+            <a:noFill/>
+          </a:ln>
+        </p:spPr>
+        <p:style>
+          <a:lnRef idx="2">
+            <a:schemeClr val="accent1">
+              <a:shade val="50000"/>
+            </a:schemeClr>
+          </a:lnRef>
+          <a:fillRef idx="1">
+            <a:schemeClr val="accent1"/>
+          </a:fillRef>
+          <a:effectRef idx="0">
+            <a:schemeClr val="accent1"/>
+          </a:effectRef>
+          <a:fontRef idx="minor">
+            <a:schemeClr val="lt1"/>
+          </a:fontRef>
+        </p:style>
+      </p:sp>
+      <p:pic>
+        <p:nvPicPr>
+          <p:cNvPr id="11" name="Content Placeholder 4" descr="Diagram&#10;&#10;Description automatically generated">
+            <a:extLst>
+              <a:ext uri="{FF2B5EF4-FFF2-40B4-BE49-F238E27FC236}">
+                <a16:creationId xmlns:a16="http://schemas.microsoft.com/office/drawing/2014/main" id="{D9992A87-108F-444B-B23E-F975B4876F13}"/>
+              </a:ext>
+            </a:extLst>
+          </p:cNvPr>
+          <p:cNvPicPr>
+            <a:picLocks noGrp="1" noChangeAspect="1"/>
+          </p:cNvPicPr>
+          <p:nvPr>
+            <p:ph idx="1"/>
+          </p:nvPr>
+        </p:nvPicPr>
+        <p:blipFill>
+          <a:blip r:embed="rId2">
+            <a:extLst>
+              <a:ext uri="{28A0092B-C50C-407E-A947-70E740481C1C}">
+                <a14:useLocalDpi xmlns:a14="http://schemas.microsoft.com/office/drawing/2010/main" val="0"/>
+              </a:ext>
+            </a:extLst>
+          </a:blip>
+          <a:stretch>
+            <a:fillRect/>
+          </a:stretch>
+        </p:blipFill>
+        <p:spPr>
+          <a:xfrm>
+            <a:off x="2484791" y="1929343"/>
+            <a:ext cx="6808499" cy="4303817"/>
+          </a:xfrm>
+          <a:prstGeom prst="rect">
+            <a:avLst/>
+          </a:prstGeom>
+        </p:spPr>
+      </p:pic>
+    </p:spTree>
+    <p:extLst>
+      <p:ext uri="{BB962C8B-B14F-4D97-AF65-F5344CB8AC3E}">
+        <p14:creationId xmlns:p14="http://schemas.microsoft.com/office/powerpoint/2010/main" val="1396056446"/>
+      </p:ext>
+    </p:extLst>
+  </p:cSld>
+  <p:clrMapOvr>
+    <a:masterClrMapping/>
+  </p:clrMapOvr>
+</p:sld>
+</file>
+
 <file path=ppt/slides/slide9.xml><?xml version="1.0" encoding="utf-8"?>
 <p:sld xmlns:a="http://schemas.openxmlformats.org/drawingml/2006/main" xmlns:r="http://schemas.openxmlformats.org/officeDocument/2006/relationships" xmlns:p="http://schemas.openxmlformats.org/presentationml/2006/main">
   <p:cSld>
@@ -8097,12 +8730,12 @@
           <a:chExt cx="0" cy="0"/>
         </a:xfrm>
       </p:grpSpPr>
-      <p:sp>
-        <p:nvSpPr>
-          <p:cNvPr id="15" name="Rectangle 14">
-            <a:extLst>
-              <a:ext uri="{FF2B5EF4-FFF2-40B4-BE49-F238E27FC236}">
-                <a16:creationId xmlns:a16="http://schemas.microsoft.com/office/drawing/2014/main" id="{A8E9C91B-7EAD-4562-AB0E-DFB9663AECE3}"/>
+      <p:sp useBgFill="1">
+        <p:nvSpPr>
+          <p:cNvPr id="8" name="Rectangle 7">
+            <a:extLst>
+              <a:ext uri="{FF2B5EF4-FFF2-40B4-BE49-F238E27FC236}">
+                <a16:creationId xmlns:a16="http://schemas.microsoft.com/office/drawing/2014/main" id="{3558DB37-9FEE-48A2-8578-ED0401573943}"/>
               </a:ext>
               <a:ext uri="{C183D7F6-B498-43B3-948B-1728B52AA6E4}">
                 <adec:decorative xmlns:adec="http://schemas.microsoft.com/office/drawing/2017/decorative" val="1"/>
@@ -8122,8 +8755,163 @@
         </p:nvSpPr>
         <p:spPr>
           <a:xfrm>
-            <a:off x="3175" y="6400800"/>
-            <a:ext cx="12188825" cy="457200"/>
+            <a:off x="1507" y="0"/>
+            <a:ext cx="12192000" cy="6858000"/>
+          </a:xfrm>
+          <a:prstGeom prst="rect">
+            <a:avLst/>
+          </a:prstGeom>
+          <a:ln>
+            <a:noFill/>
+          </a:ln>
+        </p:spPr>
+        <p:style>
+          <a:lnRef idx="2">
+            <a:schemeClr val="accent1">
+              <a:shade val="50000"/>
+            </a:schemeClr>
+          </a:lnRef>
+          <a:fillRef idx="1">
+            <a:schemeClr val="accent1"/>
+          </a:fillRef>
+          <a:effectRef idx="0">
+            <a:schemeClr val="accent1"/>
+          </a:effectRef>
+          <a:fontRef idx="minor">
+            <a:schemeClr val="lt1"/>
+          </a:fontRef>
+        </p:style>
+        <p:txBody>
+          <a:bodyPr rtlCol="0" anchor="ctr"/>
+          <a:lstStyle/>
+          <a:p>
+            <a:pPr algn="ctr"/>
+            <a:endParaRPr lang="en-US"/>
+          </a:p>
+        </p:txBody>
+      </p:sp>
+      <p:sp>
+        <p:nvSpPr>
+          <p:cNvPr id="10" name="Rectangle 9">
+            <a:extLst>
+              <a:ext uri="{FF2B5EF4-FFF2-40B4-BE49-F238E27FC236}">
+                <a16:creationId xmlns:a16="http://schemas.microsoft.com/office/drawing/2014/main" id="{5F7FCCA6-00E2-4F74-A105-0D769872F243}"/>
+              </a:ext>
+              <a:ext uri="{C183D7F6-B498-43B3-948B-1728B52AA6E4}">
+                <adec:decorative xmlns:adec="http://schemas.microsoft.com/office/drawing/2017/decorative" val="1"/>
+              </a:ext>
+            </a:extLst>
+          </p:cNvPr>
+          <p:cNvSpPr>
+            <a:spLocks noGrp="1" noRot="1" noChangeAspect="1" noMove="1" noResize="1" noEditPoints="1" noAdjustHandles="1" noChangeArrowheads="1" noChangeShapeType="1" noTextEdit="1"/>
+          </p:cNvSpPr>
+          <p:nvPr>
+            <p:extLst>
+              <p:ext uri="{386F3935-93C4-4BCD-93E2-E3B085C9AB24}">
+                <p16:designElem xmlns:p16="http://schemas.microsoft.com/office/powerpoint/2015/main" val="1"/>
+              </p:ext>
+            </p:extLst>
+          </p:nvPr>
+        </p:nvSpPr>
+        <p:spPr bwMode="white">
+          <a:xfrm>
+            <a:off x="1507" y="0"/>
+            <a:ext cx="12188952" cy="1905000"/>
+          </a:xfrm>
+          <a:prstGeom prst="rect">
+            <a:avLst/>
+          </a:prstGeom>
+          <a:solidFill>
+            <a:schemeClr val="accent1"/>
+          </a:solidFill>
+          <a:ln>
+            <a:noFill/>
+          </a:ln>
+        </p:spPr>
+        <p:style>
+          <a:lnRef idx="2">
+            <a:schemeClr val="accent1">
+              <a:shade val="50000"/>
+            </a:schemeClr>
+          </a:lnRef>
+          <a:fillRef idx="1">
+            <a:schemeClr val="accent1"/>
+          </a:fillRef>
+          <a:effectRef idx="0">
+            <a:schemeClr val="accent1"/>
+          </a:effectRef>
+          <a:fontRef idx="minor">
+            <a:schemeClr val="lt1"/>
+          </a:fontRef>
+        </p:style>
+      </p:sp>
+      <p:sp>
+        <p:nvSpPr>
+          <p:cNvPr id="2" name="Title 1">
+            <a:extLst>
+              <a:ext uri="{FF2B5EF4-FFF2-40B4-BE49-F238E27FC236}">
+                <a16:creationId xmlns:a16="http://schemas.microsoft.com/office/drawing/2014/main" id="{35CD58FB-D790-495F-A2EF-43D8DAE085DD}"/>
+              </a:ext>
+            </a:extLst>
+          </p:cNvPr>
+          <p:cNvSpPr>
+            <a:spLocks noGrp="1"/>
+          </p:cNvSpPr>
+          <p:nvPr>
+            <p:ph type="title"/>
+          </p:nvPr>
+        </p:nvSpPr>
+        <p:spPr>
+          <a:xfrm>
+            <a:off x="1097280" y="286603"/>
+            <a:ext cx="10058400" cy="1450757"/>
+          </a:xfrm>
+        </p:spPr>
+        <p:txBody>
+          <a:bodyPr anchor="ctr">
+            <a:normAutofit/>
+          </a:bodyPr>
+          <a:lstStyle/>
+          <a:p>
+            <a:r>
+              <a:rPr lang="en-US" dirty="0">
+                <a:solidFill>
+                  <a:srgbClr val="FFFFFF"/>
+                </a:solidFill>
+                <a:latin typeface="Bahnschrift Condensed" panose="020B0502040204020203" pitchFamily="34" charset="0"/>
+              </a:rPr>
+              <a:t>Techniques And Algorithms</a:t>
+            </a:r>
+          </a:p>
+        </p:txBody>
+      </p:sp>
+      <p:sp>
+        <p:nvSpPr>
+          <p:cNvPr id="12" name="Rectangle 11">
+            <a:extLst>
+              <a:ext uri="{FF2B5EF4-FFF2-40B4-BE49-F238E27FC236}">
+                <a16:creationId xmlns:a16="http://schemas.microsoft.com/office/drawing/2014/main" id="{9B834327-03F1-4931-8261-971373A5A694}"/>
+              </a:ext>
+              <a:ext uri="{C183D7F6-B498-43B3-948B-1728B52AA6E4}">
+                <adec:decorative xmlns:adec="http://schemas.microsoft.com/office/drawing/2017/decorative" val="1"/>
+              </a:ext>
+            </a:extLst>
+          </p:cNvPr>
+          <p:cNvSpPr>
+            <a:spLocks noGrp="1" noRot="1" noChangeAspect="1" noMove="1" noResize="1" noEditPoints="1" noAdjustHandles="1" noChangeArrowheads="1" noChangeShapeType="1" noTextEdit="1"/>
+          </p:cNvSpPr>
+          <p:nvPr>
+            <p:extLst>
+              <p:ext uri="{386F3935-93C4-4BCD-93E2-E3B085C9AB24}">
+                <p16:designElem xmlns:p16="http://schemas.microsoft.com/office/powerpoint/2015/main" val="1"/>
+              </p:ext>
+            </p:extLst>
+          </p:nvPr>
+        </p:nvSpPr>
+        <p:spPr>
+          <a:xfrm>
+            <a:off x="0" y="6400800"/>
+            <a:ext cx="12192000" cy="457200"/>
           </a:xfrm>
           <a:prstGeom prst="rect">
             <a:avLst/>
@@ -8154,226 +8942,51 @@
       </p:sp>
       <p:sp>
         <p:nvSpPr>
-          <p:cNvPr id="17" name="Rectangle 16">
-            <a:extLst>
-              <a:ext uri="{FF2B5EF4-FFF2-40B4-BE49-F238E27FC236}">
-                <a16:creationId xmlns:a16="http://schemas.microsoft.com/office/drawing/2014/main" id="{41497DE5-0939-4D1D-9350-0C5E1B209C68}"/>
-              </a:ext>
-              <a:ext uri="{C183D7F6-B498-43B3-948B-1728B52AA6E4}">
-                <adec:decorative xmlns:adec="http://schemas.microsoft.com/office/drawing/2017/decorative" val="1"/>
-              </a:ext>
-            </a:extLst>
-          </p:cNvPr>
-          <p:cNvSpPr>
-            <a:spLocks noGrp="1" noRot="1" noChangeAspect="1" noMove="1" noResize="1" noEditPoints="1" noAdjustHandles="1" noChangeArrowheads="1" noChangeShapeType="1" noTextEdit="1"/>
-          </p:cNvSpPr>
-          <p:nvPr>
-            <p:extLst>
-              <p:ext uri="{386F3935-93C4-4BCD-93E2-E3B085C9AB24}">
-                <p16:designElem xmlns:p16="http://schemas.microsoft.com/office/powerpoint/2015/main" val="1"/>
-              </p:ext>
-            </p:extLst>
-          </p:nvPr>
-        </p:nvSpPr>
-        <p:spPr>
-          <a:xfrm>
-            <a:off x="0" y="0"/>
-            <a:ext cx="12192000" cy="6858000"/>
-          </a:xfrm>
-          <a:prstGeom prst="rect">
-            <a:avLst/>
-          </a:prstGeom>
-          <a:solidFill>
-            <a:srgbClr val="262626"/>
-          </a:solidFill>
-          <a:ln>
-            <a:noFill/>
-          </a:ln>
-        </p:spPr>
-        <p:style>
-          <a:lnRef idx="2">
-            <a:schemeClr val="accent1">
-              <a:shade val="50000"/>
-            </a:schemeClr>
-          </a:lnRef>
-          <a:fillRef idx="1">
-            <a:schemeClr val="accent1"/>
-          </a:fillRef>
-          <a:effectRef idx="0">
-            <a:schemeClr val="accent1"/>
-          </a:effectRef>
-          <a:fontRef idx="minor">
-            <a:schemeClr val="lt1"/>
-          </a:fontRef>
-        </p:style>
-        <p:txBody>
-          <a:bodyPr rtlCol="0" anchor="ctr"/>
+          <p:cNvPr id="4" name="Content Placeholder 3">
+            <a:extLst>
+              <a:ext uri="{FF2B5EF4-FFF2-40B4-BE49-F238E27FC236}">
+                <a16:creationId xmlns:a16="http://schemas.microsoft.com/office/drawing/2014/main" id="{BB2500BB-1C98-4CA7-AAA7-1DC19C4EC1E6}"/>
+              </a:ext>
+            </a:extLst>
+          </p:cNvPr>
+          <p:cNvSpPr>
+            <a:spLocks noGrp="1"/>
+          </p:cNvSpPr>
+          <p:nvPr>
+            <p:ph idx="1"/>
+          </p:nvPr>
+        </p:nvSpPr>
+        <p:spPr/>
+        <p:txBody>
+          <a:bodyPr/>
           <a:lstStyle/>
           <a:p>
-            <a:pPr algn="ctr"/>
-            <a:endParaRPr lang="en-US"/>
-          </a:p>
-        </p:txBody>
-      </p:sp>
-      <p:sp>
-        <p:nvSpPr>
-          <p:cNvPr id="19" name="Rectangle 18">
-            <a:extLst>
-              <a:ext uri="{FF2B5EF4-FFF2-40B4-BE49-F238E27FC236}">
-                <a16:creationId xmlns:a16="http://schemas.microsoft.com/office/drawing/2014/main" id="{5CCC70ED-6C63-4537-B7EB-51990D6C0A6F}"/>
-              </a:ext>
-              <a:ext uri="{C183D7F6-B498-43B3-948B-1728B52AA6E4}">
-                <adec:decorative xmlns:adec="http://schemas.microsoft.com/office/drawing/2017/decorative" val="1"/>
-              </a:ext>
-            </a:extLst>
-          </p:cNvPr>
-          <p:cNvSpPr>
-            <a:spLocks noGrp="1" noRot="1" noChangeAspect="1" noMove="1" noResize="1" noEditPoints="1" noAdjustHandles="1" noChangeArrowheads="1" noChangeShapeType="1" noTextEdit="1"/>
-          </p:cNvSpPr>
-          <p:nvPr>
-            <p:extLst>
-              <p:ext uri="{386F3935-93C4-4BCD-93E2-E3B085C9AB24}">
-                <p16:designElem xmlns:p16="http://schemas.microsoft.com/office/powerpoint/2015/main" val="1"/>
-              </p:ext>
-            </p:extLst>
-          </p:nvPr>
-        </p:nvSpPr>
-        <p:spPr>
-          <a:xfrm>
-            <a:off x="458724" y="457200"/>
-            <a:ext cx="11274552" cy="5943600"/>
-          </a:xfrm>
-          <a:prstGeom prst="rect">
-            <a:avLst/>
-          </a:prstGeom>
-          <a:ln>
-            <a:noFill/>
-          </a:ln>
-        </p:spPr>
-        <p:style>
-          <a:lnRef idx="2">
-            <a:schemeClr val="accent1">
-              <a:shade val="50000"/>
-            </a:schemeClr>
-          </a:lnRef>
-          <a:fillRef idx="1">
-            <a:schemeClr val="accent1"/>
-          </a:fillRef>
-          <a:effectRef idx="0">
-            <a:schemeClr val="accent1"/>
-          </a:effectRef>
-          <a:fontRef idx="minor">
-            <a:schemeClr val="lt1"/>
-          </a:fontRef>
-        </p:style>
-        <p:txBody>
-          <a:bodyPr rtlCol="0" anchor="ctr"/>
-          <a:lstStyle/>
-          <a:p>
-            <a:pPr algn="ctr"/>
-            <a:endParaRPr lang="en-US"/>
-          </a:p>
-        </p:txBody>
-      </p:sp>
-      <p:sp>
-        <p:nvSpPr>
-          <p:cNvPr id="21" name="Rectangle 20">
-            <a:extLst>
-              <a:ext uri="{FF2B5EF4-FFF2-40B4-BE49-F238E27FC236}">
-                <a16:creationId xmlns:a16="http://schemas.microsoft.com/office/drawing/2014/main" id="{B76E24C1-2968-40DC-A36E-F6B85F0F0752}"/>
-              </a:ext>
-              <a:ext uri="{C183D7F6-B498-43B3-948B-1728B52AA6E4}">
-                <adec:decorative xmlns:adec="http://schemas.microsoft.com/office/drawing/2017/decorative" val="1"/>
-              </a:ext>
-            </a:extLst>
-          </p:cNvPr>
-          <p:cNvSpPr>
-            <a:spLocks noGrp="1" noRot="1" noChangeAspect="1" noMove="1" noResize="1" noEditPoints="1" noAdjustHandles="1" noChangeArrowheads="1" noChangeShapeType="1" noTextEdit="1"/>
-          </p:cNvSpPr>
-          <p:nvPr>
-            <p:extLst>
-              <p:ext uri="{386F3935-93C4-4BCD-93E2-E3B085C9AB24}">
-                <p16:designElem xmlns:p16="http://schemas.microsoft.com/office/powerpoint/2015/main" val="1"/>
-              </p:ext>
-            </p:extLst>
-          </p:nvPr>
-        </p:nvSpPr>
-        <p:spPr>
-          <a:xfrm>
-            <a:off x="522732" y="521208"/>
-            <a:ext cx="11146536" cy="5815584"/>
-          </a:xfrm>
-          <a:prstGeom prst="rect">
-            <a:avLst/>
-          </a:prstGeom>
-          <a:solidFill>
-            <a:srgbClr val="FFFFFF"/>
-          </a:solidFill>
-          <a:ln>
-            <a:noFill/>
-          </a:ln>
-        </p:spPr>
-        <p:style>
-          <a:lnRef idx="2">
-            <a:schemeClr val="accent1">
-              <a:shade val="50000"/>
-            </a:schemeClr>
-          </a:lnRef>
-          <a:fillRef idx="1">
-            <a:schemeClr val="accent1"/>
-          </a:fillRef>
-          <a:effectRef idx="0">
-            <a:schemeClr val="accent1"/>
-          </a:effectRef>
-          <a:fontRef idx="minor">
-            <a:schemeClr val="lt1"/>
-          </a:fontRef>
-        </p:style>
-        <p:txBody>
-          <a:bodyPr rtlCol="0" anchor="ctr"/>
-          <a:lstStyle/>
-          <a:p>
-            <a:pPr algn="ctr"/>
-            <a:endParaRPr lang="en-US"/>
-          </a:p>
-        </p:txBody>
-      </p:sp>
-      <p:pic>
-        <p:nvPicPr>
-          <p:cNvPr id="9" name="Content Placeholder 8">
-            <a:extLst>
-              <a:ext uri="{FF2B5EF4-FFF2-40B4-BE49-F238E27FC236}">
-                <a16:creationId xmlns:a16="http://schemas.microsoft.com/office/drawing/2014/main" id="{53288E19-3B0D-4D6E-921C-6D02D85EEFAB}"/>
-              </a:ext>
-            </a:extLst>
-          </p:cNvPr>
-          <p:cNvPicPr>
-            <a:picLocks noGrp="1" noChangeAspect="1"/>
-          </p:cNvPicPr>
-          <p:nvPr>
-            <p:ph idx="1"/>
-          </p:nvPr>
-        </p:nvPicPr>
-        <p:blipFill>
-          <a:blip r:embed="rId2"/>
-          <a:stretch>
-            <a:fillRect/>
-          </a:stretch>
-        </p:blipFill>
-        <p:spPr>
-          <a:xfrm>
-            <a:off x="2040316" y="549464"/>
-            <a:ext cx="8111367" cy="5759072"/>
-          </a:xfrm>
-          <a:prstGeom prst="rect">
-            <a:avLst/>
-          </a:prstGeom>
-        </p:spPr>
-      </p:pic>
+            <a:r>
+              <a:rPr lang="en-US" dirty="0">
+                <a:latin typeface="Bahnschrift Light" panose="020B0502040204020203" pitchFamily="34" charset="0"/>
+              </a:rPr>
+              <a:t>LSTM to CNN (65.97% Accuracy)</a:t>
+            </a:r>
+          </a:p>
+          <a:p>
+            <a:endParaRPr lang="en-US" dirty="0">
+              <a:latin typeface="Bahnschrift Light" panose="020B0502040204020203" pitchFamily="34" charset="0"/>
+            </a:endParaRPr>
+          </a:p>
+          <a:p>
+            <a:r>
+              <a:rPr lang="en-US" dirty="0">
+                <a:latin typeface="Bahnschrift Light" panose="020B0502040204020203" pitchFamily="34" charset="0"/>
+              </a:rPr>
+              <a:t>SVM and NB (59.2% Accuracy)</a:t>
+            </a:r>
+          </a:p>
+        </p:txBody>
+      </p:sp>
     </p:spTree>
     <p:extLst>
       <p:ext uri="{BB962C8B-B14F-4D97-AF65-F5344CB8AC3E}">
-        <p14:creationId xmlns:p14="http://schemas.microsoft.com/office/powerpoint/2010/main" val="1806233300"/>
+        <p14:creationId xmlns:p14="http://schemas.microsoft.com/office/powerpoint/2010/main" val="2393159550"/>
       </p:ext>
     </p:extLst>
   </p:cSld>
@@ -8710,6 +9323,15 @@
 </file>
 
 <file path=customXml/item1.xml><?xml version="1.0" encoding="utf-8"?>
+<?mso-contentType ?>
+<FormTemplates xmlns="http://schemas.microsoft.com/sharepoint/v3/contenttype/forms">
+  <Display>DocumentLibraryForm</Display>
+  <Edit>DocumentLibraryForm</Edit>
+  <New>DocumentLibraryForm</New>
+</FormTemplates>
+</file>
+
+<file path=customXml/item2.xml><?xml version="1.0" encoding="utf-8"?>
 <ct:contentTypeSchema xmlns:ct="http://schemas.microsoft.com/office/2006/metadata/contentType" xmlns:ma="http://schemas.microsoft.com/office/2006/metadata/properties/metaAttributes" ct:_="" ma:_="" ma:contentTypeName="Document" ma:contentTypeID="0x01010079F111ED35F8CC479449609E8A0923A6" ma:contentTypeVersion="12" ma:contentTypeDescription="Create a new document." ma:contentTypeScope="" ma:versionID="a410dd7f93c95333ffa1b60ed6adedd1">
   <xsd:schema xmlns:xsd="http://www.w3.org/2001/XMLSchema" xmlns:xs="http://www.w3.org/2001/XMLSchema" xmlns:p="http://schemas.microsoft.com/office/2006/metadata/properties" xmlns:ns2="71af3243-3dd4-4a8d-8c0d-dd76da1f02a5" xmlns:ns3="16c05727-aa75-4e4a-9b5f-8a80a1165891" targetNamespace="http://schemas.microsoft.com/office/2006/metadata/properties" ma:root="true" ma:fieldsID="a936d9baba76aa3866493feff160faab" ns2:_="" ns3:_="">
     <xsd:import namespace="71af3243-3dd4-4a8d-8c0d-dd76da1f02a5"/>
@@ -8930,15 +9552,6 @@
 </ct:contentTypeSchema>
 </file>
 
-<file path=customXml/item2.xml><?xml version="1.0" encoding="utf-8"?>
-<?mso-contentType ?>
-<FormTemplates xmlns="http://schemas.microsoft.com/sharepoint/v3/contenttype/forms">
-  <Display>DocumentLibraryForm</Display>
-  <Edit>DocumentLibraryForm</Edit>
-  <New>DocumentLibraryForm</New>
-</FormTemplates>
-</file>
-
 <file path=customXml/item3.xml><?xml version="1.0" encoding="utf-8"?>
 <p:properties xmlns:p="http://schemas.microsoft.com/office/2006/metadata/properties" xmlns:xsi="http://www.w3.org/2001/XMLSchema-instance" xmlns:pc="http://schemas.microsoft.com/office/infopath/2007/PartnerControls">
   <documentManagement>
@@ -8949,6 +9562,14 @@
 </file>
 
 <file path=customXml/itemProps1.xml><?xml version="1.0" encoding="utf-8"?>
+<ds:datastoreItem xmlns:ds="http://schemas.openxmlformats.org/officeDocument/2006/customXml" ds:itemID="{AA3F7EDC-E5B4-4BBC-9D2A-CBE6D46C37AD}">
+  <ds:schemaRefs>
+    <ds:schemaRef ds:uri="http://schemas.microsoft.com/sharepoint/v3/contenttype/forms"/>
+  </ds:schemaRefs>
+</ds:datastoreItem>
+</file>
+
+<file path=customXml/itemProps2.xml><?xml version="1.0" encoding="utf-8"?>
 <ds:datastoreItem xmlns:ds="http://schemas.openxmlformats.org/officeDocument/2006/customXml" ds:itemID="{93932EF5-314F-409E-8020-FEE5FA0795B9}">
   <ds:schemaRefs>
     <ds:schemaRef ds:uri="http://schemas.microsoft.com/office/2006/metadata/contentType"/>
@@ -8967,14 +9588,6 @@
 </ds:datastoreItem>
 </file>
 
-<file path=customXml/itemProps2.xml><?xml version="1.0" encoding="utf-8"?>
-<ds:datastoreItem xmlns:ds="http://schemas.openxmlformats.org/officeDocument/2006/customXml" ds:itemID="{AA3F7EDC-E5B4-4BBC-9D2A-CBE6D46C37AD}">
-  <ds:schemaRefs>
-    <ds:schemaRef ds:uri="http://schemas.microsoft.com/sharepoint/v3/contenttype/forms"/>
-  </ds:schemaRefs>
-</ds:datastoreItem>
-</file>
-
 <file path=customXml/itemProps3.xml><?xml version="1.0" encoding="utf-8"?>
 <ds:datastoreItem xmlns:ds="http://schemas.openxmlformats.org/officeDocument/2006/customXml" ds:itemID="{A03EEFF0-FB57-4CB4-8BFC-DF397689E2ED}">
   <ds:schemaRefs>

--- a/presentation/prototype 1.pptx
+++ b/presentation/prototype 1.pptx
@@ -3601,7 +3601,7 @@
                   <a:schemeClr val="tx1"/>
                 </a:solidFill>
               </a:rPr>
-              <a:t>Text-Based motion detection</a:t>
+              <a:t>Text-Based emotion detection</a:t>
             </a:r>
           </a:p>
         </p:txBody>
@@ -3640,16 +3640,12 @@
               </a:lnSpc>
             </a:pPr>
             <a:r>
-              <a:rPr lang="en-US" sz="1600" dirty="0"/>
-              <a:t>Datasets &amp; </a:t>
-            </a:r>
-            <a:r>
               <a:rPr lang="en-US" sz="1600" b="0" i="0" u="none" strike="noStrike" dirty="0">
                 <a:solidFill>
                   <a:schemeClr val="tx1"/>
                 </a:solidFill>
               </a:rPr>
-              <a:t>current advances </a:t>
+              <a:t>current advances</a:t>
             </a:r>
             <a:endParaRPr lang="en-US" sz="1600" dirty="0"/>
           </a:p>
@@ -9323,12 +9319,12 @@
 </file>
 
 <file path=customXml/item1.xml><?xml version="1.0" encoding="utf-8"?>
-<?mso-contentType ?>
-<FormTemplates xmlns="http://schemas.microsoft.com/sharepoint/v3/contenttype/forms">
-  <Display>DocumentLibraryForm</Display>
-  <Edit>DocumentLibraryForm</Edit>
-  <New>DocumentLibraryForm</New>
-</FormTemplates>
+<p:properties xmlns:p="http://schemas.microsoft.com/office/2006/metadata/properties" xmlns:xsi="http://www.w3.org/2001/XMLSchema-instance" xmlns:pc="http://schemas.microsoft.com/office/infopath/2007/PartnerControls">
+  <documentManagement>
+    <Status xmlns="71af3243-3dd4-4a8d-8c0d-dd76da1f02a5">Not started</Status>
+    <MediaServiceKeyPoints xmlns="71af3243-3dd4-4a8d-8c0d-dd76da1f02a5" xsi:nil="true"/>
+  </documentManagement>
+</p:properties>
 </file>
 
 <file path=customXml/item2.xml><?xml version="1.0" encoding="utf-8"?>
@@ -9553,18 +9549,20 @@
 </file>
 
 <file path=customXml/item3.xml><?xml version="1.0" encoding="utf-8"?>
-<p:properties xmlns:p="http://schemas.microsoft.com/office/2006/metadata/properties" xmlns:xsi="http://www.w3.org/2001/XMLSchema-instance" xmlns:pc="http://schemas.microsoft.com/office/infopath/2007/PartnerControls">
-  <documentManagement>
-    <Status xmlns="71af3243-3dd4-4a8d-8c0d-dd76da1f02a5">Not started</Status>
-    <MediaServiceKeyPoints xmlns="71af3243-3dd4-4a8d-8c0d-dd76da1f02a5" xsi:nil="true"/>
-  </documentManagement>
-</p:properties>
+<?mso-contentType ?>
+<FormTemplates xmlns="http://schemas.microsoft.com/sharepoint/v3/contenttype/forms">
+  <Display>DocumentLibraryForm</Display>
+  <Edit>DocumentLibraryForm</Edit>
+  <New>DocumentLibraryForm</New>
+</FormTemplates>
 </file>
 
 <file path=customXml/itemProps1.xml><?xml version="1.0" encoding="utf-8"?>
-<ds:datastoreItem xmlns:ds="http://schemas.openxmlformats.org/officeDocument/2006/customXml" ds:itemID="{AA3F7EDC-E5B4-4BBC-9D2A-CBE6D46C37AD}">
+<ds:datastoreItem xmlns:ds="http://schemas.openxmlformats.org/officeDocument/2006/customXml" ds:itemID="{A03EEFF0-FB57-4CB4-8BFC-DF397689E2ED}">
   <ds:schemaRefs>
-    <ds:schemaRef ds:uri="http://schemas.microsoft.com/sharepoint/v3/contenttype/forms"/>
+    <ds:schemaRef ds:uri="http://schemas.microsoft.com/office/2006/metadata/properties"/>
+    <ds:schemaRef ds:uri="http://schemas.microsoft.com/office/infopath/2007/PartnerControls"/>
+    <ds:schemaRef ds:uri="71af3243-3dd4-4a8d-8c0d-dd76da1f02a5"/>
   </ds:schemaRefs>
 </ds:datastoreItem>
 </file>
@@ -9589,11 +9587,9 @@
 </file>
 
 <file path=customXml/itemProps3.xml><?xml version="1.0" encoding="utf-8"?>
-<ds:datastoreItem xmlns:ds="http://schemas.openxmlformats.org/officeDocument/2006/customXml" ds:itemID="{A03EEFF0-FB57-4CB4-8BFC-DF397689E2ED}">
+<ds:datastoreItem xmlns:ds="http://schemas.openxmlformats.org/officeDocument/2006/customXml" ds:itemID="{AA3F7EDC-E5B4-4BBC-9D2A-CBE6D46C37AD}">
   <ds:schemaRefs>
-    <ds:schemaRef ds:uri="http://schemas.microsoft.com/office/2006/metadata/properties"/>
-    <ds:schemaRef ds:uri="http://schemas.microsoft.com/office/infopath/2007/PartnerControls"/>
-    <ds:schemaRef ds:uri="71af3243-3dd4-4a8d-8c0d-dd76da1f02a5"/>
+    <ds:schemaRef ds:uri="http://schemas.microsoft.com/sharepoint/v3/contenttype/forms"/>
   </ds:schemaRefs>
 </ds:datastoreItem>
 </file>